--- a/eval1pres.pptx
+++ b/eval1pres.pptx
@@ -5,24 +5,18 @@
     <p:sldMasterId id="2147483660" r:id="rId4"/>
   </p:sldMasterIdLst>
   <p:notesMasterIdLst>
-    <p:notesMasterId r:id="rId17"/>
+    <p:notesMasterId r:id="rId11"/>
   </p:notesMasterIdLst>
   <p:handoutMasterIdLst>
-    <p:handoutMasterId r:id="rId18"/>
+    <p:handoutMasterId r:id="rId12"/>
   </p:handoutMasterIdLst>
   <p:sldIdLst>
     <p:sldId id="257" r:id="rId5"/>
     <p:sldId id="272" r:id="rId6"/>
-    <p:sldId id="268" r:id="rId7"/>
-    <p:sldId id="267" r:id="rId8"/>
-    <p:sldId id="269" r:id="rId9"/>
-    <p:sldId id="270" r:id="rId10"/>
-    <p:sldId id="259" r:id="rId11"/>
-    <p:sldId id="261" r:id="rId12"/>
-    <p:sldId id="262" r:id="rId13"/>
-    <p:sldId id="263" r:id="rId14"/>
-    <p:sldId id="271" r:id="rId15"/>
-    <p:sldId id="265" r:id="rId16"/>
+    <p:sldId id="275" r:id="rId7"/>
+    <p:sldId id="276" r:id="rId8"/>
+    <p:sldId id="277" r:id="rId9"/>
+    <p:sldId id="268" r:id="rId10"/>
   </p:sldIdLst>
   <p:sldSz cx="12188825" cy="6858000"/>
   <p:notesSz cx="6858000" cy="9144000"/>
@@ -167,227 +161,292 @@
       <c:style val="2"/>
     </mc:Fallback>
   </mc:AlternateContent>
+  <c:clrMapOvr bg1="lt1" tx1="dk1" bg2="lt2" tx2="dk2" accent1="accent1" accent2="accent2" accent3="accent3" accent4="accent4" accent5="accent5" accent6="accent6" hlink="hlink" folHlink="folHlink"/>
   <c:chart>
+    <c:title>
+      <c:tx>
+        <c:rich>
+          <a:bodyPr rot="0" spcFirstLastPara="1" vertOverflow="ellipsis" vert="horz" wrap="square" anchor="ctr" anchorCtr="1"/>
+          <a:lstStyle/>
+          <a:p>
+            <a:pPr>
+              <a:defRPr sz="1600" b="1" i="0" u="none" strike="noStrike" kern="1200" baseline="0">
+                <a:solidFill>
+                  <a:schemeClr val="bg1"/>
+                </a:solidFill>
+                <a:latin typeface="+mn-lt"/>
+                <a:ea typeface="+mn-ea"/>
+                <a:cs typeface="+mn-cs"/>
+              </a:defRPr>
+            </a:pPr>
+            <a:r>
+              <a:rPr lang="en-US"/>
+              <a:t>Sprint Burndown Chart</a:t>
+            </a:r>
+          </a:p>
+        </c:rich>
+      </c:tx>
+      <c:layout/>
+      <c:overlay val="0"/>
+      <c:spPr>
+        <a:noFill/>
+        <a:ln>
+          <a:noFill/>
+        </a:ln>
+        <a:effectLst/>
+      </c:spPr>
+    </c:title>
     <c:autoTitleDeleted val="0"/>
     <c:plotArea>
       <c:layout/>
-      <c:barChart>
-        <c:barDir val="col"/>
-        <c:grouping val="clustered"/>
+      <c:lineChart>
+        <c:grouping val="standard"/>
         <c:varyColors val="0"/>
         <c:ser>
           <c:idx val="0"/>
           <c:order val="0"/>
-          <c:tx>
-            <c:strRef>
-              <c:f>Sheet1!$B$1</c:f>
-              <c:strCache>
-                <c:ptCount val="1"/>
-                <c:pt idx="0">
-                  <c:v>Series 1</c:v>
-                </c:pt>
-              </c:strCache>
-            </c:strRef>
-          </c:tx>
           <c:spPr>
-            <a:noFill/>
-            <a:ln w="25400" cap="flat" cmpd="sng" algn="ctr">
+            <a:ln w="31750" cap="rnd">
               <a:solidFill>
                 <a:schemeClr val="accent1"/>
               </a:solidFill>
-              <a:miter lim="800000"/>
+              <a:round/>
             </a:ln>
-            <a:effectLst/>
+            <a:effectLst>
+              <a:outerShdw blurRad="40000" dist="23000" dir="5400000" rotWithShape="0">
+                <a:srgbClr val="000000">
+                  <a:alpha val="35000"/>
+                </a:srgbClr>
+              </a:outerShdw>
+            </a:effectLst>
           </c:spPr>
-          <c:invertIfNegative val="0"/>
-          <c:cat>
-            <c:strRef>
-              <c:f>Sheet1!$A$2:$A$5</c:f>
-              <c:strCache>
-                <c:ptCount val="4"/>
+          <c:marker>
+            <c:symbol val="none"/>
+          </c:marker>
+          <c:dLbls>
+            <c:spPr>
+              <a:solidFill>
+                <a:schemeClr val="accent2"/>
+              </a:solidFill>
+              <a:ln>
+                <a:solidFill>
+                  <a:schemeClr val="dk1">
+                    <a:lumMod val="25000"/>
+                    <a:lumOff val="75000"/>
+                  </a:schemeClr>
+                </a:solidFill>
+              </a:ln>
+              <a:effectLst/>
+            </c:spPr>
+            <c:txPr>
+              <a:bodyPr rot="0" spcFirstLastPara="1" vertOverflow="clip" horzOverflow="clip" vert="horz" wrap="square" lIns="36576" tIns="18288" rIns="36576" bIns="18288" anchor="ctr" anchorCtr="1">
+                <a:spAutoFit/>
+              </a:bodyPr>
+              <a:lstStyle/>
+              <a:p>
+                <a:pPr>
+                  <a:defRPr sz="1000" b="0" i="0" u="none" strike="noStrike" kern="1200" baseline="0">
+                    <a:solidFill>
+                      <a:schemeClr val="bg1"/>
+                    </a:solidFill>
+                    <a:latin typeface="+mn-lt"/>
+                    <a:ea typeface="+mn-ea"/>
+                    <a:cs typeface="+mn-cs"/>
+                  </a:defRPr>
+                </a:pPr>
+                <a:endParaRPr lang="en-US"/>
+              </a:p>
+            </c:txPr>
+            <c:dLblPos val="ctr"/>
+            <c:showLegendKey val="0"/>
+            <c:showVal val="1"/>
+            <c:showCatName val="0"/>
+            <c:showSerName val="0"/>
+            <c:showPercent val="0"/>
+            <c:showBubbleSize val="0"/>
+            <c:showLeaderLines val="0"/>
+            <c:extLst>
+              <c:ext xmlns:c15="http://schemas.microsoft.com/office/drawing/2012/chart" uri="{CE6537A1-D6FC-4f65-9D91-7224C49458BB}">
+                <c15:spPr xmlns:c15="http://schemas.microsoft.com/office/drawing/2012/chart">
+                  <a:prstGeom prst="ellipse">
+                    <a:avLst/>
+                  </a:prstGeom>
+                </c15:spPr>
+                <c15:layout/>
+                <c15:showLeaderLines val="1"/>
+                <c15:leaderLines>
+                  <c:spPr>
+                    <a:ln w="9525">
+                      <a:solidFill>
+                        <a:schemeClr val="tx2">
+                          <a:lumMod val="35000"/>
+                          <a:lumOff val="65000"/>
+                        </a:schemeClr>
+                      </a:solidFill>
+                    </a:ln>
+                    <a:effectLst/>
+                  </c:spPr>
+                </c15:leaderLines>
+              </c:ext>
+            </c:extLst>
+          </c:dLbls>
+          <c:val>
+            <c:numRef>
+              <c:f>'4. Sprint Backlog &amp; Burn Charts'!$H$21:$BG$21</c:f>
+              <c:numCache>
+                <c:formatCode>General</c:formatCode>
+                <c:ptCount val="52"/>
                 <c:pt idx="0">
-                  <c:v>Category 1</c:v>
+                  <c:v>91</c:v>
                 </c:pt>
                 <c:pt idx="1">
-                  <c:v>Category 2</c:v>
+                  <c:v>90</c:v>
                 </c:pt>
                 <c:pt idx="2">
-                  <c:v>Category 3</c:v>
+                  <c:v>90</c:v>
                 </c:pt>
                 <c:pt idx="3">
-                  <c:v>Category 4</c:v>
+                  <c:v>89</c:v>
                 </c:pt>
-              </c:strCache>
-            </c:strRef>
-          </c:cat>
-          <c:val>
-            <c:numRef>
-              <c:f>Sheet1!$B$2:$B$5</c:f>
-              <c:numCache>
-                <c:formatCode>General</c:formatCode>
-                <c:ptCount val="4"/>
-                <c:pt idx="0">
-                  <c:v>4.3</c:v>
+                <c:pt idx="4">
+                  <c:v>88</c:v>
                 </c:pt>
-                <c:pt idx="1">
-                  <c:v>2.5</c:v>
+                <c:pt idx="5">
+                  <c:v>87</c:v>
                 </c:pt>
-                <c:pt idx="2">
-                  <c:v>3.5</c:v>
+                <c:pt idx="6">
+                  <c:v>84</c:v>
                 </c:pt>
-                <c:pt idx="3">
-                  <c:v>4.5</c:v>
+                <c:pt idx="7">
+                  <c:v>83</c:v>
+                </c:pt>
+                <c:pt idx="8">
+                  <c:v>79</c:v>
+                </c:pt>
+                <c:pt idx="9">
+                  <c:v>78</c:v>
+                </c:pt>
+                <c:pt idx="10">
+                  <c:v>77</c:v>
+                </c:pt>
+                <c:pt idx="11">
+                  <c:v>75</c:v>
+                </c:pt>
+                <c:pt idx="12">
+                  <c:v>73</c:v>
+                </c:pt>
+                <c:pt idx="13">
+                  <c:v>71</c:v>
+                </c:pt>
+                <c:pt idx="14">
+                  <c:v>70</c:v>
+                </c:pt>
+                <c:pt idx="15">
+                  <c:v>69</c:v>
+                </c:pt>
+                <c:pt idx="16">
+                  <c:v>68</c:v>
+                </c:pt>
+                <c:pt idx="17">
+                  <c:v>66</c:v>
+                </c:pt>
+                <c:pt idx="18">
+                  <c:v>63</c:v>
+                </c:pt>
+                <c:pt idx="19">
+                  <c:v>60</c:v>
+                </c:pt>
+                <c:pt idx="20">
+                  <c:v>59</c:v>
+                </c:pt>
+                <c:pt idx="21">
+                  <c:v>56</c:v>
+                </c:pt>
+                <c:pt idx="22">
+                  <c:v>56</c:v>
+                </c:pt>
+                <c:pt idx="23">
+                  <c:v>56</c:v>
+                </c:pt>
+                <c:pt idx="24">
+                  <c:v>55</c:v>
+                </c:pt>
+                <c:pt idx="25">
+                  <c:v>55</c:v>
+                </c:pt>
+                <c:pt idx="26">
+                  <c:v>55</c:v>
+                </c:pt>
+                <c:pt idx="27">
+                  <c:v>50</c:v>
+                </c:pt>
+                <c:pt idx="28">
+                  <c:v>48.5</c:v>
+                </c:pt>
+                <c:pt idx="29">
+                  <c:v>47</c:v>
+                </c:pt>
+                <c:pt idx="30">
+                  <c:v>47</c:v>
+                </c:pt>
+                <c:pt idx="31">
+                  <c:v>47</c:v>
+                </c:pt>
+                <c:pt idx="32">
+                  <c:v>42</c:v>
+                </c:pt>
+                <c:pt idx="33">
+                  <c:v>41.5</c:v>
+                </c:pt>
+                <c:pt idx="34">
+                  <c:v>39.5</c:v>
+                </c:pt>
+                <c:pt idx="35">
+                  <c:v>38.5</c:v>
+                </c:pt>
+                <c:pt idx="36">
+                  <c:v>36.5</c:v>
+                </c:pt>
+                <c:pt idx="37">
+                  <c:v>36.5</c:v>
+                </c:pt>
+                <c:pt idx="38">
+                  <c:v>36.5</c:v>
+                </c:pt>
+                <c:pt idx="39">
+                  <c:v>33.5</c:v>
+                </c:pt>
+                <c:pt idx="40">
+                  <c:v>33.5</c:v>
+                </c:pt>
+                <c:pt idx="41">
+                  <c:v>33.5</c:v>
+                </c:pt>
+                <c:pt idx="42">
+                  <c:v>32.5</c:v>
+                </c:pt>
+                <c:pt idx="43">
+                  <c:v>29.5</c:v>
+                </c:pt>
+                <c:pt idx="44">
+                  <c:v>27.5</c:v>
+                </c:pt>
+                <c:pt idx="45">
+                  <c:v>17</c:v>
+                </c:pt>
+                <c:pt idx="46">
+                  <c:v>10</c:v>
+                </c:pt>
+                <c:pt idx="47">
+                  <c:v>8</c:v>
                 </c:pt>
               </c:numCache>
             </c:numRef>
           </c:val>
+          <c:smooth val="0"/>
           <c:extLst>
             <c:ext xmlns:c16="http://schemas.microsoft.com/office/drawing/2014/chart" uri="{C3380CC4-5D6E-409C-BE32-E72D297353CC}">
-              <c16:uniqueId val="{00000000-5E92-4051-99BC-2623F45BF7E0}"/>
-            </c:ext>
-          </c:extLst>
-        </c:ser>
-        <c:ser>
-          <c:idx val="1"/>
-          <c:order val="1"/>
-          <c:tx>
-            <c:strRef>
-              <c:f>Sheet1!$C$1</c:f>
-              <c:strCache>
-                <c:ptCount val="1"/>
-                <c:pt idx="0">
-                  <c:v>Series 2</c:v>
-                </c:pt>
-              </c:strCache>
-            </c:strRef>
-          </c:tx>
-          <c:spPr>
-            <a:noFill/>
-            <a:ln w="25400" cap="flat" cmpd="sng" algn="ctr">
-              <a:solidFill>
-                <a:schemeClr val="accent2"/>
-              </a:solidFill>
-              <a:miter lim="800000"/>
-            </a:ln>
-            <a:effectLst/>
-          </c:spPr>
-          <c:invertIfNegative val="0"/>
-          <c:cat>
-            <c:strRef>
-              <c:f>Sheet1!$A$2:$A$5</c:f>
-              <c:strCache>
-                <c:ptCount val="4"/>
-                <c:pt idx="0">
-                  <c:v>Category 1</c:v>
-                </c:pt>
-                <c:pt idx="1">
-                  <c:v>Category 2</c:v>
-                </c:pt>
-                <c:pt idx="2">
-                  <c:v>Category 3</c:v>
-                </c:pt>
-                <c:pt idx="3">
-                  <c:v>Category 4</c:v>
-                </c:pt>
-              </c:strCache>
-            </c:strRef>
-          </c:cat>
-          <c:val>
-            <c:numRef>
-              <c:f>Sheet1!$C$2:$C$5</c:f>
-              <c:numCache>
-                <c:formatCode>General</c:formatCode>
-                <c:ptCount val="4"/>
-                <c:pt idx="0">
-                  <c:v>2.4</c:v>
-                </c:pt>
-                <c:pt idx="1">
-                  <c:v>4.4000000000000004</c:v>
-                </c:pt>
-                <c:pt idx="2">
-                  <c:v>1.8</c:v>
-                </c:pt>
-                <c:pt idx="3">
-                  <c:v>2.8</c:v>
-                </c:pt>
-              </c:numCache>
-            </c:numRef>
-          </c:val>
-          <c:extLst>
-            <c:ext xmlns:c16="http://schemas.microsoft.com/office/drawing/2014/chart" uri="{C3380CC4-5D6E-409C-BE32-E72D297353CC}">
-              <c16:uniqueId val="{00000001-5E92-4051-99BC-2623F45BF7E0}"/>
-            </c:ext>
-          </c:extLst>
-        </c:ser>
-        <c:ser>
-          <c:idx val="2"/>
-          <c:order val="2"/>
-          <c:tx>
-            <c:strRef>
-              <c:f>Sheet1!$D$1</c:f>
-              <c:strCache>
-                <c:ptCount val="1"/>
-                <c:pt idx="0">
-                  <c:v>Series 3</c:v>
-                </c:pt>
-              </c:strCache>
-            </c:strRef>
-          </c:tx>
-          <c:spPr>
-            <a:noFill/>
-            <a:ln w="25400" cap="flat" cmpd="sng" algn="ctr">
-              <a:solidFill>
-                <a:schemeClr val="accent3"/>
-              </a:solidFill>
-              <a:miter lim="800000"/>
-            </a:ln>
-            <a:effectLst/>
-          </c:spPr>
-          <c:invertIfNegative val="0"/>
-          <c:cat>
-            <c:strRef>
-              <c:f>Sheet1!$A$2:$A$5</c:f>
-              <c:strCache>
-                <c:ptCount val="4"/>
-                <c:pt idx="0">
-                  <c:v>Category 1</c:v>
-                </c:pt>
-                <c:pt idx="1">
-                  <c:v>Category 2</c:v>
-                </c:pt>
-                <c:pt idx="2">
-                  <c:v>Category 3</c:v>
-                </c:pt>
-                <c:pt idx="3">
-                  <c:v>Category 4</c:v>
-                </c:pt>
-              </c:strCache>
-            </c:strRef>
-          </c:cat>
-          <c:val>
-            <c:numRef>
-              <c:f>Sheet1!$D$2:$D$5</c:f>
-              <c:numCache>
-                <c:formatCode>General</c:formatCode>
-                <c:ptCount val="4"/>
-                <c:pt idx="0">
-                  <c:v>2</c:v>
-                </c:pt>
-                <c:pt idx="1">
-                  <c:v>2</c:v>
-                </c:pt>
-                <c:pt idx="2">
-                  <c:v>3</c:v>
-                </c:pt>
-                <c:pt idx="3">
-                  <c:v>5</c:v>
-                </c:pt>
-              </c:numCache>
-            </c:numRef>
-          </c:val>
-          <c:extLst>
-            <c:ext xmlns:c16="http://schemas.microsoft.com/office/drawing/2014/chart" uri="{C3380CC4-5D6E-409C-BE32-E72D297353CC}">
-              <c16:uniqueId val="{00000002-5E92-4051-99BC-2623F45BF7E0}"/>
+              <c16:uniqueId val="{00000000-FA2C-4522-BA0B-30F0D2A2B31A}"/>
             </c:ext>
           </c:extLst>
         </c:ser>
@@ -399,26 +458,78 @@
           <c:showPercent val="0"/>
           <c:showBubbleSize val="0"/>
         </c:dLbls>
-        <c:gapWidth val="164"/>
-        <c:overlap val="-35"/>
-        <c:axId val="632163384"/>
-        <c:axId val="632166128"/>
-      </c:barChart>
+        <c:smooth val="0"/>
+        <c:axId val="127511936"/>
+        <c:axId val="127522304"/>
+      </c:lineChart>
       <c:catAx>
-        <c:axId val="632163384"/>
+        <c:axId val="127511936"/>
         <c:scaling>
           <c:orientation val="minMax"/>
         </c:scaling>
         <c:delete val="0"/>
         <c:axPos val="b"/>
-        <c:numFmt formatCode="General" sourceLinked="0"/>
-        <c:majorTickMark val="none"/>
+        <c:title>
+          <c:tx>
+            <c:rich>
+              <a:bodyPr rot="0" spcFirstLastPara="1" vertOverflow="ellipsis" vert="horz" wrap="square" anchor="ctr" anchorCtr="1"/>
+              <a:lstStyle/>
+              <a:p>
+                <a:pPr>
+                  <a:defRPr sz="900" b="1" i="0" u="none" strike="noStrike" kern="1200" baseline="0">
+                    <a:solidFill>
+                      <a:schemeClr val="bg1"/>
+                    </a:solidFill>
+                    <a:latin typeface="+mn-lt"/>
+                    <a:ea typeface="+mn-ea"/>
+                    <a:cs typeface="+mn-cs"/>
+                  </a:defRPr>
+                </a:pPr>
+                <a:r>
+                  <a:rPr lang="en-US" sz="2000"/>
+                  <a:t>Story</a:t>
+                </a:r>
+                <a:r>
+                  <a:rPr lang="en-US" sz="2000" baseline="0"/>
+                  <a:t> Points</a:t>
+                </a:r>
+                <a:endParaRPr lang="en-US" sz="2000"/>
+              </a:p>
+            </c:rich>
+          </c:tx>
+          <c:layout>
+            <c:manualLayout>
+              <c:xMode val="edge"/>
+              <c:yMode val="edge"/>
+              <c:x val="0.40843097663316397"/>
+              <c:y val="0.87590629790244601"/>
+            </c:manualLayout>
+          </c:layout>
+          <c:overlay val="0"/>
+          <c:spPr>
+            <a:noFill/>
+            <a:ln>
+              <a:noFill/>
+            </a:ln>
+            <a:effectLst/>
+          </c:spPr>
+        </c:title>
+        <c:numFmt formatCode="General" sourceLinked="1"/>
+        <c:majorTickMark val="out"/>
         <c:minorTickMark val="none"/>
         <c:tickLblPos val="nextTo"/>
         <c:spPr>
-          <a:noFill/>
-          <a:ln>
-            <a:noFill/>
+          <a:solidFill>
+            <a:schemeClr val="accent2"/>
+          </a:solidFill>
+          <a:ln w="9525" cap="flat" cmpd="sng" algn="ctr">
+            <a:solidFill>
+              <a:schemeClr val="tx2">
+                <a:lumMod val="15000"/>
+                <a:lumOff val="85000"/>
+              </a:schemeClr>
+            </a:solidFill>
+            <a:round/>
           </a:ln>
           <a:effectLst/>
         </c:spPr>
@@ -427,12 +538,9 @@
           <a:lstStyle/>
           <a:p>
             <a:pPr>
-              <a:defRPr sz="1197" b="0" i="0" u="none" strike="noStrike" kern="1200" baseline="0">
+              <a:defRPr sz="900" b="0" i="0" u="none" strike="noStrike" kern="1200" baseline="0">
                 <a:solidFill>
-                  <a:schemeClr val="tx1">
-                    <a:lumMod val="50000"/>
-                    <a:lumOff val="50000"/>
-                  </a:schemeClr>
+                  <a:schemeClr val="bg1"/>
                 </a:solidFill>
                 <a:latin typeface="+mn-lt"/>
                 <a:ea typeface="+mn-ea"/>
@@ -442,7 +550,7 @@
             <a:endParaRPr lang="en-US"/>
           </a:p>
         </c:txPr>
-        <c:crossAx val="632166128"/>
+        <c:crossAx val="127522304"/>
         <c:crosses val="autoZero"/>
         <c:auto val="1"/>
         <c:lblAlgn val="ctr"/>
@@ -450,12 +558,23 @@
         <c:noMultiLvlLbl val="0"/>
       </c:catAx>
       <c:valAx>
-        <c:axId val="632166128"/>
+        <c:axId val="127522304"/>
         <c:scaling>
           <c:orientation val="minMax"/>
         </c:scaling>
         <c:delete val="0"/>
         <c:axPos val="l"/>
+        <c:majorGridlines>
+          <c:spPr>
+            <a:ln w="9525" cap="flat" cmpd="sng" algn="ctr">
+              <a:solidFill>
+                <a:schemeClr val="tx1"/>
+              </a:solidFill>
+              <a:round/>
+            </a:ln>
+            <a:effectLst/>
+          </c:spPr>
+        </c:majorGridlines>
         <c:numFmt formatCode="General" sourceLinked="1"/>
         <c:majorTickMark val="none"/>
         <c:minorTickMark val="none"/>
@@ -472,12 +591,9 @@
           <a:lstStyle/>
           <a:p>
             <a:pPr>
-              <a:defRPr sz="1197" b="0" i="0" u="none" strike="noStrike" kern="1200" baseline="0">
+              <a:defRPr sz="900" b="0" i="0" u="none" strike="noStrike" kern="1200" baseline="0">
                 <a:solidFill>
-                  <a:schemeClr val="tx1">
-                    <a:lumMod val="50000"/>
-                    <a:lumOff val="50000"/>
-                  </a:schemeClr>
+                  <a:schemeClr val="bg1"/>
                 </a:solidFill>
                 <a:latin typeface="+mn-lt"/>
                 <a:ea typeface="+mn-ea"/>
@@ -487,58 +603,38 @@
             <a:endParaRPr lang="en-US"/>
           </a:p>
         </c:txPr>
-        <c:crossAx val="632163384"/>
+        <c:crossAx val="127511936"/>
         <c:crosses val="autoZero"/>
         <c:crossBetween val="between"/>
       </c:valAx>
       <c:spPr>
-        <a:noFill/>
+        <a:solidFill>
+          <a:schemeClr val="tx2">
+            <a:lumMod val="20000"/>
+            <a:lumOff val="80000"/>
+          </a:schemeClr>
+        </a:solidFill>
         <a:ln>
           <a:noFill/>
         </a:ln>
         <a:effectLst/>
       </c:spPr>
     </c:plotArea>
-    <c:legend>
-      <c:legendPos val="t"/>
-      <c:layout/>
-      <c:overlay val="0"/>
-      <c:spPr>
-        <a:noFill/>
-        <a:ln>
-          <a:noFill/>
-        </a:ln>
-        <a:effectLst/>
-      </c:spPr>
-      <c:txPr>
-        <a:bodyPr rot="0" spcFirstLastPara="1" vertOverflow="ellipsis" vert="horz" wrap="square" anchor="ctr" anchorCtr="1"/>
-        <a:lstStyle/>
-        <a:p>
-          <a:pPr>
-            <a:defRPr sz="1197" b="0" i="0" u="none" strike="noStrike" kern="1200" baseline="0">
-              <a:solidFill>
-                <a:schemeClr val="tx1">
-                  <a:lumMod val="50000"/>
-                  <a:lumOff val="50000"/>
-                </a:schemeClr>
-              </a:solidFill>
-              <a:latin typeface="+mn-lt"/>
-              <a:ea typeface="+mn-ea"/>
-              <a:cs typeface="+mn-cs"/>
-            </a:defRPr>
-          </a:pPr>
-          <a:endParaRPr lang="en-US"/>
-        </a:p>
-      </c:txPr>
-    </c:legend>
     <c:plotVisOnly val="1"/>
     <c:dispBlanksAs val="gap"/>
     <c:showDLblsOverMax val="0"/>
   </c:chart>
   <c:spPr>
-    <a:noFill/>
-    <a:ln>
-      <a:noFill/>
+    <a:solidFill>
+      <a:schemeClr val="tx1"/>
+    </a:solidFill>
+    <a:ln w="9525" cap="flat" cmpd="sng" algn="ctr">
+      <a:solidFill>
+        <a:schemeClr val="accent1">
+          <a:alpha val="99000"/>
+        </a:schemeClr>
+      </a:solidFill>
+      <a:round/>
     </a:ln>
     <a:effectLst/>
   </c:spPr>
@@ -547,4531 +643,19 @@
     <a:lstStyle/>
     <a:p>
       <a:pPr>
-        <a:defRPr/>
+        <a:defRPr>
+          <a:solidFill>
+            <a:schemeClr val="bg1"/>
+          </a:solidFill>
+        </a:defRPr>
       </a:pPr>
       <a:endParaRPr lang="en-US"/>
     </a:p>
   </c:txPr>
-  <c:externalData r:id="rId3">
+  <c:externalData r:id="rId2">
     <c:autoUpdate val="0"/>
   </c:externalData>
 </c:chartSpace>
-</file>
-
-<file path=ppt/charts/colors1.xml><?xml version="1.0" encoding="utf-8"?>
-<cs:colorStyle xmlns:cs="http://schemas.microsoft.com/office/drawing/2012/chartStyle" xmlns:a="http://schemas.openxmlformats.org/drawingml/2006/main" meth="cycle" id="10">
-  <a:schemeClr val="accent1"/>
-  <a:schemeClr val="accent2"/>
-  <a:schemeClr val="accent3"/>
-  <a:schemeClr val="accent4"/>
-  <a:schemeClr val="accent5"/>
-  <a:schemeClr val="accent6"/>
-  <cs:variation/>
-  <cs:variation>
-    <a:lumMod val="60000"/>
-  </cs:variation>
-  <cs:variation>
-    <a:lumMod val="80000"/>
-    <a:lumOff val="20000"/>
-  </cs:variation>
-  <cs:variation>
-    <a:lumMod val="80000"/>
-  </cs:variation>
-  <cs:variation>
-    <a:lumMod val="60000"/>
-    <a:lumOff val="40000"/>
-  </cs:variation>
-  <cs:variation>
-    <a:lumMod val="50000"/>
-  </cs:variation>
-  <cs:variation>
-    <a:lumMod val="70000"/>
-    <a:lumOff val="30000"/>
-  </cs:variation>
-  <cs:variation>
-    <a:lumMod val="70000"/>
-  </cs:variation>
-  <cs:variation>
-    <a:lumMod val="50000"/>
-    <a:lumOff val="50000"/>
-  </cs:variation>
-</cs:colorStyle>
-</file>
-
-<file path=ppt/charts/style1.xml><?xml version="1.0" encoding="utf-8"?>
-<cs:chartStyle xmlns:cs="http://schemas.microsoft.com/office/drawing/2012/chartStyle" xmlns:a="http://schemas.openxmlformats.org/drawingml/2006/main" id="211">
-  <cs:axisTitle>
-    <cs:lnRef idx="0"/>
-    <cs:fillRef idx="0"/>
-    <cs:effectRef idx="0"/>
-    <cs:fontRef idx="minor">
-      <a:schemeClr val="tx1">
-        <a:lumMod val="50000"/>
-        <a:lumOff val="50000"/>
-      </a:schemeClr>
-    </cs:fontRef>
-    <cs:defRPr sz="1197" kern="1200"/>
-  </cs:axisTitle>
-  <cs:categoryAxis>
-    <cs:lnRef idx="0"/>
-    <cs:fillRef idx="0"/>
-    <cs:effectRef idx="0"/>
-    <cs:fontRef idx="minor">
-      <a:schemeClr val="tx1">
-        <a:lumMod val="50000"/>
-        <a:lumOff val="50000"/>
-      </a:schemeClr>
-    </cs:fontRef>
-    <cs:defRPr sz="1197" kern="1200"/>
-  </cs:categoryAxis>
-  <cs:chartArea mods="allowNoFillOverride allowNoLineOverride">
-    <cs:lnRef idx="0"/>
-    <cs:fillRef idx="0"/>
-    <cs:effectRef idx="0"/>
-    <cs:fontRef idx="minor">
-      <a:schemeClr val="dk1"/>
-    </cs:fontRef>
-    <cs:spPr>
-      <a:solidFill>
-        <a:schemeClr val="bg1"/>
-      </a:solidFill>
-      <a:ln w="9525" cap="flat" cmpd="sng" algn="ctr">
-        <a:solidFill>
-          <a:schemeClr val="tx1">
-            <a:lumMod val="15000"/>
-            <a:lumOff val="85000"/>
-          </a:schemeClr>
-        </a:solidFill>
-        <a:round/>
-      </a:ln>
-    </cs:spPr>
-    <cs:defRPr sz="1197" kern="1200"/>
-  </cs:chartArea>
-  <cs:dataLabel>
-    <cs:lnRef idx="0"/>
-    <cs:fillRef idx="0"/>
-    <cs:effectRef idx="0"/>
-    <cs:fontRef idx="minor">
-      <a:schemeClr val="tx1">
-        <a:lumMod val="65000"/>
-        <a:lumOff val="35000"/>
-      </a:schemeClr>
-    </cs:fontRef>
-    <cs:defRPr sz="1197" kern="1200"/>
-  </cs:dataLabel>
-  <cs:dataLabelCallout>
-    <cs:lnRef idx="0"/>
-    <cs:fillRef idx="0"/>
-    <cs:effectRef idx="0"/>
-    <cs:fontRef idx="minor">
-      <a:schemeClr val="bg1"/>
-    </cs:fontRef>
-    <cs:spPr>
-      <a:solidFill>
-        <a:schemeClr val="tx1">
-          <a:lumMod val="35000"/>
-          <a:lumOff val="65000"/>
-        </a:schemeClr>
-      </a:solidFill>
-    </cs:spPr>
-    <cs:defRPr sz="1197"/>
-  </cs:dataLabelCallout>
-  <cs:dataPoint>
-    <cs:lnRef idx="0">
-      <cs:styleClr val="auto"/>
-    </cs:lnRef>
-    <cs:fillRef idx="0"/>
-    <cs:effectRef idx="0"/>
-    <cs:fontRef idx="minor">
-      <a:schemeClr val="dk1"/>
-    </cs:fontRef>
-    <cs:spPr>
-      <a:noFill/>
-      <a:ln w="25400" cap="flat" cmpd="sng" algn="ctr">
-        <a:solidFill>
-          <a:schemeClr val="phClr"/>
-        </a:solidFill>
-        <a:miter lim="800000"/>
-      </a:ln>
-    </cs:spPr>
-  </cs:dataPoint>
-  <cs:dataPoint3D>
-    <cs:lnRef idx="0">
-      <cs:styleClr val="auto"/>
-    </cs:lnRef>
-    <cs:fillRef idx="0">
-      <cs:styleClr val="auto"/>
-    </cs:fillRef>
-    <cs:effectRef idx="0"/>
-    <cs:fontRef idx="minor">
-      <a:schemeClr val="dk1"/>
-    </cs:fontRef>
-    <cs:spPr>
-      <a:ln w="19050" cap="flat" cmpd="sng" algn="ctr">
-        <a:solidFill>
-          <a:schemeClr val="phClr"/>
-        </a:solidFill>
-        <a:miter lim="800000"/>
-      </a:ln>
-    </cs:spPr>
-  </cs:dataPoint3D>
-  <cs:dataPointLine>
-    <cs:lnRef idx="0">
-      <cs:styleClr val="auto"/>
-    </cs:lnRef>
-    <cs:fillRef idx="0"/>
-    <cs:effectRef idx="0"/>
-    <cs:fontRef idx="minor">
-      <a:schemeClr val="dk1"/>
-    </cs:fontRef>
-    <cs:spPr>
-      <a:ln w="28575" cap="rnd">
-        <a:solidFill>
-          <a:schemeClr val="phClr"/>
-        </a:solidFill>
-        <a:round/>
-      </a:ln>
-    </cs:spPr>
-  </cs:dataPointLine>
-  <cs:dataPointMarker>
-    <cs:lnRef idx="0">
-      <cs:styleClr val="auto"/>
-    </cs:lnRef>
-    <cs:fillRef idx="0">
-      <cs:styleClr val="auto"/>
-    </cs:fillRef>
-    <cs:effectRef idx="0"/>
-    <cs:fontRef idx="minor">
-      <a:schemeClr val="dk1"/>
-    </cs:fontRef>
-    <cs:spPr>
-      <a:ln w="19050" cap="rnd">
-        <a:solidFill>
-          <a:schemeClr val="phClr"/>
-        </a:solidFill>
-        <a:round/>
-      </a:ln>
-    </cs:spPr>
-  </cs:dataPointMarker>
-  <cs:dataPointMarkerLayout symbol="circle" size="6"/>
-  <cs:dataPointWireframe>
-    <cs:lnRef idx="0">
-      <cs:styleClr val="auto"/>
-    </cs:lnRef>
-    <cs:fillRef idx="1"/>
-    <cs:effectRef idx="0"/>
-    <cs:fontRef idx="minor">
-      <a:schemeClr val="tx1"/>
-    </cs:fontRef>
-    <cs:spPr>
-      <a:ln w="9525">
-        <a:solidFill>
-          <a:schemeClr val="phClr"/>
-        </a:solidFill>
-      </a:ln>
-    </cs:spPr>
-  </cs:dataPointWireframe>
-  <cs:dataTable>
-    <cs:lnRef idx="0"/>
-    <cs:fillRef idx="0"/>
-    <cs:effectRef idx="0"/>
-    <cs:fontRef idx="minor">
-      <a:schemeClr val="tx1">
-        <a:lumMod val="50000"/>
-        <a:lumOff val="50000"/>
-      </a:schemeClr>
-    </cs:fontRef>
-    <cs:spPr>
-      <a:ln w="9525">
-        <a:solidFill>
-          <a:schemeClr val="tx1">
-            <a:lumMod val="15000"/>
-            <a:lumOff val="85000"/>
-          </a:schemeClr>
-        </a:solidFill>
-      </a:ln>
-    </cs:spPr>
-    <cs:defRPr sz="1197" kern="1200"/>
-  </cs:dataTable>
-  <cs:downBar>
-    <cs:lnRef idx="0"/>
-    <cs:fillRef idx="0"/>
-    <cs:effectRef idx="0"/>
-    <cs:fontRef idx="minor">
-      <a:schemeClr val="dk1"/>
-    </cs:fontRef>
-    <cs:spPr>
-      <a:solidFill>
-        <a:schemeClr val="dk1">
-          <a:lumMod val="75000"/>
-          <a:lumOff val="25000"/>
-        </a:schemeClr>
-      </a:solidFill>
-      <a:ln w="9525" cap="flat" cmpd="sng" algn="ctr">
-        <a:solidFill>
-          <a:schemeClr val="tx1">
-            <a:lumMod val="50000"/>
-            <a:lumOff val="50000"/>
-          </a:schemeClr>
-        </a:solidFill>
-        <a:round/>
-      </a:ln>
-    </cs:spPr>
-  </cs:downBar>
-  <cs:dropLine>
-    <cs:lnRef idx="0"/>
-    <cs:fillRef idx="0"/>
-    <cs:effectRef idx="0"/>
-    <cs:fontRef idx="minor">
-      <a:schemeClr val="dk1"/>
-    </cs:fontRef>
-    <cs:spPr>
-      <a:ln w="9525" cap="flat" cmpd="sng" algn="ctr">
-        <a:solidFill>
-          <a:schemeClr val="tx1">
-            <a:lumMod val="35000"/>
-            <a:lumOff val="65000"/>
-          </a:schemeClr>
-        </a:solidFill>
-        <a:round/>
-      </a:ln>
-    </cs:spPr>
-  </cs:dropLine>
-  <cs:errorBar>
-    <cs:lnRef idx="0"/>
-    <cs:fillRef idx="0"/>
-    <cs:effectRef idx="0"/>
-    <cs:fontRef idx="minor">
-      <a:schemeClr val="dk1"/>
-    </cs:fontRef>
-    <cs:spPr>
-      <a:ln w="9525" cap="flat" cmpd="sng" algn="ctr">
-        <a:solidFill>
-          <a:schemeClr val="tx1">
-            <a:lumMod val="50000"/>
-            <a:lumOff val="50000"/>
-          </a:schemeClr>
-        </a:solidFill>
-        <a:round/>
-      </a:ln>
-    </cs:spPr>
-  </cs:errorBar>
-  <cs:floor>
-    <cs:lnRef idx="0"/>
-    <cs:fillRef idx="0"/>
-    <cs:effectRef idx="0"/>
-    <cs:fontRef idx="minor">
-      <a:schemeClr val="dk1"/>
-    </cs:fontRef>
-  </cs:floor>
-  <cs:gridlineMajor>
-    <cs:lnRef idx="0"/>
-    <cs:fillRef idx="0"/>
-    <cs:effectRef idx="0"/>
-    <cs:fontRef idx="minor">
-      <a:schemeClr val="dk1"/>
-    </cs:fontRef>
-    <cs:spPr>
-      <a:ln w="9525">
-        <a:solidFill>
-          <a:schemeClr val="tx1">
-            <a:lumMod val="15000"/>
-            <a:lumOff val="85000"/>
-          </a:schemeClr>
-        </a:solidFill>
-      </a:ln>
-    </cs:spPr>
-  </cs:gridlineMajor>
-  <cs:gridlineMinor>
-    <cs:lnRef idx="0"/>
-    <cs:fillRef idx="0"/>
-    <cs:effectRef idx="0"/>
-    <cs:fontRef idx="minor">
-      <a:schemeClr val="dk1"/>
-    </cs:fontRef>
-    <cs:spPr>
-      <a:ln w="9525">
-        <a:solidFill>
-          <a:schemeClr val="tx1">
-            <a:lumMod val="5000"/>
-            <a:lumOff val="95000"/>
-          </a:schemeClr>
-        </a:solidFill>
-      </a:ln>
-    </cs:spPr>
-  </cs:gridlineMinor>
-  <cs:hiLoLine>
-    <cs:lnRef idx="0"/>
-    <cs:fillRef idx="0"/>
-    <cs:effectRef idx="0"/>
-    <cs:fontRef idx="minor">
-      <a:schemeClr val="dk1"/>
-    </cs:fontRef>
-    <cs:spPr>
-      <a:ln w="9525" cap="flat" cmpd="sng" algn="ctr">
-        <a:solidFill>
-          <a:schemeClr val="tx1">
-            <a:lumMod val="35000"/>
-            <a:lumOff val="65000"/>
-          </a:schemeClr>
-        </a:solidFill>
-        <a:round/>
-      </a:ln>
-    </cs:spPr>
-  </cs:hiLoLine>
-  <cs:leaderLine>
-    <cs:lnRef idx="0"/>
-    <cs:fillRef idx="0"/>
-    <cs:effectRef idx="0"/>
-    <cs:fontRef idx="minor">
-      <a:schemeClr val="dk1"/>
-    </cs:fontRef>
-    <cs:spPr>
-      <a:ln w="9525" cap="flat" cmpd="sng" algn="ctr">
-        <a:solidFill>
-          <a:schemeClr val="tx1">
-            <a:lumMod val="35000"/>
-            <a:lumOff val="65000"/>
-          </a:schemeClr>
-        </a:solidFill>
-        <a:round/>
-      </a:ln>
-    </cs:spPr>
-  </cs:leaderLine>
-  <cs:legend>
-    <cs:lnRef idx="0"/>
-    <cs:fillRef idx="0"/>
-    <cs:effectRef idx="0"/>
-    <cs:fontRef idx="minor">
-      <a:schemeClr val="tx1">
-        <a:lumMod val="50000"/>
-        <a:lumOff val="50000"/>
-      </a:schemeClr>
-    </cs:fontRef>
-    <cs:defRPr sz="1197" kern="1200"/>
-  </cs:legend>
-  <cs:plotArea mods="allowNoFillOverride allowNoLineOverride">
-    <cs:lnRef idx="0"/>
-    <cs:fillRef idx="0"/>
-    <cs:effectRef idx="0"/>
-    <cs:fontRef idx="minor">
-      <a:schemeClr val="dk1"/>
-    </cs:fontRef>
-  </cs:plotArea>
-  <cs:plotArea3D mods="allowNoFillOverride allowNoLineOverride">
-    <cs:lnRef idx="0"/>
-    <cs:fillRef idx="0"/>
-    <cs:effectRef idx="0"/>
-    <cs:fontRef idx="minor">
-      <a:schemeClr val="dk1"/>
-    </cs:fontRef>
-  </cs:plotArea3D>
-  <cs:seriesAxis>
-    <cs:lnRef idx="0"/>
-    <cs:fillRef idx="0"/>
-    <cs:effectRef idx="0"/>
-    <cs:fontRef idx="minor">
-      <a:schemeClr val="tx1">
-        <a:lumMod val="50000"/>
-        <a:lumOff val="50000"/>
-      </a:schemeClr>
-    </cs:fontRef>
-    <cs:defRPr sz="1197" kern="1200"/>
-  </cs:seriesAxis>
-  <cs:seriesLine>
-    <cs:lnRef idx="0"/>
-    <cs:fillRef idx="0"/>
-    <cs:effectRef idx="0"/>
-    <cs:fontRef idx="minor">
-      <a:schemeClr val="dk1"/>
-    </cs:fontRef>
-    <cs:spPr>
-      <a:ln w="9525" cap="flat" cmpd="sng" algn="ctr">
-        <a:solidFill>
-          <a:schemeClr val="tx1">
-            <a:lumMod val="35000"/>
-            <a:lumOff val="65000"/>
-          </a:schemeClr>
-        </a:solidFill>
-        <a:round/>
-      </a:ln>
-    </cs:spPr>
-  </cs:seriesLine>
-  <cs:title>
-    <cs:lnRef idx="0"/>
-    <cs:fillRef idx="0"/>
-    <cs:effectRef idx="0"/>
-    <cs:fontRef idx="minor">
-      <a:schemeClr val="tx1">
-        <a:lumMod val="65000"/>
-        <a:lumOff val="35000"/>
-      </a:schemeClr>
-    </cs:fontRef>
-    <cs:defRPr sz="2200" b="0" kern="1200" cap="none" spc="50" baseline="0"/>
-  </cs:title>
-  <cs:trendline>
-    <cs:lnRef idx="0">
-      <cs:styleClr val="auto"/>
-    </cs:lnRef>
-    <cs:fillRef idx="0"/>
-    <cs:effectRef idx="0"/>
-    <cs:fontRef idx="minor">
-      <a:schemeClr val="dk1"/>
-    </cs:fontRef>
-    <cs:spPr>
-      <a:ln w="19050" cap="rnd">
-        <a:solidFill>
-          <a:schemeClr val="phClr"/>
-        </a:solidFill>
-      </a:ln>
-    </cs:spPr>
-  </cs:trendline>
-  <cs:trendlineLabel>
-    <cs:lnRef idx="0"/>
-    <cs:fillRef idx="0"/>
-    <cs:effectRef idx="0"/>
-    <cs:fontRef idx="minor">
-      <a:schemeClr val="tx1">
-        <a:lumMod val="50000"/>
-        <a:lumOff val="50000"/>
-      </a:schemeClr>
-    </cs:fontRef>
-    <cs:defRPr sz="1197" kern="1200"/>
-  </cs:trendlineLabel>
-  <cs:upBar>
-    <cs:lnRef idx="0"/>
-    <cs:fillRef idx="0"/>
-    <cs:effectRef idx="0"/>
-    <cs:fontRef idx="minor">
-      <a:schemeClr val="dk1"/>
-    </cs:fontRef>
-    <cs:spPr>
-      <a:solidFill>
-        <a:schemeClr val="lt1"/>
-      </a:solidFill>
-      <a:ln w="9525" cap="flat" cmpd="sng" algn="ctr">
-        <a:solidFill>
-          <a:schemeClr val="tx1">
-            <a:lumMod val="50000"/>
-            <a:lumOff val="50000"/>
-          </a:schemeClr>
-        </a:solidFill>
-        <a:round/>
-      </a:ln>
-    </cs:spPr>
-  </cs:upBar>
-  <cs:valueAxis>
-    <cs:lnRef idx="0"/>
-    <cs:fillRef idx="0"/>
-    <cs:effectRef idx="0"/>
-    <cs:fontRef idx="minor">
-      <a:schemeClr val="tx1">
-        <a:lumMod val="50000"/>
-        <a:lumOff val="50000"/>
-      </a:schemeClr>
-    </cs:fontRef>
-    <cs:defRPr sz="1197" kern="1200"/>
-  </cs:valueAxis>
-  <cs:wall>
-    <cs:lnRef idx="0"/>
-    <cs:fillRef idx="0"/>
-    <cs:effectRef idx="0"/>
-    <cs:fontRef idx="minor">
-      <a:schemeClr val="dk1"/>
-    </cs:fontRef>
-  </cs:wall>
-</cs:chartStyle>
-</file>
-
-<file path=ppt/diagrams/colors1.xml><?xml version="1.0" encoding="utf-8"?>
-<dgm:colorsDef xmlns:dgm="http://schemas.openxmlformats.org/drawingml/2006/diagram" xmlns:a="http://schemas.openxmlformats.org/drawingml/2006/main" uniqueId="urn:microsoft.com/office/officeart/2005/8/colors/colorful1">
-  <dgm:title val=""/>
-  <dgm:desc val=""/>
-  <dgm:catLst>
-    <dgm:cat type="colorful" pri="10100"/>
-  </dgm:catLst>
-  <dgm:styleLbl name="node0">
-    <dgm:fillClrLst meth="repeat">
-      <a:schemeClr val="accent1"/>
-    </dgm:fillClrLst>
-    <dgm:linClrLst meth="repeat">
-      <a:schemeClr val="lt1"/>
-    </dgm:linClrLst>
-    <dgm:effectClrLst/>
-    <dgm:txLinClrLst/>
-    <dgm:txFillClrLst/>
-    <dgm:txEffectClrLst/>
-  </dgm:styleLbl>
-  <dgm:styleLbl name="node1">
-    <dgm:fillClrLst meth="repeat">
-      <a:schemeClr val="accent2"/>
-      <a:schemeClr val="accent3"/>
-      <a:schemeClr val="accent4"/>
-      <a:schemeClr val="accent5"/>
-      <a:schemeClr val="accent6"/>
-    </dgm:fillClrLst>
-    <dgm:linClrLst meth="repeat">
-      <a:schemeClr val="lt1"/>
-    </dgm:linClrLst>
-    <dgm:effectClrLst/>
-    <dgm:txLinClrLst/>
-    <dgm:txFillClrLst/>
-    <dgm:txEffectClrLst/>
-  </dgm:styleLbl>
-  <dgm:styleLbl name="alignNode1">
-    <dgm:fillClrLst meth="repeat">
-      <a:schemeClr val="accent2"/>
-      <a:schemeClr val="accent3"/>
-      <a:schemeClr val="accent4"/>
-      <a:schemeClr val="accent5"/>
-      <a:schemeClr val="accent6"/>
-    </dgm:fillClrLst>
-    <dgm:linClrLst meth="repeat">
-      <a:schemeClr val="accent2"/>
-      <a:schemeClr val="accent3"/>
-      <a:schemeClr val="accent4"/>
-      <a:schemeClr val="accent5"/>
-      <a:schemeClr val="accent6"/>
-    </dgm:linClrLst>
-    <dgm:effectClrLst/>
-    <dgm:txLinClrLst/>
-    <dgm:txFillClrLst/>
-    <dgm:txEffectClrLst/>
-  </dgm:styleLbl>
-  <dgm:styleLbl name="lnNode1">
-    <dgm:fillClrLst meth="repeat">
-      <a:schemeClr val="accent2"/>
-      <a:schemeClr val="accent3"/>
-      <a:schemeClr val="accent4"/>
-      <a:schemeClr val="accent5"/>
-      <a:schemeClr val="accent6"/>
-    </dgm:fillClrLst>
-    <dgm:linClrLst meth="repeat">
-      <a:schemeClr val="lt1"/>
-    </dgm:linClrLst>
-    <dgm:effectClrLst/>
-    <dgm:txLinClrLst/>
-    <dgm:txFillClrLst/>
-    <dgm:txEffectClrLst/>
-  </dgm:styleLbl>
-  <dgm:styleLbl name="vennNode1">
-    <dgm:fillClrLst meth="repeat">
-      <a:schemeClr val="accent2">
-        <a:alpha val="50000"/>
-      </a:schemeClr>
-      <a:schemeClr val="accent3">
-        <a:alpha val="50000"/>
-      </a:schemeClr>
-      <a:schemeClr val="accent4">
-        <a:alpha val="50000"/>
-      </a:schemeClr>
-      <a:schemeClr val="accent5">
-        <a:alpha val="50000"/>
-      </a:schemeClr>
-      <a:schemeClr val="accent6">
-        <a:alpha val="50000"/>
-      </a:schemeClr>
-    </dgm:fillClrLst>
-    <dgm:linClrLst meth="repeat">
-      <a:schemeClr val="lt1"/>
-    </dgm:linClrLst>
-    <dgm:effectClrLst/>
-    <dgm:txLinClrLst/>
-    <dgm:txFillClrLst/>
-    <dgm:txEffectClrLst/>
-  </dgm:styleLbl>
-  <dgm:styleLbl name="node2">
-    <dgm:fillClrLst>
-      <a:schemeClr val="accent2"/>
-    </dgm:fillClrLst>
-    <dgm:linClrLst meth="repeat">
-      <a:schemeClr val="lt1"/>
-    </dgm:linClrLst>
-    <dgm:effectClrLst/>
-    <dgm:txLinClrLst/>
-    <dgm:txFillClrLst/>
-    <dgm:txEffectClrLst/>
-  </dgm:styleLbl>
-  <dgm:styleLbl name="node3">
-    <dgm:fillClrLst>
-      <a:schemeClr val="accent3"/>
-    </dgm:fillClrLst>
-    <dgm:linClrLst meth="repeat">
-      <a:schemeClr val="lt1"/>
-    </dgm:linClrLst>
-    <dgm:effectClrLst/>
-    <dgm:txLinClrLst/>
-    <dgm:txFillClrLst/>
-    <dgm:txEffectClrLst/>
-  </dgm:styleLbl>
-  <dgm:styleLbl name="node4">
-    <dgm:fillClrLst>
-      <a:schemeClr val="accent4"/>
-    </dgm:fillClrLst>
-    <dgm:linClrLst meth="repeat">
-      <a:schemeClr val="lt1"/>
-    </dgm:linClrLst>
-    <dgm:effectClrLst/>
-    <dgm:txLinClrLst/>
-    <dgm:txFillClrLst/>
-    <dgm:txEffectClrLst/>
-  </dgm:styleLbl>
-  <dgm:styleLbl name="fgImgPlace1">
-    <dgm:fillClrLst meth="repeat">
-      <a:schemeClr val="accent2">
-        <a:tint val="50000"/>
-      </a:schemeClr>
-      <a:schemeClr val="accent3">
-        <a:tint val="50000"/>
-      </a:schemeClr>
-      <a:schemeClr val="accent4">
-        <a:tint val="50000"/>
-      </a:schemeClr>
-      <a:schemeClr val="accent5">
-        <a:tint val="50000"/>
-      </a:schemeClr>
-      <a:schemeClr val="accent6">
-        <a:tint val="50000"/>
-      </a:schemeClr>
-    </dgm:fillClrLst>
-    <dgm:linClrLst meth="repeat">
-      <a:schemeClr val="lt1"/>
-    </dgm:linClrLst>
-    <dgm:effectClrLst/>
-    <dgm:txLinClrLst/>
-    <dgm:txFillClrLst meth="repeat">
-      <a:schemeClr val="lt1"/>
-    </dgm:txFillClrLst>
-    <dgm:txEffectClrLst/>
-  </dgm:styleLbl>
-  <dgm:styleLbl name="alignImgPlace1">
-    <dgm:fillClrLst>
-      <a:schemeClr val="accent1">
-        <a:tint val="50000"/>
-      </a:schemeClr>
-      <a:schemeClr val="accent2">
-        <a:tint val="20000"/>
-      </a:schemeClr>
-    </dgm:fillClrLst>
-    <dgm:linClrLst meth="repeat">
-      <a:schemeClr val="lt1"/>
-    </dgm:linClrLst>
-    <dgm:effectClrLst/>
-    <dgm:txLinClrLst/>
-    <dgm:txFillClrLst meth="repeat">
-      <a:schemeClr val="lt1"/>
-    </dgm:txFillClrLst>
-    <dgm:txEffectClrLst/>
-  </dgm:styleLbl>
-  <dgm:styleLbl name="bgImgPlace1">
-    <dgm:fillClrLst>
-      <a:schemeClr val="accent1">
-        <a:tint val="50000"/>
-      </a:schemeClr>
-      <a:schemeClr val="accent2">
-        <a:tint val="20000"/>
-      </a:schemeClr>
-    </dgm:fillClrLst>
-    <dgm:linClrLst meth="repeat">
-      <a:schemeClr val="lt1"/>
-    </dgm:linClrLst>
-    <dgm:effectClrLst/>
-    <dgm:txLinClrLst/>
-    <dgm:txFillClrLst meth="repeat">
-      <a:schemeClr val="lt1"/>
-    </dgm:txFillClrLst>
-    <dgm:txEffectClrLst/>
-  </dgm:styleLbl>
-  <dgm:styleLbl name="sibTrans2D1">
-    <dgm:fillClrLst meth="repeat">
-      <a:schemeClr val="accent2"/>
-      <a:schemeClr val="accent3"/>
-      <a:schemeClr val="accent4"/>
-      <a:schemeClr val="accent5"/>
-      <a:schemeClr val="accent6"/>
-    </dgm:fillClrLst>
-    <dgm:linClrLst meth="cycle">
-      <a:schemeClr val="lt1"/>
-    </dgm:linClrLst>
-    <dgm:effectClrLst/>
-    <dgm:txLinClrLst/>
-    <dgm:txFillClrLst/>
-    <dgm:txEffectClrLst/>
-  </dgm:styleLbl>
-  <dgm:styleLbl name="fgSibTrans2D1">
-    <dgm:fillClrLst meth="repeat">
-      <a:schemeClr val="accent2"/>
-      <a:schemeClr val="accent3"/>
-      <a:schemeClr val="accent4"/>
-      <a:schemeClr val="accent5"/>
-      <a:schemeClr val="accent6"/>
-    </dgm:fillClrLst>
-    <dgm:linClrLst meth="cycle">
-      <a:schemeClr val="lt1"/>
-    </dgm:linClrLst>
-    <dgm:effectClrLst/>
-    <dgm:txLinClrLst/>
-    <dgm:txFillClrLst meth="repeat">
-      <a:schemeClr val="lt1"/>
-    </dgm:txFillClrLst>
-    <dgm:txEffectClrLst/>
-  </dgm:styleLbl>
-  <dgm:styleLbl name="bgSibTrans2D1">
-    <dgm:fillClrLst meth="repeat">
-      <a:schemeClr val="accent2"/>
-      <a:schemeClr val="accent3"/>
-      <a:schemeClr val="accent4"/>
-      <a:schemeClr val="accent5"/>
-      <a:schemeClr val="accent6"/>
-    </dgm:fillClrLst>
-    <dgm:linClrLst meth="cycle">
-      <a:schemeClr val="lt1"/>
-    </dgm:linClrLst>
-    <dgm:effectClrLst/>
-    <dgm:txLinClrLst/>
-    <dgm:txFillClrLst meth="repeat">
-      <a:schemeClr val="lt1"/>
-    </dgm:txFillClrLst>
-    <dgm:txEffectClrLst/>
-  </dgm:styleLbl>
-  <dgm:styleLbl name="sibTrans1D1">
-    <dgm:fillClrLst meth="repeat">
-      <a:schemeClr val="accent2"/>
-      <a:schemeClr val="accent3"/>
-      <a:schemeClr val="accent4"/>
-      <a:schemeClr val="accent5"/>
-      <a:schemeClr val="accent6"/>
-    </dgm:fillClrLst>
-    <dgm:linClrLst meth="repeat">
-      <a:schemeClr val="accent2"/>
-      <a:schemeClr val="accent3"/>
-      <a:schemeClr val="accent4"/>
-      <a:schemeClr val="accent5"/>
-      <a:schemeClr val="accent6"/>
-    </dgm:linClrLst>
-    <dgm:effectClrLst/>
-    <dgm:txLinClrLst/>
-    <dgm:txFillClrLst meth="repeat">
-      <a:schemeClr val="tx1"/>
-    </dgm:txFillClrLst>
-    <dgm:txEffectClrLst/>
-  </dgm:styleLbl>
-  <dgm:styleLbl name="callout">
-    <dgm:fillClrLst meth="repeat">
-      <a:schemeClr val="accent2"/>
-    </dgm:fillClrLst>
-    <dgm:linClrLst meth="repeat">
-      <a:schemeClr val="accent2">
-        <a:tint val="50000"/>
-      </a:schemeClr>
-    </dgm:linClrLst>
-    <dgm:effectClrLst/>
-    <dgm:txLinClrLst/>
-    <dgm:txFillClrLst meth="repeat">
-      <a:schemeClr val="tx1"/>
-    </dgm:txFillClrLst>
-    <dgm:txEffectClrLst/>
-  </dgm:styleLbl>
-  <dgm:styleLbl name="asst0">
-    <dgm:fillClrLst meth="repeat">
-      <a:schemeClr val="accent1"/>
-    </dgm:fillClrLst>
-    <dgm:linClrLst meth="repeat">
-      <a:schemeClr val="lt1"/>
-    </dgm:linClrLst>
-    <dgm:effectClrLst/>
-    <dgm:txLinClrLst/>
-    <dgm:txFillClrLst/>
-    <dgm:txEffectClrLst/>
-  </dgm:styleLbl>
-  <dgm:styleLbl name="asst1">
-    <dgm:fillClrLst meth="repeat">
-      <a:schemeClr val="accent2"/>
-    </dgm:fillClrLst>
-    <dgm:linClrLst meth="repeat">
-      <a:schemeClr val="lt1"/>
-    </dgm:linClrLst>
-    <dgm:effectClrLst/>
-    <dgm:txLinClrLst/>
-    <dgm:txFillClrLst/>
-    <dgm:txEffectClrLst/>
-  </dgm:styleLbl>
-  <dgm:styleLbl name="asst2">
-    <dgm:fillClrLst>
-      <a:schemeClr val="accent3"/>
-    </dgm:fillClrLst>
-    <dgm:linClrLst meth="repeat">
-      <a:schemeClr val="lt1"/>
-    </dgm:linClrLst>
-    <dgm:effectClrLst/>
-    <dgm:txLinClrLst/>
-    <dgm:txFillClrLst/>
-    <dgm:txEffectClrLst/>
-  </dgm:styleLbl>
-  <dgm:styleLbl name="asst3">
-    <dgm:fillClrLst>
-      <a:schemeClr val="accent4"/>
-    </dgm:fillClrLst>
-    <dgm:linClrLst meth="repeat">
-      <a:schemeClr val="lt1"/>
-    </dgm:linClrLst>
-    <dgm:effectClrLst/>
-    <dgm:txLinClrLst/>
-    <dgm:txFillClrLst/>
-    <dgm:txEffectClrLst/>
-  </dgm:styleLbl>
-  <dgm:styleLbl name="asst4">
-    <dgm:fillClrLst>
-      <a:schemeClr val="accent5"/>
-    </dgm:fillClrLst>
-    <dgm:linClrLst meth="repeat">
-      <a:schemeClr val="lt1"/>
-    </dgm:linClrLst>
-    <dgm:effectClrLst/>
-    <dgm:txLinClrLst/>
-    <dgm:txFillClrLst/>
-    <dgm:txEffectClrLst/>
-  </dgm:styleLbl>
-  <dgm:styleLbl name="parChTrans2D1">
-    <dgm:fillClrLst meth="repeat">
-      <a:schemeClr val="accent2"/>
-    </dgm:fillClrLst>
-    <dgm:linClrLst meth="repeat">
-      <a:schemeClr val="lt1"/>
-    </dgm:linClrLst>
-    <dgm:effectClrLst/>
-    <dgm:txLinClrLst/>
-    <dgm:txFillClrLst meth="repeat">
-      <a:schemeClr val="lt1"/>
-    </dgm:txFillClrLst>
-    <dgm:txEffectClrLst/>
-  </dgm:styleLbl>
-  <dgm:styleLbl name="parChTrans2D2">
-    <dgm:fillClrLst meth="repeat">
-      <a:schemeClr val="accent3"/>
-    </dgm:fillClrLst>
-    <dgm:linClrLst meth="repeat">
-      <a:schemeClr val="lt1"/>
-    </dgm:linClrLst>
-    <dgm:effectClrLst/>
-    <dgm:txLinClrLst/>
-    <dgm:txFillClrLst/>
-    <dgm:txEffectClrLst/>
-  </dgm:styleLbl>
-  <dgm:styleLbl name="parChTrans2D3">
-    <dgm:fillClrLst meth="repeat">
-      <a:schemeClr val="accent4"/>
-    </dgm:fillClrLst>
-    <dgm:linClrLst meth="repeat">
-      <a:schemeClr val="lt1"/>
-    </dgm:linClrLst>
-    <dgm:effectClrLst/>
-    <dgm:txLinClrLst/>
-    <dgm:txFillClrLst/>
-    <dgm:txEffectClrLst/>
-  </dgm:styleLbl>
-  <dgm:styleLbl name="parChTrans2D4">
-    <dgm:fillClrLst meth="repeat">
-      <a:schemeClr val="accent5"/>
-    </dgm:fillClrLst>
-    <dgm:linClrLst meth="repeat">
-      <a:schemeClr val="lt1"/>
-    </dgm:linClrLst>
-    <dgm:effectClrLst/>
-    <dgm:txLinClrLst/>
-    <dgm:txFillClrLst meth="repeat">
-      <a:schemeClr val="lt1"/>
-    </dgm:txFillClrLst>
-    <dgm:txEffectClrLst/>
-  </dgm:styleLbl>
-  <dgm:styleLbl name="parChTrans1D1">
-    <dgm:fillClrLst meth="repeat">
-      <a:schemeClr val="accent2"/>
-    </dgm:fillClrLst>
-    <dgm:linClrLst meth="repeat">
-      <a:schemeClr val="accent1"/>
-    </dgm:linClrLst>
-    <dgm:effectClrLst/>
-    <dgm:txLinClrLst/>
-    <dgm:txFillClrLst meth="repeat">
-      <a:schemeClr val="tx1"/>
-    </dgm:txFillClrLst>
-    <dgm:txEffectClrLst/>
-  </dgm:styleLbl>
-  <dgm:styleLbl name="parChTrans1D2">
-    <dgm:fillClrLst meth="repeat">
-      <a:schemeClr val="accent3">
-        <a:tint val="90000"/>
-      </a:schemeClr>
-    </dgm:fillClrLst>
-    <dgm:linClrLst meth="repeat">
-      <a:schemeClr val="accent2"/>
-    </dgm:linClrLst>
-    <dgm:effectClrLst/>
-    <dgm:txLinClrLst/>
-    <dgm:txFillClrLst meth="repeat">
-      <a:schemeClr val="tx1"/>
-    </dgm:txFillClrLst>
-    <dgm:txEffectClrLst/>
-  </dgm:styleLbl>
-  <dgm:styleLbl name="parChTrans1D3">
-    <dgm:fillClrLst meth="repeat">
-      <a:schemeClr val="accent4">
-        <a:tint val="70000"/>
-      </a:schemeClr>
-    </dgm:fillClrLst>
-    <dgm:linClrLst meth="repeat">
-      <a:schemeClr val="accent3"/>
-    </dgm:linClrLst>
-    <dgm:effectClrLst/>
-    <dgm:txLinClrLst/>
-    <dgm:txFillClrLst meth="repeat">
-      <a:schemeClr val="tx1"/>
-    </dgm:txFillClrLst>
-    <dgm:txEffectClrLst/>
-  </dgm:styleLbl>
-  <dgm:styleLbl name="parChTrans1D4">
-    <dgm:fillClrLst meth="repeat">
-      <a:schemeClr val="accent5">
-        <a:tint val="50000"/>
-      </a:schemeClr>
-    </dgm:fillClrLst>
-    <dgm:linClrLst meth="repeat">
-      <a:schemeClr val="accent4"/>
-    </dgm:linClrLst>
-    <dgm:effectClrLst/>
-    <dgm:txLinClrLst/>
-    <dgm:txFillClrLst meth="repeat">
-      <a:schemeClr val="tx1"/>
-    </dgm:txFillClrLst>
-    <dgm:txEffectClrLst/>
-  </dgm:styleLbl>
-  <dgm:styleLbl name="fgAcc1">
-    <dgm:fillClrLst meth="repeat">
-      <a:schemeClr val="lt1">
-        <a:alpha val="90000"/>
-      </a:schemeClr>
-    </dgm:fillClrLst>
-    <dgm:linClrLst meth="repeat">
-      <a:schemeClr val="accent2"/>
-      <a:schemeClr val="accent3"/>
-      <a:schemeClr val="accent4"/>
-      <a:schemeClr val="accent5"/>
-      <a:schemeClr val="accent6"/>
-    </dgm:linClrLst>
-    <dgm:effectClrLst/>
-    <dgm:txLinClrLst/>
-    <dgm:txFillClrLst meth="repeat">
-      <a:schemeClr val="dk1"/>
-    </dgm:txFillClrLst>
-    <dgm:txEffectClrLst/>
-  </dgm:styleLbl>
-  <dgm:styleLbl name="conFgAcc1">
-    <dgm:fillClrLst meth="repeat">
-      <a:schemeClr val="lt1">
-        <a:alpha val="90000"/>
-      </a:schemeClr>
-    </dgm:fillClrLst>
-    <dgm:linClrLst meth="repeat">
-      <a:schemeClr val="accent2"/>
-      <a:schemeClr val="accent3"/>
-      <a:schemeClr val="accent4"/>
-      <a:schemeClr val="accent5"/>
-      <a:schemeClr val="accent6"/>
-    </dgm:linClrLst>
-    <dgm:effectClrLst/>
-    <dgm:txLinClrLst/>
-    <dgm:txFillClrLst meth="repeat">
-      <a:schemeClr val="dk1"/>
-    </dgm:txFillClrLst>
-    <dgm:txEffectClrLst/>
-  </dgm:styleLbl>
-  <dgm:styleLbl name="alignAcc1">
-    <dgm:fillClrLst meth="repeat">
-      <a:schemeClr val="lt1">
-        <a:alpha val="90000"/>
-      </a:schemeClr>
-    </dgm:fillClrLst>
-    <dgm:linClrLst meth="repeat">
-      <a:schemeClr val="accent2"/>
-      <a:schemeClr val="accent3"/>
-      <a:schemeClr val="accent4"/>
-      <a:schemeClr val="accent5"/>
-      <a:schemeClr val="accent6"/>
-    </dgm:linClrLst>
-    <dgm:effectClrLst/>
-    <dgm:txLinClrLst/>
-    <dgm:txFillClrLst meth="repeat">
-      <a:schemeClr val="dk1"/>
-    </dgm:txFillClrLst>
-    <dgm:txEffectClrLst/>
-  </dgm:styleLbl>
-  <dgm:styleLbl name="trAlignAcc1">
-    <dgm:fillClrLst meth="repeat">
-      <a:schemeClr val="lt1">
-        <a:alpha val="40000"/>
-      </a:schemeClr>
-    </dgm:fillClrLst>
-    <dgm:linClrLst meth="repeat">
-      <a:schemeClr val="accent1"/>
-    </dgm:linClrLst>
-    <dgm:effectClrLst/>
-    <dgm:txLinClrLst/>
-    <dgm:txFillClrLst meth="repeat">
-      <a:schemeClr val="dk1"/>
-    </dgm:txFillClrLst>
-    <dgm:txEffectClrLst/>
-  </dgm:styleLbl>
-  <dgm:styleLbl name="bgAcc1">
-    <dgm:fillClrLst meth="repeat">
-      <a:schemeClr val="lt1">
-        <a:alpha val="90000"/>
-      </a:schemeClr>
-    </dgm:fillClrLst>
-    <dgm:linClrLst meth="repeat">
-      <a:schemeClr val="accent2"/>
-      <a:schemeClr val="accent3"/>
-      <a:schemeClr val="accent4"/>
-      <a:schemeClr val="accent5"/>
-      <a:schemeClr val="accent6"/>
-    </dgm:linClrLst>
-    <dgm:effectClrLst/>
-    <dgm:txLinClrLst/>
-    <dgm:txFillClrLst meth="repeat">
-      <a:schemeClr val="dk1"/>
-    </dgm:txFillClrLst>
-    <dgm:txEffectClrLst/>
-  </dgm:styleLbl>
-  <dgm:styleLbl name="solidFgAcc1">
-    <dgm:fillClrLst meth="repeat">
-      <a:schemeClr val="lt1"/>
-    </dgm:fillClrLst>
-    <dgm:linClrLst meth="repeat">
-      <a:schemeClr val="accent2"/>
-      <a:schemeClr val="accent3"/>
-      <a:schemeClr val="accent4"/>
-      <a:schemeClr val="accent5"/>
-      <a:schemeClr val="accent6"/>
-    </dgm:linClrLst>
-    <dgm:effectClrLst/>
-    <dgm:txLinClrLst/>
-    <dgm:txFillClrLst meth="repeat">
-      <a:schemeClr val="dk1"/>
-    </dgm:txFillClrLst>
-    <dgm:txEffectClrLst/>
-  </dgm:styleLbl>
-  <dgm:styleLbl name="solidAlignAcc1">
-    <dgm:fillClrLst meth="repeat">
-      <a:schemeClr val="lt1"/>
-    </dgm:fillClrLst>
-    <dgm:linClrLst meth="repeat">
-      <a:schemeClr val="accent2"/>
-      <a:schemeClr val="accent3"/>
-      <a:schemeClr val="accent4"/>
-      <a:schemeClr val="accent5"/>
-      <a:schemeClr val="accent6"/>
-    </dgm:linClrLst>
-    <dgm:effectClrLst/>
-    <dgm:txLinClrLst/>
-    <dgm:txFillClrLst meth="repeat">
-      <a:schemeClr val="dk1"/>
-    </dgm:txFillClrLst>
-    <dgm:txEffectClrLst/>
-  </dgm:styleLbl>
-  <dgm:styleLbl name="solidBgAcc1">
-    <dgm:fillClrLst meth="repeat">
-      <a:schemeClr val="lt1"/>
-    </dgm:fillClrLst>
-    <dgm:linClrLst meth="repeat">
-      <a:schemeClr val="accent2"/>
-      <a:schemeClr val="accent3"/>
-      <a:schemeClr val="accent4"/>
-      <a:schemeClr val="accent5"/>
-      <a:schemeClr val="accent6"/>
-    </dgm:linClrLst>
-    <dgm:effectClrLst/>
-    <dgm:txLinClrLst/>
-    <dgm:txFillClrLst meth="repeat">
-      <a:schemeClr val="dk1"/>
-    </dgm:txFillClrLst>
-    <dgm:txEffectClrLst/>
-  </dgm:styleLbl>
-  <dgm:styleLbl name="fgAccFollowNode1">
-    <dgm:fillClrLst meth="repeat">
-      <a:schemeClr val="accent2">
-        <a:tint val="40000"/>
-        <a:alpha val="90000"/>
-      </a:schemeClr>
-      <a:schemeClr val="accent3">
-        <a:tint val="40000"/>
-        <a:alpha val="90000"/>
-      </a:schemeClr>
-      <a:schemeClr val="accent4">
-        <a:tint val="40000"/>
-        <a:alpha val="90000"/>
-      </a:schemeClr>
-      <a:schemeClr val="accent5">
-        <a:tint val="40000"/>
-        <a:alpha val="90000"/>
-      </a:schemeClr>
-      <a:schemeClr val="accent6">
-        <a:tint val="40000"/>
-        <a:alpha val="90000"/>
-      </a:schemeClr>
-    </dgm:fillClrLst>
-    <dgm:linClrLst meth="repeat">
-      <a:schemeClr val="accent2">
-        <a:tint val="40000"/>
-        <a:alpha val="90000"/>
-      </a:schemeClr>
-      <a:schemeClr val="accent3">
-        <a:tint val="40000"/>
-        <a:alpha val="90000"/>
-      </a:schemeClr>
-      <a:schemeClr val="accent4">
-        <a:tint val="40000"/>
-        <a:alpha val="90000"/>
-      </a:schemeClr>
-      <a:schemeClr val="accent5">
-        <a:tint val="40000"/>
-        <a:alpha val="90000"/>
-      </a:schemeClr>
-      <a:schemeClr val="accent6">
-        <a:tint val="40000"/>
-        <a:alpha val="90000"/>
-      </a:schemeClr>
-    </dgm:linClrLst>
-    <dgm:effectClrLst/>
-    <dgm:txLinClrLst/>
-    <dgm:txFillClrLst meth="repeat">
-      <a:schemeClr val="dk1"/>
-    </dgm:txFillClrLst>
-    <dgm:txEffectClrLst/>
-  </dgm:styleLbl>
-  <dgm:styleLbl name="alignAccFollowNode1">
-    <dgm:fillClrLst meth="repeat">
-      <a:schemeClr val="accent2">
-        <a:tint val="40000"/>
-        <a:alpha val="90000"/>
-      </a:schemeClr>
-      <a:schemeClr val="accent3">
-        <a:tint val="40000"/>
-        <a:alpha val="90000"/>
-      </a:schemeClr>
-      <a:schemeClr val="accent4">
-        <a:tint val="40000"/>
-        <a:alpha val="90000"/>
-      </a:schemeClr>
-      <a:schemeClr val="accent5">
-        <a:tint val="40000"/>
-        <a:alpha val="90000"/>
-      </a:schemeClr>
-      <a:schemeClr val="accent6">
-        <a:tint val="40000"/>
-        <a:alpha val="90000"/>
-      </a:schemeClr>
-    </dgm:fillClrLst>
-    <dgm:linClrLst meth="repeat">
-      <a:schemeClr val="accent2">
-        <a:tint val="40000"/>
-        <a:alpha val="90000"/>
-      </a:schemeClr>
-      <a:schemeClr val="accent3">
-        <a:tint val="40000"/>
-        <a:alpha val="90000"/>
-      </a:schemeClr>
-      <a:schemeClr val="accent4">
-        <a:tint val="40000"/>
-        <a:alpha val="90000"/>
-      </a:schemeClr>
-      <a:schemeClr val="accent5">
-        <a:tint val="40000"/>
-        <a:alpha val="90000"/>
-      </a:schemeClr>
-      <a:schemeClr val="accent6">
-        <a:tint val="40000"/>
-        <a:alpha val="90000"/>
-      </a:schemeClr>
-    </dgm:linClrLst>
-    <dgm:effectClrLst/>
-    <dgm:txLinClrLst/>
-    <dgm:txFillClrLst meth="repeat">
-      <a:schemeClr val="dk1"/>
-    </dgm:txFillClrLst>
-    <dgm:txEffectClrLst/>
-  </dgm:styleLbl>
-  <dgm:styleLbl name="bgAccFollowNode1">
-    <dgm:fillClrLst meth="repeat">
-      <a:schemeClr val="accent2">
-        <a:tint val="40000"/>
-        <a:alpha val="90000"/>
-      </a:schemeClr>
-      <a:schemeClr val="accent3">
-        <a:tint val="40000"/>
-        <a:alpha val="90000"/>
-      </a:schemeClr>
-      <a:schemeClr val="accent4">
-        <a:tint val="40000"/>
-        <a:alpha val="90000"/>
-      </a:schemeClr>
-      <a:schemeClr val="accent5">
-        <a:tint val="40000"/>
-        <a:alpha val="90000"/>
-      </a:schemeClr>
-      <a:schemeClr val="accent6">
-        <a:tint val="40000"/>
-        <a:alpha val="90000"/>
-      </a:schemeClr>
-    </dgm:fillClrLst>
-    <dgm:linClrLst meth="repeat">
-      <a:schemeClr val="accent2">
-        <a:tint val="40000"/>
-        <a:alpha val="90000"/>
-      </a:schemeClr>
-      <a:schemeClr val="accent3">
-        <a:tint val="40000"/>
-        <a:alpha val="90000"/>
-      </a:schemeClr>
-      <a:schemeClr val="accent4">
-        <a:tint val="40000"/>
-        <a:alpha val="90000"/>
-      </a:schemeClr>
-      <a:schemeClr val="accent5">
-        <a:tint val="40000"/>
-        <a:alpha val="90000"/>
-      </a:schemeClr>
-      <a:schemeClr val="accent6">
-        <a:tint val="40000"/>
-        <a:alpha val="90000"/>
-      </a:schemeClr>
-    </dgm:linClrLst>
-    <dgm:effectClrLst/>
-    <dgm:txLinClrLst/>
-    <dgm:txFillClrLst meth="repeat">
-      <a:schemeClr val="dk1"/>
-    </dgm:txFillClrLst>
-    <dgm:txEffectClrLst/>
-  </dgm:styleLbl>
-  <dgm:styleLbl name="fgAcc0">
-    <dgm:fillClrLst meth="repeat">
-      <a:schemeClr val="lt1">
-        <a:alpha val="90000"/>
-      </a:schemeClr>
-    </dgm:fillClrLst>
-    <dgm:linClrLst>
-      <a:schemeClr val="accent1"/>
-    </dgm:linClrLst>
-    <dgm:effectClrLst/>
-    <dgm:txLinClrLst/>
-    <dgm:txFillClrLst meth="repeat">
-      <a:schemeClr val="dk1"/>
-    </dgm:txFillClrLst>
-    <dgm:txEffectClrLst/>
-  </dgm:styleLbl>
-  <dgm:styleLbl name="fgAcc2">
-    <dgm:fillClrLst meth="repeat">
-      <a:schemeClr val="lt1">
-        <a:alpha val="90000"/>
-      </a:schemeClr>
-    </dgm:fillClrLst>
-    <dgm:linClrLst>
-      <a:schemeClr val="accent2"/>
-    </dgm:linClrLst>
-    <dgm:effectClrLst/>
-    <dgm:txLinClrLst/>
-    <dgm:txFillClrLst meth="repeat">
-      <a:schemeClr val="dk1"/>
-    </dgm:txFillClrLst>
-    <dgm:txEffectClrLst/>
-  </dgm:styleLbl>
-  <dgm:styleLbl name="fgAcc3">
-    <dgm:fillClrLst meth="repeat">
-      <a:schemeClr val="lt1">
-        <a:alpha val="90000"/>
-      </a:schemeClr>
-    </dgm:fillClrLst>
-    <dgm:linClrLst>
-      <a:schemeClr val="accent3"/>
-    </dgm:linClrLst>
-    <dgm:effectClrLst/>
-    <dgm:txLinClrLst/>
-    <dgm:txFillClrLst meth="repeat">
-      <a:schemeClr val="dk1"/>
-    </dgm:txFillClrLst>
-    <dgm:txEffectClrLst/>
-  </dgm:styleLbl>
-  <dgm:styleLbl name="fgAcc4">
-    <dgm:fillClrLst meth="repeat">
-      <a:schemeClr val="lt1">
-        <a:alpha val="90000"/>
-      </a:schemeClr>
-    </dgm:fillClrLst>
-    <dgm:linClrLst>
-      <a:schemeClr val="accent4"/>
-    </dgm:linClrLst>
-    <dgm:effectClrLst/>
-    <dgm:txLinClrLst/>
-    <dgm:txFillClrLst meth="repeat">
-      <a:schemeClr val="dk1"/>
-    </dgm:txFillClrLst>
-    <dgm:txEffectClrLst/>
-  </dgm:styleLbl>
-  <dgm:styleLbl name="bgShp">
-    <dgm:fillClrLst meth="repeat">
-      <a:schemeClr val="accent2">
-        <a:tint val="40000"/>
-      </a:schemeClr>
-    </dgm:fillClrLst>
-    <dgm:linClrLst meth="repeat">
-      <a:schemeClr val="dk1"/>
-    </dgm:linClrLst>
-    <dgm:effectClrLst/>
-    <dgm:txLinClrLst/>
-    <dgm:txFillClrLst meth="repeat">
-      <a:schemeClr val="dk1"/>
-    </dgm:txFillClrLst>
-    <dgm:txEffectClrLst/>
-  </dgm:styleLbl>
-  <dgm:styleLbl name="dkBgShp">
-    <dgm:fillClrLst meth="repeat">
-      <a:schemeClr val="accent2">
-        <a:shade val="90000"/>
-      </a:schemeClr>
-    </dgm:fillClrLst>
-    <dgm:linClrLst meth="repeat">
-      <a:schemeClr val="dk1"/>
-    </dgm:linClrLst>
-    <dgm:effectClrLst/>
-    <dgm:txLinClrLst/>
-    <dgm:txFillClrLst meth="repeat">
-      <a:schemeClr val="lt1"/>
-    </dgm:txFillClrLst>
-    <dgm:txEffectClrLst/>
-  </dgm:styleLbl>
-  <dgm:styleLbl name="trBgShp">
-    <dgm:fillClrLst meth="repeat">
-      <a:schemeClr val="accent1">
-        <a:tint val="50000"/>
-        <a:alpha val="40000"/>
-      </a:schemeClr>
-    </dgm:fillClrLst>
-    <dgm:linClrLst meth="repeat">
-      <a:schemeClr val="accent2"/>
-    </dgm:linClrLst>
-    <dgm:effectClrLst/>
-    <dgm:txLinClrLst/>
-    <dgm:txFillClrLst meth="repeat">
-      <a:schemeClr val="lt1"/>
-    </dgm:txFillClrLst>
-    <dgm:txEffectClrLst/>
-  </dgm:styleLbl>
-  <dgm:styleLbl name="fgShp">
-    <dgm:fillClrLst meth="repeat">
-      <a:schemeClr val="accent2">
-        <a:tint val="40000"/>
-      </a:schemeClr>
-    </dgm:fillClrLst>
-    <dgm:linClrLst meth="repeat">
-      <a:schemeClr val="lt1"/>
-    </dgm:linClrLst>
-    <dgm:effectClrLst/>
-    <dgm:txLinClrLst/>
-    <dgm:txFillClrLst meth="repeat">
-      <a:schemeClr val="dk1"/>
-    </dgm:txFillClrLst>
-    <dgm:txEffectClrLst/>
-  </dgm:styleLbl>
-  <dgm:styleLbl name="revTx">
-    <dgm:fillClrLst meth="repeat">
-      <a:schemeClr val="lt1">
-        <a:alpha val="0"/>
-      </a:schemeClr>
-    </dgm:fillClrLst>
-    <dgm:linClrLst meth="repeat">
-      <a:schemeClr val="dk1">
-        <a:alpha val="0"/>
-      </a:schemeClr>
-    </dgm:linClrLst>
-    <dgm:effectClrLst/>
-    <dgm:txLinClrLst/>
-    <dgm:txFillClrLst meth="repeat">
-      <a:schemeClr val="tx1"/>
-    </dgm:txFillClrLst>
-    <dgm:txEffectClrLst/>
-  </dgm:styleLbl>
-</dgm:colorsDef>
-</file>
-
-<file path=ppt/diagrams/data1.xml><?xml version="1.0" encoding="utf-8"?>
-<dgm:dataModel xmlns:dgm="http://schemas.openxmlformats.org/drawingml/2006/diagram" xmlns:a="http://schemas.openxmlformats.org/drawingml/2006/main">
-  <dgm:ptLst>
-    <dgm:pt modelId="{CD7942A0-B7D2-4B14-8FEA-55FC702F5BE7}" type="doc">
-      <dgm:prSet loTypeId="urn:microsoft.com/office/officeart/2005/8/layout/vProcess5" loCatId="process" qsTypeId="urn:microsoft.com/office/officeart/2005/8/quickstyle/simple4" qsCatId="simple" csTypeId="urn:microsoft.com/office/officeart/2005/8/colors/colorful1" csCatId="colorful" phldr="1"/>
-      <dgm:spPr/>
-      <dgm:t>
-        <a:bodyPr/>
-        <a:lstStyle/>
-        <a:p>
-          <a:endParaRPr lang="en-US"/>
-        </a:p>
-      </dgm:t>
-    </dgm:pt>
-    <dgm:pt modelId="{095A5E99-E976-4550-8F80-53CC813F2F5A}">
-      <dgm:prSet phldrT="[Text]"/>
-      <dgm:spPr>
-        <a:gradFill rotWithShape="0">
-          <a:gsLst>
-            <a:gs pos="0">
-              <a:srgbClr val="703000"/>
-            </a:gs>
-            <a:gs pos="50000">
-              <a:srgbClr val="A44A00"/>
-            </a:gs>
-            <a:gs pos="70000">
-              <a:srgbClr val="BC5500"/>
-            </a:gs>
-            <a:gs pos="100000">
-              <a:srgbClr val="F26D00"/>
-            </a:gs>
-          </a:gsLst>
-        </a:gradFill>
-      </dgm:spPr>
-      <dgm:t>
-        <a:bodyPr/>
-        <a:lstStyle/>
-        <a:p>
-          <a:r>
-            <a:rPr lang="en-US" dirty="0"/>
-            <a:t>Task 1</a:t>
-          </a:r>
-        </a:p>
-      </dgm:t>
-      <dgm:extLst>
-        <a:ext uri="{E40237B7-FDA0-4F09-8148-C483321AD2D9}">
-          <dgm14:cNvPr xmlns:dgm14="http://schemas.microsoft.com/office/drawing/2010/diagram" id="0" name="" descr="Staggered process showing 3 tasks arranged one below the other and two downward pointing arrows are used to indicate progression from first task to second task and second task to third task."/>
-        </a:ext>
-      </dgm:extLst>
-    </dgm:pt>
-    <dgm:pt modelId="{03339A0D-5DC0-4B29-8353-C5AEBFD4DE86}" type="parTrans" cxnId="{D1A4D8E6-F04E-4AB1-8D0C-63DC7AB1E81F}">
-      <dgm:prSet/>
-      <dgm:spPr/>
-      <dgm:t>
-        <a:bodyPr/>
-        <a:lstStyle/>
-        <a:p>
-          <a:endParaRPr lang="en-US"/>
-        </a:p>
-      </dgm:t>
-    </dgm:pt>
-    <dgm:pt modelId="{8877691F-1B60-4485-9174-DDEC7EE68B70}" type="sibTrans" cxnId="{D1A4D8E6-F04E-4AB1-8D0C-63DC7AB1E81F}">
-      <dgm:prSet/>
-      <dgm:spPr/>
-      <dgm:t>
-        <a:bodyPr/>
-        <a:lstStyle/>
-        <a:p>
-          <a:endParaRPr lang="en-US"/>
-        </a:p>
-      </dgm:t>
-    </dgm:pt>
-    <dgm:pt modelId="{8EC937D8-BD76-4A12-A3E5-900D5C1E2E05}">
-      <dgm:prSet phldrT="[Text]"/>
-      <dgm:spPr/>
-      <dgm:t>
-        <a:bodyPr/>
-        <a:lstStyle/>
-        <a:p>
-          <a:r>
-            <a:rPr lang="en-US" dirty="0"/>
-            <a:t>Task 2</a:t>
-          </a:r>
-        </a:p>
-      </dgm:t>
-    </dgm:pt>
-    <dgm:pt modelId="{8265EE85-9851-494E-A6D3-1CDACE947DF3}" type="parTrans" cxnId="{43DC8383-AEE5-490C-A8E5-1F216F2B8FE6}">
-      <dgm:prSet/>
-      <dgm:spPr/>
-      <dgm:t>
-        <a:bodyPr/>
-        <a:lstStyle/>
-        <a:p>
-          <a:endParaRPr lang="en-US"/>
-        </a:p>
-      </dgm:t>
-    </dgm:pt>
-    <dgm:pt modelId="{B3EFD4A5-9FA1-4ABE-B722-05162509509B}" type="sibTrans" cxnId="{43DC8383-AEE5-490C-A8E5-1F216F2B8FE6}">
-      <dgm:prSet/>
-      <dgm:spPr/>
-      <dgm:t>
-        <a:bodyPr/>
-        <a:lstStyle/>
-        <a:p>
-          <a:endParaRPr lang="en-US"/>
-        </a:p>
-      </dgm:t>
-    </dgm:pt>
-    <dgm:pt modelId="{7133ECF5-4190-4604-AA2F-03C9A0A9210F}">
-      <dgm:prSet phldrT="[Text]"/>
-      <dgm:spPr>
-        <a:gradFill rotWithShape="0">
-          <a:gsLst>
-            <a:gs pos="0">
-              <a:srgbClr val="394404"/>
-            </a:gs>
-            <a:gs pos="50000">
-              <a:srgbClr val="5F6F0F"/>
-            </a:gs>
-            <a:gs pos="70000">
-              <a:srgbClr val="65741A"/>
-            </a:gs>
-            <a:gs pos="100000">
-              <a:schemeClr val="accent4">
-                <a:hueOff val="0"/>
-                <a:satOff val="0"/>
-                <a:lumOff val="0"/>
-                <a:alphaOff val="0"/>
-                <a:tint val="100000"/>
-                <a:shade val="100000"/>
-                <a:satMod val="155000"/>
-              </a:schemeClr>
-            </a:gs>
-          </a:gsLst>
-        </a:gradFill>
-      </dgm:spPr>
-      <dgm:t>
-        <a:bodyPr/>
-        <a:lstStyle/>
-        <a:p>
-          <a:r>
-            <a:rPr lang="en-US" dirty="0"/>
-            <a:t>Task 3</a:t>
-          </a:r>
-        </a:p>
-      </dgm:t>
-      <dgm:extLst>
-        <a:ext uri="{E40237B7-FDA0-4F09-8148-C483321AD2D9}">
-          <dgm14:cNvPr xmlns:dgm14="http://schemas.microsoft.com/office/drawing/2010/diagram" id="0" name="" descr="Staggered process showing 3 tasks arranged one below the other and two downward pointing arrows are used to indicate progression from first task to second task and second task to third task."/>
-        </a:ext>
-      </dgm:extLst>
-    </dgm:pt>
-    <dgm:pt modelId="{7D1B29D7-21DD-436A-8F7C-E87DE53C1431}" type="parTrans" cxnId="{011A9761-E983-4C7D-AB1D-2038261D8FF8}">
-      <dgm:prSet/>
-      <dgm:spPr/>
-      <dgm:t>
-        <a:bodyPr/>
-        <a:lstStyle/>
-        <a:p>
-          <a:endParaRPr lang="en-US"/>
-        </a:p>
-      </dgm:t>
-    </dgm:pt>
-    <dgm:pt modelId="{46037378-034A-4662-877A-B53E1DA069A3}" type="sibTrans" cxnId="{011A9761-E983-4C7D-AB1D-2038261D8FF8}">
-      <dgm:prSet/>
-      <dgm:spPr/>
-      <dgm:t>
-        <a:bodyPr/>
-        <a:lstStyle/>
-        <a:p>
-          <a:endParaRPr lang="en-US"/>
-        </a:p>
-      </dgm:t>
-    </dgm:pt>
-    <dgm:pt modelId="{1D84D8B6-AB32-4491-B5D2-EFE3D7668B88}" type="pres">
-      <dgm:prSet presAssocID="{CD7942A0-B7D2-4B14-8FEA-55FC702F5BE7}" presName="outerComposite" presStyleCnt="0">
-        <dgm:presLayoutVars>
-          <dgm:chMax val="5"/>
-          <dgm:dir/>
-          <dgm:resizeHandles val="exact"/>
-        </dgm:presLayoutVars>
-      </dgm:prSet>
-      <dgm:spPr/>
-      <dgm:t>
-        <a:bodyPr/>
-        <a:lstStyle/>
-        <a:p>
-          <a:endParaRPr lang="en-US"/>
-        </a:p>
-      </dgm:t>
-    </dgm:pt>
-    <dgm:pt modelId="{3E0E8213-E460-4EB7-9A92-C2B1CC553F0D}" type="pres">
-      <dgm:prSet presAssocID="{CD7942A0-B7D2-4B14-8FEA-55FC702F5BE7}" presName="dummyMaxCanvas" presStyleCnt="0">
-        <dgm:presLayoutVars/>
-      </dgm:prSet>
-      <dgm:spPr/>
-    </dgm:pt>
-    <dgm:pt modelId="{124EF20B-D98C-45B2-BB13-7B93B5373CEB}" type="pres">
-      <dgm:prSet presAssocID="{CD7942A0-B7D2-4B14-8FEA-55FC702F5BE7}" presName="ThreeNodes_1" presStyleLbl="node1" presStyleIdx="0" presStyleCnt="3">
-        <dgm:presLayoutVars>
-          <dgm:bulletEnabled val="1"/>
-        </dgm:presLayoutVars>
-      </dgm:prSet>
-      <dgm:spPr/>
-      <dgm:t>
-        <a:bodyPr/>
-        <a:lstStyle/>
-        <a:p>
-          <a:endParaRPr lang="en-US"/>
-        </a:p>
-      </dgm:t>
-    </dgm:pt>
-    <dgm:pt modelId="{CA544AF7-F7B2-4CA5-9251-B4CDB8D06634}" type="pres">
-      <dgm:prSet presAssocID="{CD7942A0-B7D2-4B14-8FEA-55FC702F5BE7}" presName="ThreeNodes_2" presStyleLbl="node1" presStyleIdx="1" presStyleCnt="3">
-        <dgm:presLayoutVars>
-          <dgm:bulletEnabled val="1"/>
-        </dgm:presLayoutVars>
-      </dgm:prSet>
-      <dgm:spPr/>
-      <dgm:t>
-        <a:bodyPr/>
-        <a:lstStyle/>
-        <a:p>
-          <a:endParaRPr lang="en-US"/>
-        </a:p>
-      </dgm:t>
-    </dgm:pt>
-    <dgm:pt modelId="{2AE92D3F-F0FA-45DD-BB60-4C6FBC6BC016}" type="pres">
-      <dgm:prSet presAssocID="{CD7942A0-B7D2-4B14-8FEA-55FC702F5BE7}" presName="ThreeNodes_3" presStyleLbl="node1" presStyleIdx="2" presStyleCnt="3">
-        <dgm:presLayoutVars>
-          <dgm:bulletEnabled val="1"/>
-        </dgm:presLayoutVars>
-      </dgm:prSet>
-      <dgm:spPr/>
-      <dgm:t>
-        <a:bodyPr/>
-        <a:lstStyle/>
-        <a:p>
-          <a:endParaRPr lang="en-US"/>
-        </a:p>
-      </dgm:t>
-    </dgm:pt>
-    <dgm:pt modelId="{9CA877D8-99F8-40A0-89E9-59A61C9A70F4}" type="pres">
-      <dgm:prSet presAssocID="{CD7942A0-B7D2-4B14-8FEA-55FC702F5BE7}" presName="ThreeConn_1-2" presStyleLbl="fgAccFollowNode1" presStyleIdx="0" presStyleCnt="2">
-        <dgm:presLayoutVars>
-          <dgm:bulletEnabled val="1"/>
-        </dgm:presLayoutVars>
-      </dgm:prSet>
-      <dgm:spPr/>
-      <dgm:t>
-        <a:bodyPr/>
-        <a:lstStyle/>
-        <a:p>
-          <a:endParaRPr lang="en-US"/>
-        </a:p>
-      </dgm:t>
-    </dgm:pt>
-    <dgm:pt modelId="{62643EF2-016C-41F1-8CBC-398422A85727}" type="pres">
-      <dgm:prSet presAssocID="{CD7942A0-B7D2-4B14-8FEA-55FC702F5BE7}" presName="ThreeConn_2-3" presStyleLbl="fgAccFollowNode1" presStyleIdx="1" presStyleCnt="2">
-        <dgm:presLayoutVars>
-          <dgm:bulletEnabled val="1"/>
-        </dgm:presLayoutVars>
-      </dgm:prSet>
-      <dgm:spPr/>
-      <dgm:t>
-        <a:bodyPr/>
-        <a:lstStyle/>
-        <a:p>
-          <a:endParaRPr lang="en-US"/>
-        </a:p>
-      </dgm:t>
-    </dgm:pt>
-    <dgm:pt modelId="{7A2F6994-DA87-4497-BFC7-DD9D6EC5315F}" type="pres">
-      <dgm:prSet presAssocID="{CD7942A0-B7D2-4B14-8FEA-55FC702F5BE7}" presName="ThreeNodes_1_text" presStyleLbl="node1" presStyleIdx="2" presStyleCnt="3">
-        <dgm:presLayoutVars>
-          <dgm:bulletEnabled val="1"/>
-        </dgm:presLayoutVars>
-      </dgm:prSet>
-      <dgm:spPr/>
-      <dgm:t>
-        <a:bodyPr/>
-        <a:lstStyle/>
-        <a:p>
-          <a:endParaRPr lang="en-US"/>
-        </a:p>
-      </dgm:t>
-    </dgm:pt>
-    <dgm:pt modelId="{916C48CB-E452-4B79-A9B9-4C9A90B47960}" type="pres">
-      <dgm:prSet presAssocID="{CD7942A0-B7D2-4B14-8FEA-55FC702F5BE7}" presName="ThreeNodes_2_text" presStyleLbl="node1" presStyleIdx="2" presStyleCnt="3">
-        <dgm:presLayoutVars>
-          <dgm:bulletEnabled val="1"/>
-        </dgm:presLayoutVars>
-      </dgm:prSet>
-      <dgm:spPr/>
-      <dgm:t>
-        <a:bodyPr/>
-        <a:lstStyle/>
-        <a:p>
-          <a:endParaRPr lang="en-US"/>
-        </a:p>
-      </dgm:t>
-    </dgm:pt>
-    <dgm:pt modelId="{A31D264E-E285-4E5C-8EB7-762CD501BE72}" type="pres">
-      <dgm:prSet presAssocID="{CD7942A0-B7D2-4B14-8FEA-55FC702F5BE7}" presName="ThreeNodes_3_text" presStyleLbl="node1" presStyleIdx="2" presStyleCnt="3">
-        <dgm:presLayoutVars>
-          <dgm:bulletEnabled val="1"/>
-        </dgm:presLayoutVars>
-      </dgm:prSet>
-      <dgm:spPr/>
-      <dgm:t>
-        <a:bodyPr/>
-        <a:lstStyle/>
-        <a:p>
-          <a:endParaRPr lang="en-US"/>
-        </a:p>
-      </dgm:t>
-    </dgm:pt>
-  </dgm:ptLst>
-  <dgm:cxnLst>
-    <dgm:cxn modelId="{03E7038C-2CC0-496B-88A0-60396CDC31E4}" type="presOf" srcId="{7133ECF5-4190-4604-AA2F-03C9A0A9210F}" destId="{A31D264E-E285-4E5C-8EB7-762CD501BE72}" srcOrd="1" destOrd="0" presId="urn:microsoft.com/office/officeart/2005/8/layout/vProcess5"/>
-    <dgm:cxn modelId="{C2D0E194-BD14-4AD2-9E3A-CE984C34B6CD}" type="presOf" srcId="{CD7942A0-B7D2-4B14-8FEA-55FC702F5BE7}" destId="{1D84D8B6-AB32-4491-B5D2-EFE3D7668B88}" srcOrd="0" destOrd="0" presId="urn:microsoft.com/office/officeart/2005/8/layout/vProcess5"/>
-    <dgm:cxn modelId="{12FC7FDE-4033-4970-A683-61DE6FA84E89}" type="presOf" srcId="{8877691F-1B60-4485-9174-DDEC7EE68B70}" destId="{9CA877D8-99F8-40A0-89E9-59A61C9A70F4}" srcOrd="0" destOrd="0" presId="urn:microsoft.com/office/officeart/2005/8/layout/vProcess5"/>
-    <dgm:cxn modelId="{BB374C9D-646D-46E6-89B4-117F0E21BA34}" type="presOf" srcId="{8EC937D8-BD76-4A12-A3E5-900D5C1E2E05}" destId="{916C48CB-E452-4B79-A9B9-4C9A90B47960}" srcOrd="1" destOrd="0" presId="urn:microsoft.com/office/officeart/2005/8/layout/vProcess5"/>
-    <dgm:cxn modelId="{011A9761-E983-4C7D-AB1D-2038261D8FF8}" srcId="{CD7942A0-B7D2-4B14-8FEA-55FC702F5BE7}" destId="{7133ECF5-4190-4604-AA2F-03C9A0A9210F}" srcOrd="2" destOrd="0" parTransId="{7D1B29D7-21DD-436A-8F7C-E87DE53C1431}" sibTransId="{46037378-034A-4662-877A-B53E1DA069A3}"/>
-    <dgm:cxn modelId="{7C007CEB-6418-4EA7-9CB6-5B93D0C655E6}" type="presOf" srcId="{095A5E99-E976-4550-8F80-53CC813F2F5A}" destId="{7A2F6994-DA87-4497-BFC7-DD9D6EC5315F}" srcOrd="1" destOrd="0" presId="urn:microsoft.com/office/officeart/2005/8/layout/vProcess5"/>
-    <dgm:cxn modelId="{D1A4D8E6-F04E-4AB1-8D0C-63DC7AB1E81F}" srcId="{CD7942A0-B7D2-4B14-8FEA-55FC702F5BE7}" destId="{095A5E99-E976-4550-8F80-53CC813F2F5A}" srcOrd="0" destOrd="0" parTransId="{03339A0D-5DC0-4B29-8353-C5AEBFD4DE86}" sibTransId="{8877691F-1B60-4485-9174-DDEC7EE68B70}"/>
-    <dgm:cxn modelId="{6CF7D6F9-A5F2-48E3-AF5C-A2074559AE21}" type="presOf" srcId="{B3EFD4A5-9FA1-4ABE-B722-05162509509B}" destId="{62643EF2-016C-41F1-8CBC-398422A85727}" srcOrd="0" destOrd="0" presId="urn:microsoft.com/office/officeart/2005/8/layout/vProcess5"/>
-    <dgm:cxn modelId="{5A89A138-BC1A-490F-935E-2EC3F74E8E18}" type="presOf" srcId="{7133ECF5-4190-4604-AA2F-03C9A0A9210F}" destId="{2AE92D3F-F0FA-45DD-BB60-4C6FBC6BC016}" srcOrd="0" destOrd="0" presId="urn:microsoft.com/office/officeart/2005/8/layout/vProcess5"/>
-    <dgm:cxn modelId="{8A063A46-8F8D-405A-B2D6-6495FA638F46}" type="presOf" srcId="{8EC937D8-BD76-4A12-A3E5-900D5C1E2E05}" destId="{CA544AF7-F7B2-4CA5-9251-B4CDB8D06634}" srcOrd="0" destOrd="0" presId="urn:microsoft.com/office/officeart/2005/8/layout/vProcess5"/>
-    <dgm:cxn modelId="{A071614A-8A85-47B2-A113-0652CAB9B428}" type="presOf" srcId="{095A5E99-E976-4550-8F80-53CC813F2F5A}" destId="{124EF20B-D98C-45B2-BB13-7B93B5373CEB}" srcOrd="0" destOrd="0" presId="urn:microsoft.com/office/officeart/2005/8/layout/vProcess5"/>
-    <dgm:cxn modelId="{43DC8383-AEE5-490C-A8E5-1F216F2B8FE6}" srcId="{CD7942A0-B7D2-4B14-8FEA-55FC702F5BE7}" destId="{8EC937D8-BD76-4A12-A3E5-900D5C1E2E05}" srcOrd="1" destOrd="0" parTransId="{8265EE85-9851-494E-A6D3-1CDACE947DF3}" sibTransId="{B3EFD4A5-9FA1-4ABE-B722-05162509509B}"/>
-    <dgm:cxn modelId="{768DB908-A4BF-48A6-A740-5DD0CBAFBB11}" type="presParOf" srcId="{1D84D8B6-AB32-4491-B5D2-EFE3D7668B88}" destId="{3E0E8213-E460-4EB7-9A92-C2B1CC553F0D}" srcOrd="0" destOrd="0" presId="urn:microsoft.com/office/officeart/2005/8/layout/vProcess5"/>
-    <dgm:cxn modelId="{A8B17D3B-E670-4FE0-A845-244C702B8151}" type="presParOf" srcId="{1D84D8B6-AB32-4491-B5D2-EFE3D7668B88}" destId="{124EF20B-D98C-45B2-BB13-7B93B5373CEB}" srcOrd="1" destOrd="0" presId="urn:microsoft.com/office/officeart/2005/8/layout/vProcess5"/>
-    <dgm:cxn modelId="{1E8E2D8B-A980-4080-A16E-1F74528DE4D0}" type="presParOf" srcId="{1D84D8B6-AB32-4491-B5D2-EFE3D7668B88}" destId="{CA544AF7-F7B2-4CA5-9251-B4CDB8D06634}" srcOrd="2" destOrd="0" presId="urn:microsoft.com/office/officeart/2005/8/layout/vProcess5"/>
-    <dgm:cxn modelId="{7992440C-9F36-432D-90EE-E2A708CEB38B}" type="presParOf" srcId="{1D84D8B6-AB32-4491-B5D2-EFE3D7668B88}" destId="{2AE92D3F-F0FA-45DD-BB60-4C6FBC6BC016}" srcOrd="3" destOrd="0" presId="urn:microsoft.com/office/officeart/2005/8/layout/vProcess5"/>
-    <dgm:cxn modelId="{DBE883B8-7D13-43BA-A456-8DBB93D30C93}" type="presParOf" srcId="{1D84D8B6-AB32-4491-B5D2-EFE3D7668B88}" destId="{9CA877D8-99F8-40A0-89E9-59A61C9A70F4}" srcOrd="4" destOrd="0" presId="urn:microsoft.com/office/officeart/2005/8/layout/vProcess5"/>
-    <dgm:cxn modelId="{A3B9E6ED-FFD0-430E-B609-EBE8E75E7C44}" type="presParOf" srcId="{1D84D8B6-AB32-4491-B5D2-EFE3D7668B88}" destId="{62643EF2-016C-41F1-8CBC-398422A85727}" srcOrd="5" destOrd="0" presId="urn:microsoft.com/office/officeart/2005/8/layout/vProcess5"/>
-    <dgm:cxn modelId="{278FE748-9C54-4E36-9203-E948DB63C99A}" type="presParOf" srcId="{1D84D8B6-AB32-4491-B5D2-EFE3D7668B88}" destId="{7A2F6994-DA87-4497-BFC7-DD9D6EC5315F}" srcOrd="6" destOrd="0" presId="urn:microsoft.com/office/officeart/2005/8/layout/vProcess5"/>
-    <dgm:cxn modelId="{E81279B5-23BF-4F73-A353-8831FC04E9BC}" type="presParOf" srcId="{1D84D8B6-AB32-4491-B5D2-EFE3D7668B88}" destId="{916C48CB-E452-4B79-A9B9-4C9A90B47960}" srcOrd="7" destOrd="0" presId="urn:microsoft.com/office/officeart/2005/8/layout/vProcess5"/>
-    <dgm:cxn modelId="{16289EC3-0C51-4B32-B6CC-FE8F7F6F6C76}" type="presParOf" srcId="{1D84D8B6-AB32-4491-B5D2-EFE3D7668B88}" destId="{A31D264E-E285-4E5C-8EB7-762CD501BE72}" srcOrd="8" destOrd="0" presId="urn:microsoft.com/office/officeart/2005/8/layout/vProcess5"/>
-  </dgm:cxnLst>
-  <dgm:bg/>
-  <dgm:whole/>
-  <dgm:extLst>
-    <a:ext uri="http://schemas.microsoft.com/office/drawing/2008/diagram">
-      <dsp:dataModelExt xmlns:dsp="http://schemas.microsoft.com/office/drawing/2008/diagram" relId="rId7" minVer="http://schemas.openxmlformats.org/drawingml/2006/diagram"/>
-    </a:ext>
-  </dgm:extLst>
-</dgm:dataModel>
-</file>
-
-<file path=ppt/diagrams/drawing1.xml><?xml version="1.0" encoding="utf-8"?>
-<dsp:drawing xmlns:dgm="http://schemas.openxmlformats.org/drawingml/2006/diagram" xmlns:dsp="http://schemas.microsoft.com/office/drawing/2008/diagram" xmlns:a="http://schemas.openxmlformats.org/drawingml/2006/main">
-  <dsp:spTree>
-    <dsp:nvGrpSpPr>
-      <dsp:cNvPr id="0" name=""/>
-      <dsp:cNvGrpSpPr/>
-    </dsp:nvGrpSpPr>
-    <dsp:grpSpPr/>
-    <dsp:sp modelId="{124EF20B-D98C-45B2-BB13-7B93B5373CEB}">
-      <dsp:nvSpPr>
-        <dsp:cNvPr id="0" name=""/>
-        <dsp:cNvSpPr/>
-      </dsp:nvSpPr>
-      <dsp:spPr>
-        <a:xfrm>
-          <a:off x="0" y="0"/>
-          <a:ext cx="4316650" cy="1339691"/>
-        </a:xfrm>
-        <a:prstGeom prst="roundRect">
-          <a:avLst>
-            <a:gd name="adj" fmla="val 10000"/>
-          </a:avLst>
-        </a:prstGeom>
-        <a:gradFill rotWithShape="0">
-          <a:gsLst>
-            <a:gs pos="0">
-              <a:srgbClr val="703000"/>
-            </a:gs>
-            <a:gs pos="50000">
-              <a:srgbClr val="A44A00"/>
-            </a:gs>
-            <a:gs pos="70000">
-              <a:srgbClr val="BC5500"/>
-            </a:gs>
-            <a:gs pos="100000">
-              <a:srgbClr val="F26D00"/>
-            </a:gs>
-          </a:gsLst>
-          <a:lin ang="16200000" scaled="0"/>
-        </a:gradFill>
-        <a:ln>
-          <a:noFill/>
-        </a:ln>
-        <a:effectLst>
-          <a:outerShdw blurRad="38100" dist="25400" dir="2700000" algn="br" rotWithShape="0">
-            <a:srgbClr val="000000">
-              <a:alpha val="60000"/>
-            </a:srgbClr>
-          </a:outerShdw>
-        </a:effectLst>
-      </dsp:spPr>
-      <dsp:style>
-        <a:lnRef idx="0">
-          <a:scrgbClr r="0" g="0" b="0"/>
-        </a:lnRef>
-        <a:fillRef idx="3">
-          <a:scrgbClr r="0" g="0" b="0"/>
-        </a:fillRef>
-        <a:effectRef idx="2">
-          <a:scrgbClr r="0" g="0" b="0"/>
-        </a:effectRef>
-        <a:fontRef idx="minor">
-          <a:schemeClr val="lt1"/>
-        </a:fontRef>
-      </dsp:style>
-      <dsp:txBody>
-        <a:bodyPr spcFirstLastPara="0" vert="horz" wrap="square" lIns="220980" tIns="220980" rIns="220980" bIns="220980" numCol="1" spcCol="1270" anchor="ctr" anchorCtr="0">
-          <a:noAutofit/>
-        </a:bodyPr>
-        <a:lstStyle/>
-        <a:p>
-          <a:pPr lvl="0" algn="l" defTabSz="2578100">
-            <a:lnSpc>
-              <a:spcPct val="90000"/>
-            </a:lnSpc>
-            <a:spcBef>
-              <a:spcPct val="0"/>
-            </a:spcBef>
-            <a:spcAft>
-              <a:spcPct val="35000"/>
-            </a:spcAft>
-          </a:pPr>
-          <a:r>
-            <a:rPr lang="en-US" sz="5800" kern="1200" dirty="0"/>
-            <a:t>Task 1</a:t>
-          </a:r>
-        </a:p>
-      </dsp:txBody>
-      <dsp:txXfrm>
-        <a:off x="39238" y="39238"/>
-        <a:ext cx="2871019" cy="1261215"/>
-      </dsp:txXfrm>
-    </dsp:sp>
-    <dsp:sp modelId="{CA544AF7-F7B2-4CA5-9251-B4CDB8D06634}">
-      <dsp:nvSpPr>
-        <dsp:cNvPr id="0" name=""/>
-        <dsp:cNvSpPr/>
-      </dsp:nvSpPr>
-      <dsp:spPr>
-        <a:xfrm>
-          <a:off x="380880" y="1562972"/>
-          <a:ext cx="4316650" cy="1339691"/>
-        </a:xfrm>
-        <a:prstGeom prst="roundRect">
-          <a:avLst>
-            <a:gd name="adj" fmla="val 10000"/>
-          </a:avLst>
-        </a:prstGeom>
-        <a:gradFill rotWithShape="0">
-          <a:gsLst>
-            <a:gs pos="0">
-              <a:schemeClr val="accent3">
-                <a:hueOff val="0"/>
-                <a:satOff val="0"/>
-                <a:lumOff val="0"/>
-                <a:alphaOff val="0"/>
-                <a:shade val="15000"/>
-                <a:satMod val="180000"/>
-              </a:schemeClr>
-            </a:gs>
-            <a:gs pos="50000">
-              <a:schemeClr val="accent3">
-                <a:hueOff val="0"/>
-                <a:satOff val="0"/>
-                <a:lumOff val="0"/>
-                <a:alphaOff val="0"/>
-                <a:shade val="45000"/>
-                <a:satMod val="170000"/>
-              </a:schemeClr>
-            </a:gs>
-            <a:gs pos="70000">
-              <a:schemeClr val="accent3">
-                <a:hueOff val="0"/>
-                <a:satOff val="0"/>
-                <a:lumOff val="0"/>
-                <a:alphaOff val="0"/>
-                <a:tint val="99000"/>
-                <a:shade val="65000"/>
-                <a:satMod val="155000"/>
-              </a:schemeClr>
-            </a:gs>
-            <a:gs pos="100000">
-              <a:schemeClr val="accent3">
-                <a:hueOff val="0"/>
-                <a:satOff val="0"/>
-                <a:lumOff val="0"/>
-                <a:alphaOff val="0"/>
-                <a:tint val="100000"/>
-                <a:shade val="100000"/>
-                <a:satMod val="155000"/>
-              </a:schemeClr>
-            </a:gs>
-          </a:gsLst>
-          <a:lin ang="16200000" scaled="0"/>
-        </a:gradFill>
-        <a:ln>
-          <a:noFill/>
-        </a:ln>
-        <a:effectLst>
-          <a:outerShdw blurRad="38100" dist="25400" dir="2700000" algn="br" rotWithShape="0">
-            <a:srgbClr val="000000">
-              <a:alpha val="60000"/>
-            </a:srgbClr>
-          </a:outerShdw>
-        </a:effectLst>
-      </dsp:spPr>
-      <dsp:style>
-        <a:lnRef idx="0">
-          <a:scrgbClr r="0" g="0" b="0"/>
-        </a:lnRef>
-        <a:fillRef idx="3">
-          <a:scrgbClr r="0" g="0" b="0"/>
-        </a:fillRef>
-        <a:effectRef idx="2">
-          <a:scrgbClr r="0" g="0" b="0"/>
-        </a:effectRef>
-        <a:fontRef idx="minor">
-          <a:schemeClr val="lt1"/>
-        </a:fontRef>
-      </dsp:style>
-      <dsp:txBody>
-        <a:bodyPr spcFirstLastPara="0" vert="horz" wrap="square" lIns="220980" tIns="220980" rIns="220980" bIns="220980" numCol="1" spcCol="1270" anchor="ctr" anchorCtr="0">
-          <a:noAutofit/>
-        </a:bodyPr>
-        <a:lstStyle/>
-        <a:p>
-          <a:pPr lvl="0" algn="l" defTabSz="2578100">
-            <a:lnSpc>
-              <a:spcPct val="90000"/>
-            </a:lnSpc>
-            <a:spcBef>
-              <a:spcPct val="0"/>
-            </a:spcBef>
-            <a:spcAft>
-              <a:spcPct val="35000"/>
-            </a:spcAft>
-          </a:pPr>
-          <a:r>
-            <a:rPr lang="en-US" sz="5800" kern="1200" dirty="0"/>
-            <a:t>Task 2</a:t>
-          </a:r>
-        </a:p>
-      </dsp:txBody>
-      <dsp:txXfrm>
-        <a:off x="420118" y="1602210"/>
-        <a:ext cx="2986494" cy="1261215"/>
-      </dsp:txXfrm>
-    </dsp:sp>
-    <dsp:sp modelId="{2AE92D3F-F0FA-45DD-BB60-4C6FBC6BC016}">
-      <dsp:nvSpPr>
-        <dsp:cNvPr id="0" name=""/>
-        <dsp:cNvSpPr/>
-      </dsp:nvSpPr>
-      <dsp:spPr>
-        <a:xfrm>
-          <a:off x="761761" y="3125945"/>
-          <a:ext cx="4316650" cy="1339691"/>
-        </a:xfrm>
-        <a:prstGeom prst="roundRect">
-          <a:avLst>
-            <a:gd name="adj" fmla="val 10000"/>
-          </a:avLst>
-        </a:prstGeom>
-        <a:gradFill rotWithShape="0">
-          <a:gsLst>
-            <a:gs pos="0">
-              <a:srgbClr val="394404"/>
-            </a:gs>
-            <a:gs pos="50000">
-              <a:srgbClr val="5F6F0F"/>
-            </a:gs>
-            <a:gs pos="70000">
-              <a:srgbClr val="65741A"/>
-            </a:gs>
-            <a:gs pos="100000">
-              <a:schemeClr val="accent4">
-                <a:hueOff val="0"/>
-                <a:satOff val="0"/>
-                <a:lumOff val="0"/>
-                <a:alphaOff val="0"/>
-                <a:tint val="100000"/>
-                <a:shade val="100000"/>
-                <a:satMod val="155000"/>
-              </a:schemeClr>
-            </a:gs>
-          </a:gsLst>
-          <a:lin ang="16200000" scaled="0"/>
-        </a:gradFill>
-        <a:ln>
-          <a:noFill/>
-        </a:ln>
-        <a:effectLst>
-          <a:outerShdw blurRad="38100" dist="25400" dir="2700000" algn="br" rotWithShape="0">
-            <a:srgbClr val="000000">
-              <a:alpha val="60000"/>
-            </a:srgbClr>
-          </a:outerShdw>
-        </a:effectLst>
-      </dsp:spPr>
-      <dsp:style>
-        <a:lnRef idx="0">
-          <a:scrgbClr r="0" g="0" b="0"/>
-        </a:lnRef>
-        <a:fillRef idx="3">
-          <a:scrgbClr r="0" g="0" b="0"/>
-        </a:fillRef>
-        <a:effectRef idx="2">
-          <a:scrgbClr r="0" g="0" b="0"/>
-        </a:effectRef>
-        <a:fontRef idx="minor">
-          <a:schemeClr val="lt1"/>
-        </a:fontRef>
-      </dsp:style>
-      <dsp:txBody>
-        <a:bodyPr spcFirstLastPara="0" vert="horz" wrap="square" lIns="220980" tIns="220980" rIns="220980" bIns="220980" numCol="1" spcCol="1270" anchor="ctr" anchorCtr="0">
-          <a:noAutofit/>
-        </a:bodyPr>
-        <a:lstStyle/>
-        <a:p>
-          <a:pPr lvl="0" algn="l" defTabSz="2578100">
-            <a:lnSpc>
-              <a:spcPct val="90000"/>
-            </a:lnSpc>
-            <a:spcBef>
-              <a:spcPct val="0"/>
-            </a:spcBef>
-            <a:spcAft>
-              <a:spcPct val="35000"/>
-            </a:spcAft>
-          </a:pPr>
-          <a:r>
-            <a:rPr lang="en-US" sz="5800" kern="1200" dirty="0"/>
-            <a:t>Task 3</a:t>
-          </a:r>
-        </a:p>
-      </dsp:txBody>
-      <dsp:txXfrm>
-        <a:off x="800999" y="3165183"/>
-        <a:ext cx="2986494" cy="1261215"/>
-      </dsp:txXfrm>
-    </dsp:sp>
-    <dsp:sp modelId="{9CA877D8-99F8-40A0-89E9-59A61C9A70F4}">
-      <dsp:nvSpPr>
-        <dsp:cNvPr id="0" name=""/>
-        <dsp:cNvSpPr/>
-      </dsp:nvSpPr>
-      <dsp:spPr>
-        <a:xfrm>
-          <a:off x="3445850" y="1015932"/>
-          <a:ext cx="870799" cy="870799"/>
-        </a:xfrm>
-        <a:prstGeom prst="downArrow">
-          <a:avLst>
-            <a:gd name="adj1" fmla="val 55000"/>
-            <a:gd name="adj2" fmla="val 45000"/>
-          </a:avLst>
-        </a:prstGeom>
-        <a:solidFill>
-          <a:schemeClr val="accent2">
-            <a:tint val="40000"/>
-            <a:alpha val="90000"/>
-            <a:hueOff val="0"/>
-            <a:satOff val="0"/>
-            <a:lumOff val="0"/>
-            <a:alphaOff val="0"/>
-          </a:schemeClr>
-        </a:solidFill>
-        <a:ln w="9525" cap="flat" cmpd="sng" algn="ctr">
-          <a:solidFill>
-            <a:schemeClr val="accent2">
-              <a:tint val="40000"/>
-              <a:alpha val="90000"/>
-              <a:hueOff val="0"/>
-              <a:satOff val="0"/>
-              <a:lumOff val="0"/>
-              <a:alphaOff val="0"/>
-            </a:schemeClr>
-          </a:solidFill>
-          <a:miter lim="800000"/>
-        </a:ln>
-        <a:effectLst/>
-      </dsp:spPr>
-      <dsp:style>
-        <a:lnRef idx="1">
-          <a:scrgbClr r="0" g="0" b="0"/>
-        </a:lnRef>
-        <a:fillRef idx="1">
-          <a:scrgbClr r="0" g="0" b="0"/>
-        </a:fillRef>
-        <a:effectRef idx="0">
-          <a:scrgbClr r="0" g="0" b="0"/>
-        </a:effectRef>
-        <a:fontRef idx="minor"/>
-      </dsp:style>
-      <dsp:txBody>
-        <a:bodyPr spcFirstLastPara="0" vert="horz" wrap="square" lIns="45720" tIns="45720" rIns="45720" bIns="45720" numCol="1" spcCol="1270" anchor="ctr" anchorCtr="0">
-          <a:noAutofit/>
-        </a:bodyPr>
-        <a:lstStyle/>
-        <a:p>
-          <a:pPr lvl="0" algn="ctr" defTabSz="1600200">
-            <a:lnSpc>
-              <a:spcPct val="90000"/>
-            </a:lnSpc>
-            <a:spcBef>
-              <a:spcPct val="0"/>
-            </a:spcBef>
-            <a:spcAft>
-              <a:spcPct val="35000"/>
-            </a:spcAft>
-          </a:pPr>
-          <a:endParaRPr lang="en-US" sz="3600" kern="1200"/>
-        </a:p>
-      </dsp:txBody>
-      <dsp:txXfrm>
-        <a:off x="3641780" y="1015932"/>
-        <a:ext cx="478939" cy="655276"/>
-      </dsp:txXfrm>
-    </dsp:sp>
-    <dsp:sp modelId="{62643EF2-016C-41F1-8CBC-398422A85727}">
-      <dsp:nvSpPr>
-        <dsp:cNvPr id="0" name=""/>
-        <dsp:cNvSpPr/>
-      </dsp:nvSpPr>
-      <dsp:spPr>
-        <a:xfrm>
-          <a:off x="3826731" y="2569974"/>
-          <a:ext cx="870799" cy="870799"/>
-        </a:xfrm>
-        <a:prstGeom prst="downArrow">
-          <a:avLst>
-            <a:gd name="adj1" fmla="val 55000"/>
-            <a:gd name="adj2" fmla="val 45000"/>
-          </a:avLst>
-        </a:prstGeom>
-        <a:solidFill>
-          <a:schemeClr val="accent3">
-            <a:tint val="40000"/>
-            <a:alpha val="90000"/>
-            <a:hueOff val="0"/>
-            <a:satOff val="0"/>
-            <a:lumOff val="0"/>
-            <a:alphaOff val="0"/>
-          </a:schemeClr>
-        </a:solidFill>
-        <a:ln w="9525" cap="flat" cmpd="sng" algn="ctr">
-          <a:solidFill>
-            <a:schemeClr val="accent3">
-              <a:tint val="40000"/>
-              <a:alpha val="90000"/>
-              <a:hueOff val="0"/>
-              <a:satOff val="0"/>
-              <a:lumOff val="0"/>
-              <a:alphaOff val="0"/>
-            </a:schemeClr>
-          </a:solidFill>
-          <a:miter lim="800000"/>
-        </a:ln>
-        <a:effectLst/>
-      </dsp:spPr>
-      <dsp:style>
-        <a:lnRef idx="1">
-          <a:scrgbClr r="0" g="0" b="0"/>
-        </a:lnRef>
-        <a:fillRef idx="1">
-          <a:scrgbClr r="0" g="0" b="0"/>
-        </a:fillRef>
-        <a:effectRef idx="0">
-          <a:scrgbClr r="0" g="0" b="0"/>
-        </a:effectRef>
-        <a:fontRef idx="minor"/>
-      </dsp:style>
-      <dsp:txBody>
-        <a:bodyPr spcFirstLastPara="0" vert="horz" wrap="square" lIns="45720" tIns="45720" rIns="45720" bIns="45720" numCol="1" spcCol="1270" anchor="ctr" anchorCtr="0">
-          <a:noAutofit/>
-        </a:bodyPr>
-        <a:lstStyle/>
-        <a:p>
-          <a:pPr lvl="0" algn="ctr" defTabSz="1600200">
-            <a:lnSpc>
-              <a:spcPct val="90000"/>
-            </a:lnSpc>
-            <a:spcBef>
-              <a:spcPct val="0"/>
-            </a:spcBef>
-            <a:spcAft>
-              <a:spcPct val="35000"/>
-            </a:spcAft>
-          </a:pPr>
-          <a:endParaRPr lang="en-US" sz="3600" kern="1200"/>
-        </a:p>
-      </dsp:txBody>
-      <dsp:txXfrm>
-        <a:off x="4022661" y="2569974"/>
-        <a:ext cx="478939" cy="655276"/>
-      </dsp:txXfrm>
-    </dsp:sp>
-  </dsp:spTree>
-</dsp:drawing>
-</file>
-
-<file path=ppt/diagrams/layout1.xml><?xml version="1.0" encoding="utf-8"?>
-<dgm:layoutDef xmlns:dgm="http://schemas.openxmlformats.org/drawingml/2006/diagram" xmlns:a="http://schemas.openxmlformats.org/drawingml/2006/main" uniqueId="urn:microsoft.com/office/officeart/2005/8/layout/vProcess5">
-  <dgm:title val=""/>
-  <dgm:desc val=""/>
-  <dgm:catLst>
-    <dgm:cat type="process" pri="14000"/>
-  </dgm:catLst>
-  <dgm:sampData>
-    <dgm:dataModel>
-      <dgm:ptLst>
-        <dgm:pt modelId="0" type="doc"/>
-        <dgm:pt modelId="1">
-          <dgm:prSet phldr="1"/>
-        </dgm:pt>
-        <dgm:pt modelId="2">
-          <dgm:prSet phldr="1"/>
-        </dgm:pt>
-        <dgm:pt modelId="3">
-          <dgm:prSet phldr="1"/>
-        </dgm:pt>
-      </dgm:ptLst>
-      <dgm:cxnLst>
-        <dgm:cxn modelId="5" srcId="0" destId="1" srcOrd="0" destOrd="0"/>
-        <dgm:cxn modelId="6" srcId="0" destId="2" srcOrd="1" destOrd="0"/>
-        <dgm:cxn modelId="7" srcId="0" destId="3" srcOrd="2" destOrd="0"/>
-      </dgm:cxnLst>
-      <dgm:bg/>
-      <dgm:whole/>
-    </dgm:dataModel>
-  </dgm:sampData>
-  <dgm:styleData>
-    <dgm:dataModel>
-      <dgm:ptLst>
-        <dgm:pt modelId="0" type="doc"/>
-        <dgm:pt modelId="1"/>
-        <dgm:pt modelId="2"/>
-      </dgm:ptLst>
-      <dgm:cxnLst>
-        <dgm:cxn modelId="3" srcId="0" destId="1" srcOrd="0" destOrd="0"/>
-        <dgm:cxn modelId="4" srcId="0" destId="2" srcOrd="1" destOrd="0"/>
-      </dgm:cxnLst>
-      <dgm:bg/>
-      <dgm:whole/>
-    </dgm:dataModel>
-  </dgm:styleData>
-  <dgm:clrData>
-    <dgm:dataModel>
-      <dgm:ptLst>
-        <dgm:pt modelId="0" type="doc"/>
-        <dgm:pt modelId="1"/>
-        <dgm:pt modelId="2"/>
-        <dgm:pt modelId="3"/>
-        <dgm:pt modelId="4"/>
-      </dgm:ptLst>
-      <dgm:cxnLst>
-        <dgm:cxn modelId="6" srcId="0" destId="1" srcOrd="0" destOrd="0"/>
-        <dgm:cxn modelId="7" srcId="0" destId="2" srcOrd="1" destOrd="0"/>
-        <dgm:cxn modelId="8" srcId="0" destId="3" srcOrd="2" destOrd="0"/>
-        <dgm:cxn modelId="9" srcId="0" destId="4" srcOrd="3" destOrd="0"/>
-      </dgm:cxnLst>
-      <dgm:bg/>
-      <dgm:whole/>
-    </dgm:dataModel>
-  </dgm:clrData>
-  <dgm:layoutNode name="outerComposite">
-    <dgm:varLst>
-      <dgm:chMax val="5"/>
-      <dgm:dir/>
-      <dgm:resizeHandles val="exact"/>
-    </dgm:varLst>
-    <dgm:alg type="composite"/>
-    <dgm:shape xmlns:r="http://schemas.openxmlformats.org/officeDocument/2006/relationships" r:blip="">
-      <dgm:adjLst/>
-    </dgm:shape>
-    <dgm:presOf/>
-    <dgm:choose name="Name0">
-      <dgm:if name="Name1" func="var" arg="dir" op="equ" val="norm">
-        <dgm:constrLst>
-          <dgm:constr type="primFontSz" for="ch" ptType="node" op="equ" val="65"/>
-          <dgm:constr type="w" for="ch" forName="dummyMaxCanvas" refType="w"/>
-          <dgm:constr type="h" for="ch" forName="dummyMaxCanvas" refType="h"/>
-          <dgm:constr type="w" for="ch" forName="OneNode_1" refType="w"/>
-          <dgm:constr type="h" for="ch" forName="OneNode_1" refType="h" fact="0.5"/>
-          <dgm:constr type="ctrY" for="ch" forName="OneNode_1" refType="h" fact="0.5"/>
-          <dgm:constr type="w" for="ch" forName="TwoNodes_1" refType="w" fact="0.85"/>
-          <dgm:constr type="h" for="ch" forName="TwoNodes_1" refType="h" fact="0.45"/>
-          <dgm:constr type="t" for="ch" forName="TwoNodes_1"/>
-          <dgm:constr type="l" for="ch" forName="TwoNodes_1"/>
-          <dgm:constr type="w" for="ch" forName="TwoNodes_2" refType="w" fact="0.85"/>
-          <dgm:constr type="h" for="ch" forName="TwoNodes_2" refType="h" fact="0.45"/>
-          <dgm:constr type="b" for="ch" forName="TwoNodes_2" refType="h"/>
-          <dgm:constr type="r" for="ch" forName="TwoNodes_2" refType="w"/>
-          <dgm:constr type="w" for="ch" forName="TwoConn_1-2" refType="h" refFor="ch" refForName="TwoNodes_1" fact="0.65"/>
-          <dgm:constr type="h" for="ch" forName="TwoConn_1-2" refType="h" refFor="ch" refForName="TwoNodes_1" fact="0.65"/>
-          <dgm:constr type="ctrY" for="ch" forName="TwoConn_1-2" refType="h" fact="0.5"/>
-          <dgm:constr type="r" for="ch" forName="TwoConn_1-2" refType="r" refFor="ch" refForName="TwoNodes_1"/>
-          <dgm:constr type="r" for="ch" forName="TwoNodes_1_text" refType="l" refFor="ch" refForName="TwoConn_1-2"/>
-          <dgm:constr type="rOff" for="ch" forName="TwoNodes_1_text" refType="w" refFor="ch" refForName="TwoConn_1-2" fact="-0.5"/>
-          <dgm:constr type="t" for="ch" forName="TwoNodes_1_text" refType="t" refFor="ch" refForName="TwoNodes_1"/>
-          <dgm:constr type="b" for="ch" forName="TwoNodes_1_text" refType="b" refFor="ch" refForName="TwoNodes_1"/>
-          <dgm:constr type="l" for="ch" forName="TwoNodes_1_text" refType="l" refFor="ch" refForName="TwoNodes_1"/>
-          <dgm:constr type="r" for="ch" forName="TwoNodes_2_text" refType="l" refFor="ch" refForName="TwoConn_1-2"/>
-          <dgm:constr type="t" for="ch" forName="TwoNodes_2_text" refType="t" refFor="ch" refForName="TwoNodes_2"/>
-          <dgm:constr type="b" for="ch" forName="TwoNodes_2_text" refType="b" refFor="ch" refForName="TwoNodes_2"/>
-          <dgm:constr type="l" for="ch" forName="TwoNodes_2_text" refType="l" refFor="ch" refForName="TwoNodes_2"/>
-          <dgm:constr type="w" for="ch" forName="ThreeNodes_1" refType="w" fact="0.85"/>
-          <dgm:constr type="h" for="ch" forName="ThreeNodes_1" refType="h" fact="0.3"/>
-          <dgm:constr type="t" for="ch" forName="ThreeNodes_1"/>
-          <dgm:constr type="l" for="ch" forName="ThreeNodes_1"/>
-          <dgm:constr type="w" for="ch" forName="ThreeNodes_2" refType="w" fact="0.85"/>
-          <dgm:constr type="h" for="ch" forName="ThreeNodes_2" refType="h" fact="0.3"/>
-          <dgm:constr type="ctrY" for="ch" forName="ThreeNodes_2" refType="h" fact="0.5"/>
-          <dgm:constr type="ctrX" for="ch" forName="ThreeNodes_2" refType="w" fact="0.5"/>
-          <dgm:constr type="w" for="ch" forName="ThreeNodes_3" refType="w" fact="0.85"/>
-          <dgm:constr type="h" for="ch" forName="ThreeNodes_3" refType="h" fact="0.3"/>
-          <dgm:constr type="b" for="ch" forName="ThreeNodes_3" refType="h"/>
-          <dgm:constr type="r" for="ch" forName="ThreeNodes_3" refType="w"/>
-          <dgm:constr type="w" for="ch" forName="ThreeConn_1-2" refType="h" refFor="ch" refForName="ThreeNodes_1" fact="0.65"/>
-          <dgm:constr type="h" for="ch" forName="ThreeConn_1-2" refType="h" refFor="ch" refForName="ThreeNodes_1" fact="0.65"/>
-          <dgm:constr type="ctrY" for="ch" forName="ThreeConn_1-2" refType="h" fact="0.325"/>
-          <dgm:constr type="r" for="ch" forName="ThreeConn_1-2" refType="r" refFor="ch" refForName="ThreeNodes_1"/>
-          <dgm:constr type="w" for="ch" forName="ThreeConn_2-3" refType="h" refFor="ch" refForName="ThreeNodes_2" fact="0.65"/>
-          <dgm:constr type="h" for="ch" forName="ThreeConn_2-3" refType="h" refFor="ch" refForName="ThreeNodes_2" fact="0.65"/>
-          <dgm:constr type="ctrY" for="ch" forName="ThreeConn_2-3" refType="h" fact="0.673"/>
-          <dgm:constr type="r" for="ch" forName="ThreeConn_2-3" refType="r" refFor="ch" refForName="ThreeNodes_2"/>
-          <dgm:constr type="r" for="ch" forName="ThreeNodes_1_text" refType="l" refFor="ch" refForName="ThreeConn_1-2"/>
-          <dgm:constr type="rOff" for="ch" forName="ThreeNodes_1_text" refType="w" refFor="ch" refForName="ThreeConn_1-2" fact="-0.57"/>
-          <dgm:constr type="t" for="ch" forName="ThreeNodes_1_text" refType="t" refFor="ch" refForName="ThreeNodes_1"/>
-          <dgm:constr type="b" for="ch" forName="ThreeNodes_1_text" refType="b" refFor="ch" refForName="ThreeNodes_1"/>
-          <dgm:constr type="l" for="ch" forName="ThreeNodes_1_text" refType="l" refFor="ch" refForName="ThreeNodes_1"/>
-          <dgm:constr type="r" for="ch" forName="ThreeNodes_2_text" refType="l" refFor="ch" refForName="ThreeConn_1-2"/>
-          <dgm:constr type="t" for="ch" forName="ThreeNodes_2_text" refType="t" refFor="ch" refForName="ThreeNodes_2"/>
-          <dgm:constr type="b" for="ch" forName="ThreeNodes_2_text" refType="b" refFor="ch" refForName="ThreeNodes_2"/>
-          <dgm:constr type="l" for="ch" forName="ThreeNodes_2_text" refType="l" refFor="ch" refForName="ThreeNodes_2"/>
-          <dgm:constr type="r" for="ch" forName="ThreeNodes_3_text" refType="l" refFor="ch" refForName="ThreeConn_2-3"/>
-          <dgm:constr type="t" for="ch" forName="ThreeNodes_3_text" refType="t" refFor="ch" refForName="ThreeNodes_3"/>
-          <dgm:constr type="b" for="ch" forName="ThreeNodes_3_text" refType="b" refFor="ch" refForName="ThreeNodes_3"/>
-          <dgm:constr type="l" for="ch" forName="ThreeNodes_3_text" refType="l" refFor="ch" refForName="ThreeNodes_3"/>
-          <dgm:constr type="w" for="ch" forName="FourNodes_1" refType="w" fact="0.8"/>
-          <dgm:constr type="h" for="ch" forName="FourNodes_1" refType="h" fact="0.22"/>
-          <dgm:constr type="t" for="ch" forName="FourNodes_1"/>
-          <dgm:constr type="l" for="ch" forName="FourNodes_1"/>
-          <dgm:constr type="w" for="ch" forName="FourNodes_2" refType="w" fact="0.8"/>
-          <dgm:constr type="h" for="ch" forName="FourNodes_2" refType="h" fact="0.22"/>
-          <dgm:constr type="ctrY" for="ch" forName="FourNodes_2" refType="h" fact="0.37"/>
-          <dgm:constr type="ctrX" for="ch" forName="FourNodes_2" refType="w" fact="0.467"/>
-          <dgm:constr type="w" for="ch" forName="FourNodes_3" refType="w" fact="0.8"/>
-          <dgm:constr type="h" for="ch" forName="FourNodes_3" refType="h" fact="0.22"/>
-          <dgm:constr type="ctrY" for="ch" forName="FourNodes_3" refType="h" fact="0.63"/>
-          <dgm:constr type="ctrX" for="ch" forName="FourNodes_3" refType="w" fact="0.533"/>
-          <dgm:constr type="w" for="ch" forName="FourNodes_4" refType="w" fact="0.8"/>
-          <dgm:constr type="h" for="ch" forName="FourNodes_4" refType="h" fact="0.22"/>
-          <dgm:constr type="b" for="ch" forName="FourNodes_4" refType="h"/>
-          <dgm:constr type="r" for="ch" forName="FourNodes_4" refType="w"/>
-          <dgm:constr type="w" for="ch" forName="FourConn_1-2" refType="h" refFor="ch" refForName="FourNodes_1" fact="0.65"/>
-          <dgm:constr type="h" for="ch" forName="FourConn_1-2" refType="h" refFor="ch" refForName="FourNodes_1" fact="0.65"/>
-          <dgm:constr type="ctrY" for="ch" forName="FourConn_1-2" refType="h" fact="0.24"/>
-          <dgm:constr type="r" for="ch" forName="FourConn_1-2" refType="r" refFor="ch" refForName="FourNodes_1"/>
-          <dgm:constr type="w" for="ch" forName="FourConn_2-3" refType="h" refFor="ch" refForName="FourNodes_2" fact="0.65"/>
-          <dgm:constr type="h" for="ch" forName="FourConn_2-3" refType="h" refFor="ch" refForName="FourNodes_2" fact="0.65"/>
-          <dgm:constr type="ctrY" for="ch" forName="FourConn_2-3" refType="h" fact="0.5"/>
-          <dgm:constr type="r" for="ch" forName="FourConn_2-3" refType="r" refFor="ch" refForName="FourNodes_2"/>
-          <dgm:constr type="w" for="ch" forName="FourConn_3-4" refType="h" refFor="ch" refForName="FourNodes_3" fact="0.65"/>
-          <dgm:constr type="h" for="ch" forName="FourConn_3-4" refType="h" refFor="ch" refForName="FourNodes_3" fact="0.65"/>
-          <dgm:constr type="ctrY" for="ch" forName="FourConn_3-4" refType="h" fact="0.76"/>
-          <dgm:constr type="r" for="ch" forName="FourConn_3-4" refType="r" refFor="ch" refForName="FourNodes_3"/>
-          <dgm:constr type="r" for="ch" forName="FourNodes_1_text" refType="l" refFor="ch" refForName="FourConn_1-2"/>
-          <dgm:constr type="rOff" for="ch" forName="FourNodes_1_text" refType="w" refFor="ch" refForName="FourConn_1-2" fact="-0.7"/>
-          <dgm:constr type="t" for="ch" forName="FourNodes_1_text" refType="t" refFor="ch" refForName="FourNodes_1"/>
-          <dgm:constr type="b" for="ch" forName="FourNodes_1_text" refType="b" refFor="ch" refForName="FourNodes_1"/>
-          <dgm:constr type="l" for="ch" forName="FourNodes_1_text" refType="l" refFor="ch" refForName="FourNodes_1"/>
-          <dgm:constr type="r" for="ch" forName="FourNodes_2_text" refType="l" refFor="ch" refForName="FourConn_1-2"/>
-          <dgm:constr type="t" for="ch" forName="FourNodes_2_text" refType="t" refFor="ch" refForName="FourNodes_2"/>
-          <dgm:constr type="b" for="ch" forName="FourNodes_2_text" refType="b" refFor="ch" refForName="FourNodes_2"/>
-          <dgm:constr type="l" for="ch" forName="FourNodes_2_text" refType="l" refFor="ch" refForName="FourNodes_2"/>
-          <dgm:constr type="r" for="ch" forName="FourNodes_3_text" refType="l" refFor="ch" refForName="FourConn_2-3"/>
-          <dgm:constr type="t" for="ch" forName="FourNodes_3_text" refType="t" refFor="ch" refForName="FourNodes_3"/>
-          <dgm:constr type="b" for="ch" forName="FourNodes_3_text" refType="b" refFor="ch" refForName="FourNodes_3"/>
-          <dgm:constr type="l" for="ch" forName="FourNodes_3_text" refType="l" refFor="ch" refForName="FourNodes_3"/>
-          <dgm:constr type="r" for="ch" forName="FourNodes_4_text" refType="l" refFor="ch" refForName="FourConn_3-4"/>
-          <dgm:constr type="t" for="ch" forName="FourNodes_4_text" refType="t" refFor="ch" refForName="FourNodes_4"/>
-          <dgm:constr type="b" for="ch" forName="FourNodes_4_text" refType="b" refFor="ch" refForName="FourNodes_4"/>
-          <dgm:constr type="l" for="ch" forName="FourNodes_4_text" refType="l" refFor="ch" refForName="FourNodes_4"/>
-          <dgm:constr type="w" for="ch" forName="FiveNodes_1" refType="w" fact="0.77"/>
-          <dgm:constr type="h" for="ch" forName="FiveNodes_1" refType="h" fact="0.18"/>
-          <dgm:constr type="t" for="ch" forName="FiveNodes_1"/>
-          <dgm:constr type="l" for="ch" forName="FiveNodes_1"/>
-          <dgm:constr type="w" for="ch" forName="FiveNodes_2" refType="w" fact="0.77"/>
-          <dgm:constr type="h" for="ch" forName="FiveNodes_2" refType="h" fact="0.18"/>
-          <dgm:constr type="ctrY" for="ch" forName="FiveNodes_2" refType="h" fact="0.295"/>
-          <dgm:constr type="ctrX" for="ch" forName="FiveNodes_2" refType="w" fact="0.4425"/>
-          <dgm:constr type="w" for="ch" forName="FiveNodes_3" refType="w" fact="0.77"/>
-          <dgm:constr type="h" for="ch" forName="FiveNodes_3" refType="h" fact="0.18"/>
-          <dgm:constr type="ctrY" for="ch" forName="FiveNodes_3" refType="h" fact="0.5"/>
-          <dgm:constr type="ctrX" for="ch" forName="FiveNodes_3" refType="w" fact="0.5"/>
-          <dgm:constr type="w" for="ch" forName="FiveNodes_4" refType="w" fact="0.77"/>
-          <dgm:constr type="h" for="ch" forName="FiveNodes_4" refType="h" fact="0.18"/>
-          <dgm:constr type="ctrY" for="ch" forName="FiveNodes_4" refType="h" fact="0.705"/>
-          <dgm:constr type="ctrX" for="ch" forName="FiveNodes_4" refType="w" fact="0.5575"/>
-          <dgm:constr type="w" for="ch" forName="FiveNodes_5" refType="w" fact="0.77"/>
-          <dgm:constr type="h" for="ch" forName="FiveNodes_5" refType="h" fact="0.18"/>
-          <dgm:constr type="b" for="ch" forName="FiveNodes_5" refType="h"/>
-          <dgm:constr type="r" for="ch" forName="FiveNodes_5" refType="w"/>
-          <dgm:constr type="w" for="ch" forName="FiveConn_1-2" refType="h" refFor="ch" refForName="FiveNodes_1" fact="0.65"/>
-          <dgm:constr type="h" for="ch" forName="FiveConn_1-2" refType="h" refFor="ch" refForName="FiveNodes_1" fact="0.65"/>
-          <dgm:constr type="ctrY" for="ch" forName="FiveConn_1-2" refType="h" fact="0.19"/>
-          <dgm:constr type="r" for="ch" forName="FiveConn_1-2" refType="r" refFor="ch" refForName="FiveNodes_1"/>
-          <dgm:constr type="w" for="ch" forName="FiveConn_2-3" refType="h" refFor="ch" refForName="FiveNodes_2" fact="0.65"/>
-          <dgm:constr type="h" for="ch" forName="FiveConn_2-3" refType="h" refFor="ch" refForName="FiveNodes_2" fact="0.65"/>
-          <dgm:constr type="ctrY" for="ch" forName="FiveConn_2-3" refType="h" fact="0.395"/>
-          <dgm:constr type="r" for="ch" forName="FiveConn_2-3" refType="r" refFor="ch" refForName="FiveNodes_2"/>
-          <dgm:constr type="w" for="ch" forName="FiveConn_3-4" refType="h" refFor="ch" refForName="FiveNodes_3" fact="0.65"/>
-          <dgm:constr type="h" for="ch" forName="FiveConn_3-4" refType="h" refFor="ch" refForName="FiveNodes_3" fact="0.65"/>
-          <dgm:constr type="ctrY" for="ch" forName="FiveConn_3-4" refType="h" fact="0.597"/>
-          <dgm:constr type="r" for="ch" forName="FiveConn_3-4" refType="r" refFor="ch" refForName="FiveNodes_3"/>
-          <dgm:constr type="w" for="ch" forName="FiveConn_4-5" refType="h" refFor="ch" refForName="FiveNodes_4" fact="0.65"/>
-          <dgm:constr type="h" for="ch" forName="FiveConn_4-5" refType="h" refFor="ch" refForName="FiveNodes_4" fact="0.65"/>
-          <dgm:constr type="ctrY" for="ch" forName="FiveConn_4-5" refType="h" fact="0.804"/>
-          <dgm:constr type="r" for="ch" forName="FiveConn_4-5" refType="r" refFor="ch" refForName="FiveNodes_4"/>
-          <dgm:constr type="r" for="ch" forName="FiveNodes_1_text" refType="l" refFor="ch" refForName="FiveConn_1-2"/>
-          <dgm:constr type="rOff" for="ch" forName="FiveNodes_1_text" refType="w" refFor="ch" refForName="FiveConn_1-2" fact="-0.75"/>
-          <dgm:constr type="t" for="ch" forName="FiveNodes_1_text" refType="t" refFor="ch" refForName="FiveNodes_1"/>
-          <dgm:constr type="b" for="ch" forName="FiveNodes_1_text" refType="b" refFor="ch" refForName="FiveNodes_1"/>
-          <dgm:constr type="l" for="ch" forName="FiveNodes_1_text" refType="l" refFor="ch" refForName="FiveNodes_1"/>
-          <dgm:constr type="r" for="ch" forName="FiveNodes_2_text" refType="l" refFor="ch" refForName="FiveConn_1-2"/>
-          <dgm:constr type="t" for="ch" forName="FiveNodes_2_text" refType="t" refFor="ch" refForName="FiveNodes_2"/>
-          <dgm:constr type="b" for="ch" forName="FiveNodes_2_text" refType="b" refFor="ch" refForName="FiveNodes_2"/>
-          <dgm:constr type="l" for="ch" forName="FiveNodes_2_text" refType="l" refFor="ch" refForName="FiveNodes_2"/>
-          <dgm:constr type="r" for="ch" forName="FiveNodes_3_text" refType="l" refFor="ch" refForName="FiveConn_2-3"/>
-          <dgm:constr type="t" for="ch" forName="FiveNodes_3_text" refType="t" refFor="ch" refForName="FiveNodes_3"/>
-          <dgm:constr type="b" for="ch" forName="FiveNodes_3_text" refType="b" refFor="ch" refForName="FiveNodes_3"/>
-          <dgm:constr type="l" for="ch" forName="FiveNodes_3_text" refType="l" refFor="ch" refForName="FiveNodes_3"/>
-          <dgm:constr type="r" for="ch" forName="FiveNodes_4_text" refType="l" refFor="ch" refForName="FiveConn_3-4"/>
-          <dgm:constr type="t" for="ch" forName="FiveNodes_4_text" refType="t" refFor="ch" refForName="FiveNodes_4"/>
-          <dgm:constr type="b" for="ch" forName="FiveNodes_4_text" refType="b" refFor="ch" refForName="FiveNodes_4"/>
-          <dgm:constr type="l" for="ch" forName="FiveNodes_4_text" refType="l" refFor="ch" refForName="FiveNodes_4"/>
-          <dgm:constr type="r" for="ch" forName="FiveNodes_5_text" refType="l" refFor="ch" refForName="FiveConn_4-5"/>
-          <dgm:constr type="t" for="ch" forName="FiveNodes_5_text" refType="t" refFor="ch" refForName="FiveNodes_5"/>
-          <dgm:constr type="b" for="ch" forName="FiveNodes_5_text" refType="b" refFor="ch" refForName="FiveNodes_5"/>
-          <dgm:constr type="l" for="ch" forName="FiveNodes_5_text" refType="l" refFor="ch" refForName="FiveNodes_5"/>
-        </dgm:constrLst>
-      </dgm:if>
-      <dgm:else name="Name2">
-        <dgm:constrLst>
-          <dgm:constr type="primFontSz" for="ch" ptType="node" op="equ" val="65"/>
-          <dgm:constr type="w" for="ch" forName="dummyMaxCanvas" refType="w"/>
-          <dgm:constr type="h" for="ch" forName="dummyMaxCanvas" refType="h"/>
-          <dgm:constr type="w" for="ch" forName="OneNode_1" refType="w"/>
-          <dgm:constr type="h" for="ch" forName="OneNode_1" refType="h" fact="0.5"/>
-          <dgm:constr type="ctrY" for="ch" forName="OneNode_1" refType="h" fact="0.5"/>
-          <dgm:constr type="w" for="ch" forName="TwoNodes_1" refType="w" fact="0.85"/>
-          <dgm:constr type="h" for="ch" forName="TwoNodes_1" refType="h" fact="0.45"/>
-          <dgm:constr type="t" for="ch" forName="TwoNodes_1"/>
-          <dgm:constr type="r" for="ch" forName="TwoNodes_1" refType="w"/>
-          <dgm:constr type="w" for="ch" forName="TwoNodes_2" refType="w" fact="0.85"/>
-          <dgm:constr type="h" for="ch" forName="TwoNodes_2" refType="h" fact="0.45"/>
-          <dgm:constr type="b" for="ch" forName="TwoNodes_2" refType="h"/>
-          <dgm:constr type="l" for="ch" forName="TwoNodes_2"/>
-          <dgm:constr type="w" for="ch" forName="TwoConn_1-2" refType="h" refFor="ch" refForName="TwoNodes_1" fact="0.65"/>
-          <dgm:constr type="h" for="ch" forName="TwoConn_1-2" refType="h" refFor="ch" refForName="TwoNodes_1" fact="0.65"/>
-          <dgm:constr type="ctrY" for="ch" forName="TwoConn_1-2" refType="h" fact="0.5"/>
-          <dgm:constr type="l" for="ch" forName="TwoConn_1-2" refType="l" refFor="ch" refForName="TwoNodes_1"/>
-          <dgm:constr type="l" for="ch" forName="TwoNodes_1_text" refType="r" refFor="ch" refForName="TwoConn_1-2"/>
-          <dgm:constr type="lOff" for="ch" forName="TwoNodes_1_text" refType="w" refFor="ch" refForName="TwoConn_1-2" fact="0.5"/>
-          <dgm:constr type="t" for="ch" forName="TwoNodes_1_text" refType="t" refFor="ch" refForName="TwoNodes_1"/>
-          <dgm:constr type="b" for="ch" forName="TwoNodes_1_text" refType="b" refFor="ch" refForName="TwoNodes_1"/>
-          <dgm:constr type="r" for="ch" forName="TwoNodes_1_text" refType="r" refFor="ch" refForName="TwoNodes_1"/>
-          <dgm:constr type="l" for="ch" forName="TwoNodes_2_text" refType="r" refFor="ch" refForName="TwoConn_1-2"/>
-          <dgm:constr type="t" for="ch" forName="TwoNodes_2_text" refType="t" refFor="ch" refForName="TwoNodes_2"/>
-          <dgm:constr type="b" for="ch" forName="TwoNodes_2_text" refType="b" refFor="ch" refForName="TwoNodes_2"/>
-          <dgm:constr type="r" for="ch" forName="TwoNodes_2_text" refType="r" refFor="ch" refForName="TwoNodes_2"/>
-          <dgm:constr type="w" for="ch" forName="ThreeNodes_1" refType="w" fact="0.85"/>
-          <dgm:constr type="h" for="ch" forName="ThreeNodes_1" refType="h" fact="0.3"/>
-          <dgm:constr type="t" for="ch" forName="ThreeNodes_1"/>
-          <dgm:constr type="r" for="ch" forName="ThreeNodes_1" refType="w"/>
-          <dgm:constr type="w" for="ch" forName="ThreeNodes_2" refType="w" fact="0.85"/>
-          <dgm:constr type="h" for="ch" forName="ThreeNodes_2" refType="h" fact="0.3"/>
-          <dgm:constr type="ctrY" for="ch" forName="ThreeNodes_2" refType="h" fact="0.5"/>
-          <dgm:constr type="ctrX" for="ch" forName="ThreeNodes_2" refType="w" fact="0.5"/>
-          <dgm:constr type="w" for="ch" forName="ThreeNodes_3" refType="w" fact="0.85"/>
-          <dgm:constr type="h" for="ch" forName="ThreeNodes_3" refType="h" fact="0.3"/>
-          <dgm:constr type="b" for="ch" forName="ThreeNodes_3" refType="h"/>
-          <dgm:constr type="l" for="ch" forName="ThreeNodes_3"/>
-          <dgm:constr type="w" for="ch" forName="ThreeConn_1-2" refType="h" refFor="ch" refForName="ThreeNodes_1" fact="0.65"/>
-          <dgm:constr type="h" for="ch" forName="ThreeConn_1-2" refType="h" refFor="ch" refForName="ThreeNodes_1" fact="0.65"/>
-          <dgm:constr type="ctrY" for="ch" forName="ThreeConn_1-2" refType="h" fact="0.325"/>
-          <dgm:constr type="l" for="ch" forName="ThreeConn_1-2" refType="l" refFor="ch" refForName="ThreeNodes_1"/>
-          <dgm:constr type="w" for="ch" forName="ThreeConn_2-3" refType="h" refFor="ch" refForName="ThreeNodes_2" fact="0.65"/>
-          <dgm:constr type="h" for="ch" forName="ThreeConn_2-3" refType="h" refFor="ch" refForName="ThreeNodes_2" fact="0.65"/>
-          <dgm:constr type="ctrY" for="ch" forName="ThreeConn_2-3" refType="h" fact="0.673"/>
-          <dgm:constr type="l" for="ch" forName="ThreeConn_2-3" refType="l" refFor="ch" refForName="ThreeNodes_2"/>
-          <dgm:constr type="l" for="ch" forName="ThreeNodes_1_text" refType="r" refFor="ch" refForName="ThreeConn_1-2"/>
-          <dgm:constr type="lOff" for="ch" forName="ThreeNodes_1_text" refType="w" refFor="ch" refForName="ThreeConn_1-2" fact="0.55"/>
-          <dgm:constr type="t" for="ch" forName="ThreeNodes_1_text" refType="t" refFor="ch" refForName="ThreeNodes_1"/>
-          <dgm:constr type="b" for="ch" forName="ThreeNodes_1_text" refType="b" refFor="ch" refForName="ThreeNodes_1"/>
-          <dgm:constr type="r" for="ch" forName="ThreeNodes_1_text" refType="r" refFor="ch" refForName="ThreeNodes_1"/>
-          <dgm:constr type="l" for="ch" forName="ThreeNodes_2_text" refType="r" refFor="ch" refForName="ThreeConn_1-2"/>
-          <dgm:constr type="t" for="ch" forName="ThreeNodes_2_text" refType="t" refFor="ch" refForName="ThreeNodes_2"/>
-          <dgm:constr type="b" for="ch" forName="ThreeNodes_2_text" refType="b" refFor="ch" refForName="ThreeNodes_2"/>
-          <dgm:constr type="r" for="ch" forName="ThreeNodes_2_text" refType="r" refFor="ch" refForName="ThreeNodes_2"/>
-          <dgm:constr type="l" for="ch" forName="ThreeNodes_3_text" refType="r" refFor="ch" refForName="ThreeConn_2-3"/>
-          <dgm:constr type="t" for="ch" forName="ThreeNodes_3_text" refType="t" refFor="ch" refForName="ThreeNodes_3"/>
-          <dgm:constr type="b" for="ch" forName="ThreeNodes_3_text" refType="b" refFor="ch" refForName="ThreeNodes_3"/>
-          <dgm:constr type="r" for="ch" forName="ThreeNodes_3_text" refType="r" refFor="ch" refForName="ThreeNodes_3"/>
-          <dgm:constr type="w" for="ch" forName="FourNodes_1" refType="w" fact="0.8"/>
-          <dgm:constr type="h" for="ch" forName="FourNodes_1" refType="h" fact="0.22"/>
-          <dgm:constr type="t" for="ch" forName="FourNodes_1"/>
-          <dgm:constr type="r" for="ch" forName="FourNodes_1" refType="w"/>
-          <dgm:constr type="w" for="ch" forName="FourNodes_2" refType="w" fact="0.8"/>
-          <dgm:constr type="h" for="ch" forName="FourNodes_2" refType="h" fact="0.22"/>
-          <dgm:constr type="ctrY" for="ch" forName="FourNodes_2" refType="h" fact="0.37"/>
-          <dgm:constr type="ctrX" for="ch" forName="FourNodes_2" refType="w" fact="0.533"/>
-          <dgm:constr type="w" for="ch" forName="FourNodes_3" refType="w" fact="0.8"/>
-          <dgm:constr type="h" for="ch" forName="FourNodes_3" refType="h" fact="0.22"/>
-          <dgm:constr type="ctrY" for="ch" forName="FourNodes_3" refType="h" fact="0.63"/>
-          <dgm:constr type="ctrX" for="ch" forName="FourNodes_3" refType="w" fact="0.467"/>
-          <dgm:constr type="w" for="ch" forName="FourNodes_4" refType="w" fact="0.8"/>
-          <dgm:constr type="h" for="ch" forName="FourNodes_4" refType="h" fact="0.22"/>
-          <dgm:constr type="b" for="ch" forName="FourNodes_4" refType="h"/>
-          <dgm:constr type="l" for="ch" forName="FourNodes_4"/>
-          <dgm:constr type="w" for="ch" forName="FourConn_1-2" refType="h" refFor="ch" refForName="FourNodes_1" fact="0.65"/>
-          <dgm:constr type="h" for="ch" forName="FourConn_1-2" refType="h" refFor="ch" refForName="FourNodes_1" fact="0.65"/>
-          <dgm:constr type="ctrY" for="ch" forName="FourConn_1-2" refType="h" fact="0.24"/>
-          <dgm:constr type="l" for="ch" forName="FourConn_1-2" refType="l" refFor="ch" refForName="FourNodes_1"/>
-          <dgm:constr type="w" for="ch" forName="FourConn_2-3" refType="h" refFor="ch" refForName="FourNodes_2" fact="0.65"/>
-          <dgm:constr type="h" for="ch" forName="FourConn_2-3" refType="h" refFor="ch" refForName="FourNodes_2" fact="0.65"/>
-          <dgm:constr type="ctrY" for="ch" forName="FourConn_2-3" refType="h" fact="0.5"/>
-          <dgm:constr type="l" for="ch" forName="FourConn_2-3" refType="l" refFor="ch" refForName="FourNodes_2"/>
-          <dgm:constr type="w" for="ch" forName="FourConn_3-4" refType="h" refFor="ch" refForName="FourNodes_3" fact="0.65"/>
-          <dgm:constr type="h" for="ch" forName="FourConn_3-4" refType="h" refFor="ch" refForName="FourNodes_3" fact="0.65"/>
-          <dgm:constr type="ctrY" for="ch" forName="FourConn_3-4" refType="h" fact="0.76"/>
-          <dgm:constr type="l" for="ch" forName="FourConn_3-4" refType="l" refFor="ch" refForName="FourNodes_3"/>
-          <dgm:constr type="l" for="ch" forName="FourNodes_1_text" refType="r" refFor="ch" refForName="FourConn_1-2"/>
-          <dgm:constr type="lOff" for="ch" forName="FourNodes_1_text" refType="w" refFor="ch" refForName="FourConn_1-2" fact="0.69"/>
-          <dgm:constr type="t" for="ch" forName="FourNodes_1_text" refType="t" refFor="ch" refForName="FourNodes_1"/>
-          <dgm:constr type="b" for="ch" forName="FourNodes_1_text" refType="b" refFor="ch" refForName="FourNodes_1"/>
-          <dgm:constr type="r" for="ch" forName="FourNodes_1_text" refType="r" refFor="ch" refForName="FourNodes_1"/>
-          <dgm:constr type="l" for="ch" forName="FourNodes_2_text" refType="r" refFor="ch" refForName="FourConn_1-2"/>
-          <dgm:constr type="t" for="ch" forName="FourNodes_2_text" refType="t" refFor="ch" refForName="FourNodes_2"/>
-          <dgm:constr type="b" for="ch" forName="FourNodes_2_text" refType="b" refFor="ch" refForName="FourNodes_2"/>
-          <dgm:constr type="r" for="ch" forName="FourNodes_2_text" refType="r" refFor="ch" refForName="FourNodes_2"/>
-          <dgm:constr type="l" for="ch" forName="FourNodes_3_text" refType="r" refFor="ch" refForName="FourConn_2-3"/>
-          <dgm:constr type="t" for="ch" forName="FourNodes_3_text" refType="t" refFor="ch" refForName="FourNodes_3"/>
-          <dgm:constr type="b" for="ch" forName="FourNodes_3_text" refType="b" refFor="ch" refForName="FourNodes_3"/>
-          <dgm:constr type="r" for="ch" forName="FourNodes_3_text" refType="r" refFor="ch" refForName="FourNodes_3"/>
-          <dgm:constr type="l" for="ch" forName="FourNodes_4_text" refType="r" refFor="ch" refForName="FourConn_3-4"/>
-          <dgm:constr type="t" for="ch" forName="FourNodes_4_text" refType="t" refFor="ch" refForName="FourNodes_4"/>
-          <dgm:constr type="b" for="ch" forName="FourNodes_4_text" refType="b" refFor="ch" refForName="FourNodes_4"/>
-          <dgm:constr type="r" for="ch" forName="FourNodes_4_text" refType="r" refFor="ch" refForName="FourNodes_4"/>
-          <dgm:constr type="w" for="ch" forName="FiveNodes_1" refType="w" fact="0.77"/>
-          <dgm:constr type="h" for="ch" forName="FiveNodes_1" refType="h" fact="0.18"/>
-          <dgm:constr type="t" for="ch" forName="FiveNodes_1"/>
-          <dgm:constr type="r" for="ch" forName="FiveNodes_1" refType="w"/>
-          <dgm:constr type="w" for="ch" forName="FiveNodes_2" refType="w" fact="0.77"/>
-          <dgm:constr type="h" for="ch" forName="FiveNodes_2" refType="h" fact="0.18"/>
-          <dgm:constr type="ctrY" for="ch" forName="FiveNodes_2" refType="h" fact="0.295"/>
-          <dgm:constr type="ctrX" for="ch" forName="FiveNodes_2" refType="w" fact="0.5575"/>
-          <dgm:constr type="w" for="ch" forName="FiveNodes_3" refType="w" fact="0.77"/>
-          <dgm:constr type="h" for="ch" forName="FiveNodes_3" refType="h" fact="0.18"/>
-          <dgm:constr type="ctrY" for="ch" forName="FiveNodes_3" refType="h" fact="0.5"/>
-          <dgm:constr type="ctrX" for="ch" forName="FiveNodes_3" refType="w" fact="0.5"/>
-          <dgm:constr type="w" for="ch" forName="FiveNodes_4" refType="w" fact="0.77"/>
-          <dgm:constr type="h" for="ch" forName="FiveNodes_4" refType="h" fact="0.18"/>
-          <dgm:constr type="ctrY" for="ch" forName="FiveNodes_4" refType="h" fact="0.705"/>
-          <dgm:constr type="ctrX" for="ch" forName="FiveNodes_4" refType="w" fact="0.4425"/>
-          <dgm:constr type="w" for="ch" forName="FiveNodes_5" refType="w" fact="0.77"/>
-          <dgm:constr type="h" for="ch" forName="FiveNodes_5" refType="h" fact="0.18"/>
-          <dgm:constr type="b" for="ch" forName="FiveNodes_5" refType="h"/>
-          <dgm:constr type="l" for="ch" forName="FiveNodes_5"/>
-          <dgm:constr type="w" for="ch" forName="FiveConn_1-2" refType="h" refFor="ch" refForName="FiveNodes_1" fact="0.65"/>
-          <dgm:constr type="h" for="ch" forName="FiveConn_1-2" refType="h" refFor="ch" refForName="FiveNodes_1" fact="0.65"/>
-          <dgm:constr type="ctrY" for="ch" forName="FiveConn_1-2" refType="h" fact="0.19"/>
-          <dgm:constr type="l" for="ch" forName="FiveConn_1-2" refType="l" refFor="ch" refForName="FiveNodes_1"/>
-          <dgm:constr type="w" for="ch" forName="FiveConn_2-3" refType="h" refFor="ch" refForName="FiveNodes_2" fact="0.65"/>
-          <dgm:constr type="h" for="ch" forName="FiveConn_2-3" refType="h" refFor="ch" refForName="FiveNodes_2" fact="0.65"/>
-          <dgm:constr type="ctrY" for="ch" forName="FiveConn_2-3" refType="h" fact="0.395"/>
-          <dgm:constr type="l" for="ch" forName="FiveConn_2-3" refType="l" refFor="ch" refForName="FiveNodes_2"/>
-          <dgm:constr type="w" for="ch" forName="FiveConn_3-4" refType="h" refFor="ch" refForName="FiveNodes_3" fact="0.65"/>
-          <dgm:constr type="h" for="ch" forName="FiveConn_3-4" refType="h" refFor="ch" refForName="FiveNodes_3" fact="0.65"/>
-          <dgm:constr type="ctrY" for="ch" forName="FiveConn_3-4" refType="h" fact="0.597"/>
-          <dgm:constr type="l" for="ch" forName="FiveConn_3-4" refType="l" refFor="ch" refForName="FiveNodes_3"/>
-          <dgm:constr type="w" for="ch" forName="FiveConn_4-5" refType="h" refFor="ch" refForName="FiveNodes_4" fact="0.65"/>
-          <dgm:constr type="h" for="ch" forName="FiveConn_4-5" refType="h" refFor="ch" refForName="FiveNodes_4" fact="0.65"/>
-          <dgm:constr type="ctrY" for="ch" forName="FiveConn_4-5" refType="h" fact="0.804"/>
-          <dgm:constr type="l" for="ch" forName="FiveConn_4-5" refType="l" refFor="ch" refForName="FiveNodes_4"/>
-          <dgm:constr type="l" for="ch" forName="FiveNodes_1_text" refType="r" refFor="ch" refForName="FiveConn_1-2"/>
-          <dgm:constr type="lOff" for="ch" forName="FiveNodes_1_text" refType="w" refFor="ch" refForName="FiveConn_1-2" fact="0.73"/>
-          <dgm:constr type="t" for="ch" forName="FiveNodes_1_text" refType="t" refFor="ch" refForName="FiveNodes_1"/>
-          <dgm:constr type="b" for="ch" forName="FiveNodes_1_text" refType="b" refFor="ch" refForName="FiveNodes_1"/>
-          <dgm:constr type="r" for="ch" forName="FiveNodes_1_text" refType="r" refFor="ch" refForName="FiveNodes_1"/>
-          <dgm:constr type="l" for="ch" forName="FiveNodes_2_text" refType="r" refFor="ch" refForName="FiveConn_1-2"/>
-          <dgm:constr type="t" for="ch" forName="FiveNodes_2_text" refType="t" refFor="ch" refForName="FiveNodes_2"/>
-          <dgm:constr type="b" for="ch" forName="FiveNodes_2_text" refType="b" refFor="ch" refForName="FiveNodes_2"/>
-          <dgm:constr type="r" for="ch" forName="FiveNodes_2_text" refType="r" refFor="ch" refForName="FiveNodes_2"/>
-          <dgm:constr type="l" for="ch" forName="FiveNodes_3_text" refType="r" refFor="ch" refForName="FiveConn_2-3"/>
-          <dgm:constr type="t" for="ch" forName="FiveNodes_3_text" refType="t" refFor="ch" refForName="FiveNodes_3"/>
-          <dgm:constr type="b" for="ch" forName="FiveNodes_3_text" refType="b" refFor="ch" refForName="FiveNodes_3"/>
-          <dgm:constr type="r" for="ch" forName="FiveNodes_3_text" refType="r" refFor="ch" refForName="FiveNodes_3"/>
-          <dgm:constr type="l" for="ch" forName="FiveNodes_4_text" refType="r" refFor="ch" refForName="FiveConn_3-4"/>
-          <dgm:constr type="t" for="ch" forName="FiveNodes_4_text" refType="t" refFor="ch" refForName="FiveNodes_4"/>
-          <dgm:constr type="b" for="ch" forName="FiveNodes_4_text" refType="b" refFor="ch" refForName="FiveNodes_4"/>
-          <dgm:constr type="r" for="ch" forName="FiveNodes_4_text" refType="r" refFor="ch" refForName="FiveNodes_4"/>
-          <dgm:constr type="l" for="ch" forName="FiveNodes_5_text" refType="r" refFor="ch" refForName="FiveConn_4-5"/>
-          <dgm:constr type="t" for="ch" forName="FiveNodes_5_text" refType="t" refFor="ch" refForName="FiveNodes_5"/>
-          <dgm:constr type="b" for="ch" forName="FiveNodes_5_text" refType="b" refFor="ch" refForName="FiveNodes_5"/>
-          <dgm:constr type="r" for="ch" forName="FiveNodes_5_text" refType="r" refFor="ch" refForName="FiveNodes_5"/>
-        </dgm:constrLst>
-      </dgm:else>
-    </dgm:choose>
-    <dgm:ruleLst/>
-    <dgm:layoutNode name="dummyMaxCanvas">
-      <dgm:varLst/>
-      <dgm:alg type="sp"/>
-      <dgm:shape xmlns:r="http://schemas.openxmlformats.org/officeDocument/2006/relationships" r:blip="">
-        <dgm:adjLst/>
-      </dgm:shape>
-      <dgm:presOf/>
-      <dgm:constrLst/>
-      <dgm:ruleLst/>
-    </dgm:layoutNode>
-    <dgm:choose name="Name3">
-      <dgm:if name="Name4" axis="ch" ptType="node" func="cnt" op="equ" val="1">
-        <dgm:layoutNode name="OneNode_1">
-          <dgm:varLst>
-            <dgm:bulletEnabled val="1"/>
-          </dgm:varLst>
-          <dgm:alg type="tx"/>
-          <dgm:shape xmlns:r="http://schemas.openxmlformats.org/officeDocument/2006/relationships" type="roundRect" r:blip="">
-            <dgm:adjLst>
-              <dgm:adj idx="1" val="0.1"/>
-            </dgm:adjLst>
-          </dgm:shape>
-          <dgm:presOf axis="ch desOrSelf" ptType="node node" st="1 1" cnt="1 0"/>
-          <dgm:constrLst>
-            <dgm:constr type="lMarg" refType="primFontSz" fact="0.3"/>
-            <dgm:constr type="rMarg" refType="primFontSz" fact="0.3"/>
-            <dgm:constr type="tMarg" refType="primFontSz" fact="0.3"/>
-            <dgm:constr type="bMarg" refType="primFontSz" fact="0.3"/>
-          </dgm:constrLst>
-          <dgm:ruleLst>
-            <dgm:rule type="primFontSz" val="5" fact="NaN" max="NaN"/>
-          </dgm:ruleLst>
-        </dgm:layoutNode>
-      </dgm:if>
-      <dgm:else name="Name5">
-        <dgm:choose name="Name6">
-          <dgm:if name="Name7" axis="ch" ptType="node" func="cnt" op="equ" val="2">
-            <dgm:layoutNode name="TwoNodes_1">
-              <dgm:varLst>
-                <dgm:bulletEnabled val="1"/>
-              </dgm:varLst>
-              <dgm:alg type="sp"/>
-              <dgm:shape xmlns:r="http://schemas.openxmlformats.org/officeDocument/2006/relationships" type="roundRect" r:blip="">
-                <dgm:adjLst>
-                  <dgm:adj idx="1" val="0.1"/>
-                </dgm:adjLst>
-              </dgm:shape>
-              <dgm:presOf axis="ch desOrSelf" ptType="node node" st="1 1" cnt="1 0"/>
-              <dgm:constrLst/>
-              <dgm:ruleLst/>
-            </dgm:layoutNode>
-            <dgm:layoutNode name="TwoNodes_2">
-              <dgm:varLst>
-                <dgm:bulletEnabled val="1"/>
-              </dgm:varLst>
-              <dgm:alg type="sp"/>
-              <dgm:shape xmlns:r="http://schemas.openxmlformats.org/officeDocument/2006/relationships" type="roundRect" r:blip="">
-                <dgm:adjLst>
-                  <dgm:adj idx="1" val="0.1"/>
-                </dgm:adjLst>
-              </dgm:shape>
-              <dgm:presOf axis="ch desOrSelf" ptType="node node" st="2 1" cnt="1 0"/>
-              <dgm:constrLst/>
-              <dgm:ruleLst/>
-            </dgm:layoutNode>
-            <dgm:layoutNode name="TwoConn_1-2" styleLbl="fgAccFollowNode1">
-              <dgm:varLst>
-                <dgm:bulletEnabled val="1"/>
-              </dgm:varLst>
-              <dgm:alg type="tx"/>
-              <dgm:shape xmlns:r="http://schemas.openxmlformats.org/officeDocument/2006/relationships" type="downArrow" r:blip="">
-                <dgm:adjLst>
-                  <dgm:adj idx="1" val="0.55"/>
-                  <dgm:adj idx="2" val="0.45"/>
-                </dgm:adjLst>
-              </dgm:shape>
-              <dgm:presOf axis="ch" ptType="sibTrans" cnt="1"/>
-              <dgm:constrLst>
-                <dgm:constr type="lMarg" refType="primFontSz" fact="0.1"/>
-                <dgm:constr type="rMarg" refType="primFontSz" fact="0.1"/>
-                <dgm:constr type="tMarg" refType="primFontSz" fact="0.1"/>
-                <dgm:constr type="bMarg" refType="primFontSz" fact="0.1"/>
-              </dgm:constrLst>
-              <dgm:ruleLst>
-                <dgm:rule type="primFontSz" val="5" fact="NaN" max="NaN"/>
-              </dgm:ruleLst>
-            </dgm:layoutNode>
-            <dgm:layoutNode name="TwoNodes_1_text">
-              <dgm:varLst>
-                <dgm:bulletEnabled val="1"/>
-              </dgm:varLst>
-              <dgm:alg type="tx">
-                <dgm:param type="parTxLTRAlign" val="l"/>
-                <dgm:param type="txAnchorVertCh" val="mid"/>
-              </dgm:alg>
-              <dgm:shape xmlns:r="http://schemas.openxmlformats.org/officeDocument/2006/relationships" type="roundRect" r:blip="" hideGeom="1">
-                <dgm:adjLst>
-                  <dgm:adj idx="1" val="0.1"/>
-                </dgm:adjLst>
-              </dgm:shape>
-              <dgm:presOf axis="ch desOrSelf" ptType="node node" st="1 1" cnt="1 0"/>
-              <dgm:constrLst>
-                <dgm:constr type="lMarg" refType="primFontSz" fact="0.3"/>
-                <dgm:constr type="rMarg" refType="primFontSz" fact="0.3"/>
-                <dgm:constr type="tMarg" refType="primFontSz" fact="0.3"/>
-                <dgm:constr type="bMarg" refType="primFontSz" fact="0.3"/>
-              </dgm:constrLst>
-              <dgm:ruleLst>
-                <dgm:rule type="primFontSz" val="5" fact="NaN" max="NaN"/>
-              </dgm:ruleLst>
-            </dgm:layoutNode>
-            <dgm:layoutNode name="TwoNodes_2_text">
-              <dgm:varLst>
-                <dgm:bulletEnabled val="1"/>
-              </dgm:varLst>
-              <dgm:alg type="tx">
-                <dgm:param type="parTxLTRAlign" val="l"/>
-                <dgm:param type="txAnchorVertCh" val="mid"/>
-              </dgm:alg>
-              <dgm:shape xmlns:r="http://schemas.openxmlformats.org/officeDocument/2006/relationships" type="roundRect" r:blip="" hideGeom="1">
-                <dgm:adjLst>
-                  <dgm:adj idx="1" val="0.1"/>
-                </dgm:adjLst>
-              </dgm:shape>
-              <dgm:presOf axis="ch desOrSelf" ptType="node node" st="2 1" cnt="1 0"/>
-              <dgm:constrLst>
-                <dgm:constr type="lMarg" refType="primFontSz" fact="0.3"/>
-                <dgm:constr type="rMarg" refType="primFontSz" fact="0.3"/>
-                <dgm:constr type="tMarg" refType="primFontSz" fact="0.3"/>
-                <dgm:constr type="bMarg" refType="primFontSz" fact="0.3"/>
-              </dgm:constrLst>
-              <dgm:ruleLst>
-                <dgm:rule type="primFontSz" val="5" fact="NaN" max="NaN"/>
-              </dgm:ruleLst>
-            </dgm:layoutNode>
-          </dgm:if>
-          <dgm:else name="Name8">
-            <dgm:choose name="Name9">
-              <dgm:if name="Name10" axis="ch" ptType="node" func="cnt" op="equ" val="3">
-                <dgm:layoutNode name="ThreeNodes_1">
-                  <dgm:varLst>
-                    <dgm:bulletEnabled val="1"/>
-                  </dgm:varLst>
-                  <dgm:alg type="sp"/>
-                  <dgm:shape xmlns:r="http://schemas.openxmlformats.org/officeDocument/2006/relationships" type="roundRect" r:blip="">
-                    <dgm:adjLst>
-                      <dgm:adj idx="1" val="0.1"/>
-                    </dgm:adjLst>
-                  </dgm:shape>
-                  <dgm:presOf axis="ch desOrSelf" ptType="node node" st="1 1" cnt="1 0"/>
-                  <dgm:constrLst/>
-                  <dgm:ruleLst/>
-                </dgm:layoutNode>
-                <dgm:layoutNode name="ThreeNodes_2">
-                  <dgm:varLst>
-                    <dgm:bulletEnabled val="1"/>
-                  </dgm:varLst>
-                  <dgm:alg type="sp"/>
-                  <dgm:shape xmlns:r="http://schemas.openxmlformats.org/officeDocument/2006/relationships" type="roundRect" r:blip="">
-                    <dgm:adjLst>
-                      <dgm:adj idx="1" val="0.1"/>
-                    </dgm:adjLst>
-                  </dgm:shape>
-                  <dgm:presOf axis="ch desOrSelf" ptType="node node" st="2 1" cnt="1 0"/>
-                  <dgm:constrLst/>
-                  <dgm:ruleLst/>
-                </dgm:layoutNode>
-                <dgm:layoutNode name="ThreeNodes_3">
-                  <dgm:varLst>
-                    <dgm:bulletEnabled val="1"/>
-                  </dgm:varLst>
-                  <dgm:alg type="sp"/>
-                  <dgm:shape xmlns:r="http://schemas.openxmlformats.org/officeDocument/2006/relationships" type="roundRect" r:blip="">
-                    <dgm:adjLst>
-                      <dgm:adj idx="1" val="0.1"/>
-                    </dgm:adjLst>
-                  </dgm:shape>
-                  <dgm:presOf axis="ch desOrSelf" ptType="node node" st="3 1" cnt="1 0"/>
-                  <dgm:constrLst/>
-                  <dgm:ruleLst/>
-                </dgm:layoutNode>
-                <dgm:layoutNode name="ThreeConn_1-2" styleLbl="fgAccFollowNode1">
-                  <dgm:varLst>
-                    <dgm:bulletEnabled val="1"/>
-                  </dgm:varLst>
-                  <dgm:alg type="tx"/>
-                  <dgm:shape xmlns:r="http://schemas.openxmlformats.org/officeDocument/2006/relationships" type="downArrow" r:blip="">
-                    <dgm:adjLst>
-                      <dgm:adj idx="1" val="0.55"/>
-                      <dgm:adj idx="2" val="0.45"/>
-                    </dgm:adjLst>
-                  </dgm:shape>
-                  <dgm:presOf axis="ch" ptType="sibTrans" cnt="1"/>
-                  <dgm:constrLst>
-                    <dgm:constr type="lMarg" refType="primFontSz" fact="0.1"/>
-                    <dgm:constr type="rMarg" refType="primFontSz" fact="0.1"/>
-                    <dgm:constr type="tMarg" refType="primFontSz" fact="0.1"/>
-                    <dgm:constr type="bMarg" refType="primFontSz" fact="0.1"/>
-                  </dgm:constrLst>
-                  <dgm:ruleLst>
-                    <dgm:rule type="primFontSz" val="5" fact="NaN" max="NaN"/>
-                  </dgm:ruleLst>
-                </dgm:layoutNode>
-                <dgm:layoutNode name="ThreeConn_2-3" styleLbl="fgAccFollowNode1">
-                  <dgm:varLst>
-                    <dgm:bulletEnabled val="1"/>
-                  </dgm:varLst>
-                  <dgm:alg type="tx"/>
-                  <dgm:shape xmlns:r="http://schemas.openxmlformats.org/officeDocument/2006/relationships" type="downArrow" r:blip="">
-                    <dgm:adjLst>
-                      <dgm:adj idx="1" val="0.55"/>
-                      <dgm:adj idx="2" val="0.45"/>
-                    </dgm:adjLst>
-                  </dgm:shape>
-                  <dgm:presOf axis="ch" ptType="sibTrans" st="2" cnt="1"/>
-                  <dgm:constrLst>
-                    <dgm:constr type="lMarg" refType="primFontSz" fact="0.1"/>
-                    <dgm:constr type="rMarg" refType="primFontSz" fact="0.1"/>
-                    <dgm:constr type="tMarg" refType="primFontSz" fact="0.1"/>
-                    <dgm:constr type="bMarg" refType="primFontSz" fact="0.1"/>
-                  </dgm:constrLst>
-                  <dgm:ruleLst>
-                    <dgm:rule type="primFontSz" val="5" fact="NaN" max="NaN"/>
-                  </dgm:ruleLst>
-                </dgm:layoutNode>
-                <dgm:layoutNode name="ThreeNodes_1_text">
-                  <dgm:varLst>
-                    <dgm:bulletEnabled val="1"/>
-                  </dgm:varLst>
-                  <dgm:alg type="tx">
-                    <dgm:param type="parTxLTRAlign" val="l"/>
-                    <dgm:param type="txAnchorVertCh" val="mid"/>
-                  </dgm:alg>
-                  <dgm:shape xmlns:r="http://schemas.openxmlformats.org/officeDocument/2006/relationships" type="roundRect" r:blip="" hideGeom="1">
-                    <dgm:adjLst>
-                      <dgm:adj idx="1" val="0.1"/>
-                    </dgm:adjLst>
-                  </dgm:shape>
-                  <dgm:presOf axis="ch desOrSelf" ptType="node node" st="1 1" cnt="1 0"/>
-                  <dgm:constrLst>
-                    <dgm:constr type="lMarg" refType="primFontSz" fact="0.3"/>
-                    <dgm:constr type="rMarg" refType="primFontSz" fact="0.3"/>
-                    <dgm:constr type="tMarg" refType="primFontSz" fact="0.3"/>
-                    <dgm:constr type="bMarg" refType="primFontSz" fact="0.3"/>
-                  </dgm:constrLst>
-                  <dgm:ruleLst>
-                    <dgm:rule type="primFontSz" val="5" fact="NaN" max="NaN"/>
-                  </dgm:ruleLst>
-                </dgm:layoutNode>
-                <dgm:layoutNode name="ThreeNodes_2_text">
-                  <dgm:varLst>
-                    <dgm:bulletEnabled val="1"/>
-                  </dgm:varLst>
-                  <dgm:alg type="tx">
-                    <dgm:param type="parTxLTRAlign" val="l"/>
-                    <dgm:param type="txAnchorVertCh" val="mid"/>
-                  </dgm:alg>
-                  <dgm:shape xmlns:r="http://schemas.openxmlformats.org/officeDocument/2006/relationships" type="roundRect" r:blip="" hideGeom="1">
-                    <dgm:adjLst>
-                      <dgm:adj idx="1" val="0.1"/>
-                    </dgm:adjLst>
-                  </dgm:shape>
-                  <dgm:presOf axis="ch desOrSelf" ptType="node node" st="2 1" cnt="1 0"/>
-                  <dgm:constrLst>
-                    <dgm:constr type="lMarg" refType="primFontSz" fact="0.3"/>
-                    <dgm:constr type="rMarg" refType="primFontSz" fact="0.3"/>
-                    <dgm:constr type="tMarg" refType="primFontSz" fact="0.3"/>
-                    <dgm:constr type="bMarg" refType="primFontSz" fact="0.3"/>
-                  </dgm:constrLst>
-                  <dgm:ruleLst>
-                    <dgm:rule type="primFontSz" val="5" fact="NaN" max="NaN"/>
-                  </dgm:ruleLst>
-                </dgm:layoutNode>
-                <dgm:layoutNode name="ThreeNodes_3_text">
-                  <dgm:varLst>
-                    <dgm:bulletEnabled val="1"/>
-                  </dgm:varLst>
-                  <dgm:alg type="tx">
-                    <dgm:param type="parTxLTRAlign" val="l"/>
-                    <dgm:param type="txAnchorVertCh" val="mid"/>
-                  </dgm:alg>
-                  <dgm:shape xmlns:r="http://schemas.openxmlformats.org/officeDocument/2006/relationships" type="roundRect" r:blip="" hideGeom="1">
-                    <dgm:adjLst>
-                      <dgm:adj idx="1" val="0.1"/>
-                    </dgm:adjLst>
-                  </dgm:shape>
-                  <dgm:presOf axis="ch desOrSelf" ptType="node node" st="3 1" cnt="1 0"/>
-                  <dgm:constrLst>
-                    <dgm:constr type="lMarg" refType="primFontSz" fact="0.3"/>
-                    <dgm:constr type="rMarg" refType="primFontSz" fact="0.3"/>
-                    <dgm:constr type="tMarg" refType="primFontSz" fact="0.3"/>
-                    <dgm:constr type="bMarg" refType="primFontSz" fact="0.3"/>
-                  </dgm:constrLst>
-                  <dgm:ruleLst>
-                    <dgm:rule type="primFontSz" val="5" fact="NaN" max="NaN"/>
-                  </dgm:ruleLst>
-                </dgm:layoutNode>
-              </dgm:if>
-              <dgm:else name="Name11">
-                <dgm:choose name="Name12">
-                  <dgm:if name="Name13" axis="ch" ptType="node" func="cnt" op="equ" val="4">
-                    <dgm:layoutNode name="FourNodes_1">
-                      <dgm:varLst>
-                        <dgm:bulletEnabled val="1"/>
-                      </dgm:varLst>
-                      <dgm:alg type="sp"/>
-                      <dgm:shape xmlns:r="http://schemas.openxmlformats.org/officeDocument/2006/relationships" type="roundRect" r:blip="">
-                        <dgm:adjLst>
-                          <dgm:adj idx="1" val="0.1"/>
-                        </dgm:adjLst>
-                      </dgm:shape>
-                      <dgm:presOf axis="ch desOrSelf" ptType="node node" st="1 1" cnt="1 0"/>
-                      <dgm:constrLst/>
-                      <dgm:ruleLst/>
-                    </dgm:layoutNode>
-                    <dgm:layoutNode name="FourNodes_2">
-                      <dgm:varLst>
-                        <dgm:bulletEnabled val="1"/>
-                      </dgm:varLst>
-                      <dgm:alg type="sp"/>
-                      <dgm:shape xmlns:r="http://schemas.openxmlformats.org/officeDocument/2006/relationships" type="roundRect" r:blip="">
-                        <dgm:adjLst>
-                          <dgm:adj idx="1" val="0.1"/>
-                        </dgm:adjLst>
-                      </dgm:shape>
-                      <dgm:presOf axis="ch desOrSelf" ptType="node node" st="2 1" cnt="1 0"/>
-                      <dgm:constrLst/>
-                      <dgm:ruleLst/>
-                    </dgm:layoutNode>
-                    <dgm:layoutNode name="FourNodes_3">
-                      <dgm:varLst>
-                        <dgm:bulletEnabled val="1"/>
-                      </dgm:varLst>
-                      <dgm:alg type="sp"/>
-                      <dgm:shape xmlns:r="http://schemas.openxmlformats.org/officeDocument/2006/relationships" type="roundRect" r:blip="">
-                        <dgm:adjLst>
-                          <dgm:adj idx="1" val="0.1"/>
-                        </dgm:adjLst>
-                      </dgm:shape>
-                      <dgm:presOf axis="ch desOrSelf" ptType="node node" st="3 1" cnt="1 0"/>
-                      <dgm:constrLst/>
-                      <dgm:ruleLst/>
-                    </dgm:layoutNode>
-                    <dgm:layoutNode name="FourNodes_4">
-                      <dgm:varLst>
-                        <dgm:bulletEnabled val="1"/>
-                      </dgm:varLst>
-                      <dgm:alg type="sp"/>
-                      <dgm:shape xmlns:r="http://schemas.openxmlformats.org/officeDocument/2006/relationships" type="roundRect" r:blip="">
-                        <dgm:adjLst>
-                          <dgm:adj idx="1" val="0.1"/>
-                        </dgm:adjLst>
-                      </dgm:shape>
-                      <dgm:presOf axis="ch desOrSelf" ptType="node node" st="4 1" cnt="1 0"/>
-                      <dgm:constrLst/>
-                      <dgm:ruleLst/>
-                    </dgm:layoutNode>
-                    <dgm:layoutNode name="FourConn_1-2" styleLbl="fgAccFollowNode1">
-                      <dgm:varLst>
-                        <dgm:bulletEnabled val="1"/>
-                      </dgm:varLst>
-                      <dgm:alg type="tx"/>
-                      <dgm:shape xmlns:r="http://schemas.openxmlformats.org/officeDocument/2006/relationships" type="downArrow" r:blip="">
-                        <dgm:adjLst>
-                          <dgm:adj idx="1" val="0.55"/>
-                          <dgm:adj idx="2" val="0.45"/>
-                        </dgm:adjLst>
-                      </dgm:shape>
-                      <dgm:presOf axis="ch" ptType="sibTrans" cnt="1"/>
-                      <dgm:constrLst>
-                        <dgm:constr type="lMarg" refType="primFontSz" fact="0.1"/>
-                        <dgm:constr type="rMarg" refType="primFontSz" fact="0.1"/>
-                        <dgm:constr type="tMarg" refType="primFontSz" fact="0.1"/>
-                        <dgm:constr type="bMarg" refType="primFontSz" fact="0.1"/>
-                      </dgm:constrLst>
-                      <dgm:ruleLst>
-                        <dgm:rule type="primFontSz" val="5" fact="NaN" max="NaN"/>
-                      </dgm:ruleLst>
-                    </dgm:layoutNode>
-                    <dgm:layoutNode name="FourConn_2-3" styleLbl="fgAccFollowNode1">
-                      <dgm:varLst>
-                        <dgm:bulletEnabled val="1"/>
-                      </dgm:varLst>
-                      <dgm:alg type="tx"/>
-                      <dgm:shape xmlns:r="http://schemas.openxmlformats.org/officeDocument/2006/relationships" type="downArrow" r:blip="">
-                        <dgm:adjLst>
-                          <dgm:adj idx="1" val="0.55"/>
-                          <dgm:adj idx="2" val="0.45"/>
-                        </dgm:adjLst>
-                      </dgm:shape>
-                      <dgm:presOf axis="ch" ptType="sibTrans" st="2" cnt="1"/>
-                      <dgm:constrLst>
-                        <dgm:constr type="lMarg" refType="primFontSz" fact="0.1"/>
-                        <dgm:constr type="rMarg" refType="primFontSz" fact="0.1"/>
-                        <dgm:constr type="tMarg" refType="primFontSz" fact="0.1"/>
-                        <dgm:constr type="bMarg" refType="primFontSz" fact="0.1"/>
-                      </dgm:constrLst>
-                      <dgm:ruleLst>
-                        <dgm:rule type="primFontSz" val="5" fact="NaN" max="NaN"/>
-                      </dgm:ruleLst>
-                    </dgm:layoutNode>
-                    <dgm:layoutNode name="FourConn_3-4" styleLbl="fgAccFollowNode1">
-                      <dgm:varLst>
-                        <dgm:bulletEnabled val="1"/>
-                      </dgm:varLst>
-                      <dgm:alg type="tx"/>
-                      <dgm:shape xmlns:r="http://schemas.openxmlformats.org/officeDocument/2006/relationships" type="downArrow" r:blip="">
-                        <dgm:adjLst>
-                          <dgm:adj idx="1" val="0.55"/>
-                          <dgm:adj idx="2" val="0.45"/>
-                        </dgm:adjLst>
-                      </dgm:shape>
-                      <dgm:presOf axis="ch" ptType="sibTrans" st="3" cnt="1"/>
-                      <dgm:constrLst>
-                        <dgm:constr type="lMarg" refType="primFontSz" fact="0.1"/>
-                        <dgm:constr type="rMarg" refType="primFontSz" fact="0.1"/>
-                        <dgm:constr type="tMarg" refType="primFontSz" fact="0.1"/>
-                        <dgm:constr type="bMarg" refType="primFontSz" fact="0.1"/>
-                      </dgm:constrLst>
-                      <dgm:ruleLst>
-                        <dgm:rule type="primFontSz" val="5" fact="NaN" max="NaN"/>
-                      </dgm:ruleLst>
-                    </dgm:layoutNode>
-                    <dgm:layoutNode name="FourNodes_1_text">
-                      <dgm:varLst>
-                        <dgm:bulletEnabled val="1"/>
-                      </dgm:varLst>
-                      <dgm:alg type="tx">
-                        <dgm:param type="parTxLTRAlign" val="l"/>
-                        <dgm:param type="txAnchorVertCh" val="mid"/>
-                      </dgm:alg>
-                      <dgm:shape xmlns:r="http://schemas.openxmlformats.org/officeDocument/2006/relationships" type="roundRect" r:blip="" hideGeom="1">
-                        <dgm:adjLst>
-                          <dgm:adj idx="1" val="0.1"/>
-                        </dgm:adjLst>
-                      </dgm:shape>
-                      <dgm:presOf axis="ch desOrSelf" ptType="node node" st="1 1" cnt="1 0"/>
-                      <dgm:constrLst>
-                        <dgm:constr type="lMarg" refType="primFontSz" fact="0.3"/>
-                        <dgm:constr type="rMarg" refType="primFontSz" fact="0.3"/>
-                        <dgm:constr type="tMarg" refType="primFontSz" fact="0.3"/>
-                        <dgm:constr type="bMarg" refType="primFontSz" fact="0.3"/>
-                      </dgm:constrLst>
-                      <dgm:ruleLst>
-                        <dgm:rule type="primFontSz" val="5" fact="NaN" max="NaN"/>
-                      </dgm:ruleLst>
-                    </dgm:layoutNode>
-                    <dgm:layoutNode name="FourNodes_2_text">
-                      <dgm:varLst>
-                        <dgm:bulletEnabled val="1"/>
-                      </dgm:varLst>
-                      <dgm:alg type="tx">
-                        <dgm:param type="parTxLTRAlign" val="l"/>
-                        <dgm:param type="txAnchorVertCh" val="mid"/>
-                      </dgm:alg>
-                      <dgm:shape xmlns:r="http://schemas.openxmlformats.org/officeDocument/2006/relationships" type="roundRect" r:blip="" hideGeom="1">
-                        <dgm:adjLst>
-                          <dgm:adj idx="1" val="0.1"/>
-                        </dgm:adjLst>
-                      </dgm:shape>
-                      <dgm:presOf axis="ch desOrSelf" ptType="node node" st="2 1" cnt="1 0"/>
-                      <dgm:constrLst>
-                        <dgm:constr type="lMarg" refType="primFontSz" fact="0.3"/>
-                        <dgm:constr type="rMarg" refType="primFontSz" fact="0.3"/>
-                        <dgm:constr type="tMarg" refType="primFontSz" fact="0.3"/>
-                        <dgm:constr type="bMarg" refType="primFontSz" fact="0.3"/>
-                      </dgm:constrLst>
-                      <dgm:ruleLst>
-                        <dgm:rule type="primFontSz" val="5" fact="NaN" max="NaN"/>
-                      </dgm:ruleLst>
-                    </dgm:layoutNode>
-                    <dgm:layoutNode name="FourNodes_3_text">
-                      <dgm:varLst>
-                        <dgm:bulletEnabled val="1"/>
-                      </dgm:varLst>
-                      <dgm:alg type="tx">
-                        <dgm:param type="parTxLTRAlign" val="l"/>
-                        <dgm:param type="txAnchorVertCh" val="mid"/>
-                      </dgm:alg>
-                      <dgm:shape xmlns:r="http://schemas.openxmlformats.org/officeDocument/2006/relationships" type="roundRect" r:blip="" hideGeom="1">
-                        <dgm:adjLst>
-                          <dgm:adj idx="1" val="0.1"/>
-                        </dgm:adjLst>
-                      </dgm:shape>
-                      <dgm:presOf axis="ch desOrSelf" ptType="node node" st="3 1" cnt="1 0"/>
-                      <dgm:constrLst>
-                        <dgm:constr type="lMarg" refType="primFontSz" fact="0.3"/>
-                        <dgm:constr type="rMarg" refType="primFontSz" fact="0.3"/>
-                        <dgm:constr type="tMarg" refType="primFontSz" fact="0.3"/>
-                        <dgm:constr type="bMarg" refType="primFontSz" fact="0.3"/>
-                      </dgm:constrLst>
-                      <dgm:ruleLst>
-                        <dgm:rule type="primFontSz" val="5" fact="NaN" max="NaN"/>
-                      </dgm:ruleLst>
-                    </dgm:layoutNode>
-                    <dgm:layoutNode name="FourNodes_4_text">
-                      <dgm:varLst>
-                        <dgm:bulletEnabled val="1"/>
-                      </dgm:varLst>
-                      <dgm:alg type="tx">
-                        <dgm:param type="parTxLTRAlign" val="l"/>
-                        <dgm:param type="txAnchorVertCh" val="mid"/>
-                      </dgm:alg>
-                      <dgm:shape xmlns:r="http://schemas.openxmlformats.org/officeDocument/2006/relationships" type="roundRect" r:blip="" hideGeom="1">
-                        <dgm:adjLst>
-                          <dgm:adj idx="1" val="0.1"/>
-                        </dgm:adjLst>
-                      </dgm:shape>
-                      <dgm:presOf axis="ch desOrSelf" ptType="node node" st="4 1" cnt="1 0"/>
-                      <dgm:constrLst>
-                        <dgm:constr type="lMarg" refType="primFontSz" fact="0.3"/>
-                        <dgm:constr type="rMarg" refType="primFontSz" fact="0.3"/>
-                        <dgm:constr type="tMarg" refType="primFontSz" fact="0.3"/>
-                        <dgm:constr type="bMarg" refType="primFontSz" fact="0.3"/>
-                      </dgm:constrLst>
-                      <dgm:ruleLst>
-                        <dgm:rule type="primFontSz" val="5" fact="NaN" max="NaN"/>
-                      </dgm:ruleLst>
-                    </dgm:layoutNode>
-                  </dgm:if>
-                  <dgm:else name="Name14">
-                    <dgm:choose name="Name15">
-                      <dgm:if name="Name16" axis="ch" ptType="node" func="cnt" op="gte" val="5">
-                        <dgm:layoutNode name="FiveNodes_1">
-                          <dgm:varLst>
-                            <dgm:bulletEnabled val="1"/>
-                          </dgm:varLst>
-                          <dgm:alg type="sp"/>
-                          <dgm:shape xmlns:r="http://schemas.openxmlformats.org/officeDocument/2006/relationships" type="roundRect" r:blip="">
-                            <dgm:adjLst>
-                              <dgm:adj idx="1" val="0.1"/>
-                            </dgm:adjLst>
-                          </dgm:shape>
-                          <dgm:presOf axis="ch desOrSelf" ptType="node node" st="1 1" cnt="1 0"/>
-                          <dgm:constrLst/>
-                          <dgm:ruleLst/>
-                        </dgm:layoutNode>
-                        <dgm:layoutNode name="FiveNodes_2">
-                          <dgm:varLst>
-                            <dgm:bulletEnabled val="1"/>
-                          </dgm:varLst>
-                          <dgm:alg type="sp"/>
-                          <dgm:shape xmlns:r="http://schemas.openxmlformats.org/officeDocument/2006/relationships" type="roundRect" r:blip="">
-                            <dgm:adjLst>
-                              <dgm:adj idx="1" val="0.1"/>
-                            </dgm:adjLst>
-                          </dgm:shape>
-                          <dgm:presOf axis="ch desOrSelf" ptType="node node" st="2 1" cnt="1 0"/>
-                          <dgm:constrLst/>
-                          <dgm:ruleLst/>
-                        </dgm:layoutNode>
-                        <dgm:layoutNode name="FiveNodes_3">
-                          <dgm:varLst>
-                            <dgm:bulletEnabled val="1"/>
-                          </dgm:varLst>
-                          <dgm:alg type="sp"/>
-                          <dgm:shape xmlns:r="http://schemas.openxmlformats.org/officeDocument/2006/relationships" type="roundRect" r:blip="">
-                            <dgm:adjLst>
-                              <dgm:adj idx="1" val="0.1"/>
-                            </dgm:adjLst>
-                          </dgm:shape>
-                          <dgm:presOf axis="ch desOrSelf" ptType="node node" st="3 1" cnt="1 0"/>
-                          <dgm:constrLst/>
-                          <dgm:ruleLst/>
-                        </dgm:layoutNode>
-                        <dgm:layoutNode name="FiveNodes_4">
-                          <dgm:varLst>
-                            <dgm:bulletEnabled val="1"/>
-                          </dgm:varLst>
-                          <dgm:alg type="sp"/>
-                          <dgm:shape xmlns:r="http://schemas.openxmlformats.org/officeDocument/2006/relationships" type="roundRect" r:blip="">
-                            <dgm:adjLst>
-                              <dgm:adj idx="1" val="0.1"/>
-                            </dgm:adjLst>
-                          </dgm:shape>
-                          <dgm:presOf axis="ch desOrSelf" ptType="node node" st="4 1" cnt="1 0"/>
-                          <dgm:constrLst/>
-                          <dgm:ruleLst/>
-                        </dgm:layoutNode>
-                        <dgm:layoutNode name="FiveNodes_5">
-                          <dgm:varLst>
-                            <dgm:bulletEnabled val="1"/>
-                          </dgm:varLst>
-                          <dgm:alg type="sp"/>
-                          <dgm:shape xmlns:r="http://schemas.openxmlformats.org/officeDocument/2006/relationships" type="roundRect" r:blip="">
-                            <dgm:adjLst>
-                              <dgm:adj idx="1" val="0.1"/>
-                            </dgm:adjLst>
-                          </dgm:shape>
-                          <dgm:presOf axis="ch desOrSelf" ptType="node node" st="5 1" cnt="1 0"/>
-                          <dgm:constrLst/>
-                          <dgm:ruleLst/>
-                        </dgm:layoutNode>
-                        <dgm:layoutNode name="FiveConn_1-2" styleLbl="fgAccFollowNode1">
-                          <dgm:varLst>
-                            <dgm:bulletEnabled val="1"/>
-                          </dgm:varLst>
-                          <dgm:alg type="tx"/>
-                          <dgm:shape xmlns:r="http://schemas.openxmlformats.org/officeDocument/2006/relationships" type="downArrow" r:blip="">
-                            <dgm:adjLst>
-                              <dgm:adj idx="1" val="0.55"/>
-                              <dgm:adj idx="2" val="0.45"/>
-                            </dgm:adjLst>
-                          </dgm:shape>
-                          <dgm:presOf axis="ch" ptType="sibTrans" cnt="1"/>
-                          <dgm:constrLst>
-                            <dgm:constr type="lMarg" refType="primFontSz" fact="0.1"/>
-                            <dgm:constr type="rMarg" refType="primFontSz" fact="0.1"/>
-                            <dgm:constr type="tMarg" refType="primFontSz" fact="0.1"/>
-                            <dgm:constr type="bMarg" refType="primFontSz" fact="0.1"/>
-                          </dgm:constrLst>
-                          <dgm:ruleLst>
-                            <dgm:rule type="primFontSz" val="5" fact="NaN" max="NaN"/>
-                          </dgm:ruleLst>
-                        </dgm:layoutNode>
-                        <dgm:layoutNode name="FiveConn_2-3" styleLbl="fgAccFollowNode1">
-                          <dgm:varLst>
-                            <dgm:bulletEnabled val="1"/>
-                          </dgm:varLst>
-                          <dgm:alg type="tx"/>
-                          <dgm:shape xmlns:r="http://schemas.openxmlformats.org/officeDocument/2006/relationships" type="downArrow" r:blip="">
-                            <dgm:adjLst>
-                              <dgm:adj idx="1" val="0.55"/>
-                              <dgm:adj idx="2" val="0.45"/>
-                            </dgm:adjLst>
-                          </dgm:shape>
-                          <dgm:presOf axis="ch" ptType="sibTrans" st="2" cnt="1"/>
-                          <dgm:constrLst>
-                            <dgm:constr type="lMarg" refType="primFontSz" fact="0.1"/>
-                            <dgm:constr type="rMarg" refType="primFontSz" fact="0.1"/>
-                            <dgm:constr type="tMarg" refType="primFontSz" fact="0.1"/>
-                            <dgm:constr type="bMarg" refType="primFontSz" fact="0.1"/>
-                          </dgm:constrLst>
-                          <dgm:ruleLst>
-                            <dgm:rule type="primFontSz" val="5" fact="NaN" max="NaN"/>
-                          </dgm:ruleLst>
-                        </dgm:layoutNode>
-                        <dgm:layoutNode name="FiveConn_3-4" styleLbl="fgAccFollowNode1">
-                          <dgm:varLst>
-                            <dgm:bulletEnabled val="1"/>
-                          </dgm:varLst>
-                          <dgm:alg type="tx"/>
-                          <dgm:shape xmlns:r="http://schemas.openxmlformats.org/officeDocument/2006/relationships" type="downArrow" r:blip="">
-                            <dgm:adjLst>
-                              <dgm:adj idx="1" val="0.55"/>
-                              <dgm:adj idx="2" val="0.45"/>
-                            </dgm:adjLst>
-                          </dgm:shape>
-                          <dgm:presOf axis="ch" ptType="sibTrans" st="3" cnt="1"/>
-                          <dgm:constrLst>
-                            <dgm:constr type="lMarg" refType="primFontSz" fact="0.1"/>
-                            <dgm:constr type="rMarg" refType="primFontSz" fact="0.1"/>
-                            <dgm:constr type="tMarg" refType="primFontSz" fact="0.1"/>
-                            <dgm:constr type="bMarg" refType="primFontSz" fact="0.1"/>
-                          </dgm:constrLst>
-                          <dgm:ruleLst>
-                            <dgm:rule type="primFontSz" val="5" fact="NaN" max="NaN"/>
-                          </dgm:ruleLst>
-                        </dgm:layoutNode>
-                        <dgm:layoutNode name="FiveConn_4-5" styleLbl="fgAccFollowNode1">
-                          <dgm:varLst>
-                            <dgm:bulletEnabled val="1"/>
-                          </dgm:varLst>
-                          <dgm:alg type="tx"/>
-                          <dgm:shape xmlns:r="http://schemas.openxmlformats.org/officeDocument/2006/relationships" type="downArrow" r:blip="">
-                            <dgm:adjLst>
-                              <dgm:adj idx="1" val="0.55"/>
-                              <dgm:adj idx="2" val="0.45"/>
-                            </dgm:adjLst>
-                          </dgm:shape>
-                          <dgm:presOf axis="ch" ptType="sibTrans" st="4" cnt="1"/>
-                          <dgm:constrLst>
-                            <dgm:constr type="lMarg" refType="primFontSz" fact="0.1"/>
-                            <dgm:constr type="rMarg" refType="primFontSz" fact="0.1"/>
-                            <dgm:constr type="tMarg" refType="primFontSz" fact="0.1"/>
-                            <dgm:constr type="bMarg" refType="primFontSz" fact="0.1"/>
-                          </dgm:constrLst>
-                          <dgm:ruleLst>
-                            <dgm:rule type="primFontSz" val="5" fact="NaN" max="NaN"/>
-                          </dgm:ruleLst>
-                        </dgm:layoutNode>
-                        <dgm:layoutNode name="FiveNodes_1_text">
-                          <dgm:varLst>
-                            <dgm:bulletEnabled val="1"/>
-                          </dgm:varLst>
-                          <dgm:alg type="tx">
-                            <dgm:param type="parTxLTRAlign" val="l"/>
-                            <dgm:param type="txAnchorVertCh" val="mid"/>
-                          </dgm:alg>
-                          <dgm:shape xmlns:r="http://schemas.openxmlformats.org/officeDocument/2006/relationships" type="roundRect" r:blip="" hideGeom="1">
-                            <dgm:adjLst>
-                              <dgm:adj idx="1" val="0.1"/>
-                            </dgm:adjLst>
-                          </dgm:shape>
-                          <dgm:presOf axis="ch desOrSelf" ptType="node node" st="1 1" cnt="1 0"/>
-                          <dgm:constrLst>
-                            <dgm:constr type="lMarg" refType="primFontSz" fact="0.3"/>
-                            <dgm:constr type="rMarg" refType="primFontSz" fact="0.3"/>
-                            <dgm:constr type="tMarg" refType="primFontSz" fact="0.3"/>
-                            <dgm:constr type="bMarg" refType="primFontSz" fact="0.3"/>
-                          </dgm:constrLst>
-                          <dgm:ruleLst>
-                            <dgm:rule type="primFontSz" val="5" fact="NaN" max="NaN"/>
-                          </dgm:ruleLst>
-                        </dgm:layoutNode>
-                        <dgm:layoutNode name="FiveNodes_2_text">
-                          <dgm:varLst>
-                            <dgm:bulletEnabled val="1"/>
-                          </dgm:varLst>
-                          <dgm:alg type="tx">
-                            <dgm:param type="parTxLTRAlign" val="l"/>
-                            <dgm:param type="txAnchorVertCh" val="mid"/>
-                          </dgm:alg>
-                          <dgm:shape xmlns:r="http://schemas.openxmlformats.org/officeDocument/2006/relationships" type="roundRect" r:blip="" hideGeom="1">
-                            <dgm:adjLst>
-                              <dgm:adj idx="1" val="0.1"/>
-                            </dgm:adjLst>
-                          </dgm:shape>
-                          <dgm:presOf axis="ch desOrSelf" ptType="node node" st="2 1" cnt="1 0"/>
-                          <dgm:constrLst>
-                            <dgm:constr type="lMarg" refType="primFontSz" fact="0.3"/>
-                            <dgm:constr type="rMarg" refType="primFontSz" fact="0.3"/>
-                            <dgm:constr type="tMarg" refType="primFontSz" fact="0.3"/>
-                            <dgm:constr type="bMarg" refType="primFontSz" fact="0.3"/>
-                          </dgm:constrLst>
-                          <dgm:ruleLst>
-                            <dgm:rule type="primFontSz" val="5" fact="NaN" max="NaN"/>
-                          </dgm:ruleLst>
-                        </dgm:layoutNode>
-                        <dgm:layoutNode name="FiveNodes_3_text">
-                          <dgm:varLst>
-                            <dgm:bulletEnabled val="1"/>
-                          </dgm:varLst>
-                          <dgm:alg type="tx">
-                            <dgm:param type="parTxLTRAlign" val="l"/>
-                            <dgm:param type="txAnchorVertCh" val="mid"/>
-                          </dgm:alg>
-                          <dgm:shape xmlns:r="http://schemas.openxmlformats.org/officeDocument/2006/relationships" type="roundRect" r:blip="" hideGeom="1">
-                            <dgm:adjLst>
-                              <dgm:adj idx="1" val="0.1"/>
-                            </dgm:adjLst>
-                          </dgm:shape>
-                          <dgm:presOf axis="ch desOrSelf" ptType="node node" st="3 1" cnt="1 0"/>
-                          <dgm:constrLst>
-                            <dgm:constr type="lMarg" refType="primFontSz" fact="0.3"/>
-                            <dgm:constr type="rMarg" refType="primFontSz" fact="0.3"/>
-                            <dgm:constr type="tMarg" refType="primFontSz" fact="0.3"/>
-                            <dgm:constr type="bMarg" refType="primFontSz" fact="0.3"/>
-                          </dgm:constrLst>
-                          <dgm:ruleLst>
-                            <dgm:rule type="primFontSz" val="5" fact="NaN" max="NaN"/>
-                          </dgm:ruleLst>
-                        </dgm:layoutNode>
-                        <dgm:layoutNode name="FiveNodes_4_text">
-                          <dgm:varLst>
-                            <dgm:bulletEnabled val="1"/>
-                          </dgm:varLst>
-                          <dgm:alg type="tx">
-                            <dgm:param type="parTxLTRAlign" val="l"/>
-                            <dgm:param type="txAnchorVertCh" val="mid"/>
-                          </dgm:alg>
-                          <dgm:shape xmlns:r="http://schemas.openxmlformats.org/officeDocument/2006/relationships" type="roundRect" r:blip="" hideGeom="1">
-                            <dgm:adjLst>
-                              <dgm:adj idx="1" val="0.1"/>
-                            </dgm:adjLst>
-                          </dgm:shape>
-                          <dgm:presOf axis="ch desOrSelf" ptType="node node" st="4 1" cnt="1 0"/>
-                          <dgm:constrLst>
-                            <dgm:constr type="lMarg" refType="primFontSz" fact="0.3"/>
-                            <dgm:constr type="rMarg" refType="primFontSz" fact="0.3"/>
-                            <dgm:constr type="tMarg" refType="primFontSz" fact="0.3"/>
-                            <dgm:constr type="bMarg" refType="primFontSz" fact="0.3"/>
-                          </dgm:constrLst>
-                          <dgm:ruleLst>
-                            <dgm:rule type="primFontSz" val="5" fact="NaN" max="NaN"/>
-                          </dgm:ruleLst>
-                        </dgm:layoutNode>
-                        <dgm:layoutNode name="FiveNodes_5_text">
-                          <dgm:varLst>
-                            <dgm:bulletEnabled val="1"/>
-                          </dgm:varLst>
-                          <dgm:alg type="tx">
-                            <dgm:param type="parTxLTRAlign" val="l"/>
-                            <dgm:param type="txAnchorVertCh" val="mid"/>
-                          </dgm:alg>
-                          <dgm:shape xmlns:r="http://schemas.openxmlformats.org/officeDocument/2006/relationships" type="roundRect" r:blip="" hideGeom="1">
-                            <dgm:adjLst>
-                              <dgm:adj idx="1" val="0.1"/>
-                            </dgm:adjLst>
-                          </dgm:shape>
-                          <dgm:presOf axis="ch desOrSelf" ptType="node node" st="5 1" cnt="1 0"/>
-                          <dgm:constrLst>
-                            <dgm:constr type="lMarg" refType="primFontSz" fact="0.3"/>
-                            <dgm:constr type="rMarg" refType="primFontSz" fact="0.3"/>
-                            <dgm:constr type="tMarg" refType="primFontSz" fact="0.3"/>
-                            <dgm:constr type="bMarg" refType="primFontSz" fact="0.3"/>
-                          </dgm:constrLst>
-                          <dgm:ruleLst>
-                            <dgm:rule type="primFontSz" val="5" fact="NaN" max="NaN"/>
-                          </dgm:ruleLst>
-                        </dgm:layoutNode>
-                      </dgm:if>
-                      <dgm:else name="Name17"/>
-                    </dgm:choose>
-                  </dgm:else>
-                </dgm:choose>
-              </dgm:else>
-            </dgm:choose>
-          </dgm:else>
-        </dgm:choose>
-      </dgm:else>
-    </dgm:choose>
-  </dgm:layoutNode>
-</dgm:layoutDef>
-</file>
-
-<file path=ppt/diagrams/quickStyle1.xml><?xml version="1.0" encoding="utf-8"?>
-<dgm:styleDef xmlns:dgm="http://schemas.openxmlformats.org/drawingml/2006/diagram" xmlns:a="http://schemas.openxmlformats.org/drawingml/2006/main" uniqueId="urn:microsoft.com/office/officeart/2005/8/quickstyle/simple4">
-  <dgm:title val=""/>
-  <dgm:desc val=""/>
-  <dgm:catLst>
-    <dgm:cat type="simple" pri="10400"/>
-  </dgm:catLst>
-  <dgm:scene3d>
-    <a:camera prst="orthographicFront"/>
-    <a:lightRig rig="threePt" dir="t"/>
-  </dgm:scene3d>
-  <dgm:styleLbl name="node0">
-    <dgm:scene3d>
-      <a:camera prst="orthographicFront"/>
-      <a:lightRig rig="threePt" dir="t"/>
-    </dgm:scene3d>
-    <dgm:sp3d/>
-    <dgm:txPr/>
-    <dgm:style>
-      <a:lnRef idx="0">
-        <a:scrgbClr r="0" g="0" b="0"/>
-      </a:lnRef>
-      <a:fillRef idx="3">
-        <a:scrgbClr r="0" g="0" b="0"/>
-      </a:fillRef>
-      <a:effectRef idx="2">
-        <a:scrgbClr r="0" g="0" b="0"/>
-      </a:effectRef>
-      <a:fontRef idx="minor">
-        <a:schemeClr val="lt1"/>
-      </a:fontRef>
-    </dgm:style>
-  </dgm:styleLbl>
-  <dgm:styleLbl name="lnNode1">
-    <dgm:scene3d>
-      <a:camera prst="orthographicFront"/>
-      <a:lightRig rig="threePt" dir="t"/>
-    </dgm:scene3d>
-    <dgm:sp3d/>
-    <dgm:txPr/>
-    <dgm:style>
-      <a:lnRef idx="1">
-        <a:scrgbClr r="0" g="0" b="0"/>
-      </a:lnRef>
-      <a:fillRef idx="3">
-        <a:scrgbClr r="0" g="0" b="0"/>
-      </a:fillRef>
-      <a:effectRef idx="2">
-        <a:scrgbClr r="0" g="0" b="0"/>
-      </a:effectRef>
-      <a:fontRef idx="minor">
-        <a:schemeClr val="lt1"/>
-      </a:fontRef>
-    </dgm:style>
-  </dgm:styleLbl>
-  <dgm:styleLbl name="vennNode1">
-    <dgm:scene3d>
-      <a:camera prst="orthographicFront"/>
-      <a:lightRig rig="threePt" dir="t"/>
-    </dgm:scene3d>
-    <dgm:sp3d/>
-    <dgm:txPr/>
-    <dgm:style>
-      <a:lnRef idx="0">
-        <a:scrgbClr r="0" g="0" b="0"/>
-      </a:lnRef>
-      <a:fillRef idx="3">
-        <a:scrgbClr r="0" g="0" b="0"/>
-      </a:fillRef>
-      <a:effectRef idx="0">
-        <a:scrgbClr r="0" g="0" b="0"/>
-      </a:effectRef>
-      <a:fontRef idx="minor">
-        <a:schemeClr val="tx1"/>
-      </a:fontRef>
-    </dgm:style>
-  </dgm:styleLbl>
-  <dgm:styleLbl name="alignNode1">
-    <dgm:scene3d>
-      <a:camera prst="orthographicFront"/>
-      <a:lightRig rig="threePt" dir="t"/>
-    </dgm:scene3d>
-    <dgm:sp3d/>
-    <dgm:txPr/>
-    <dgm:style>
-      <a:lnRef idx="1">
-        <a:scrgbClr r="0" g="0" b="0"/>
-      </a:lnRef>
-      <a:fillRef idx="3">
-        <a:scrgbClr r="0" g="0" b="0"/>
-      </a:fillRef>
-      <a:effectRef idx="2">
-        <a:scrgbClr r="0" g="0" b="0"/>
-      </a:effectRef>
-      <a:fontRef idx="minor">
-        <a:schemeClr val="lt1"/>
-      </a:fontRef>
-    </dgm:style>
-  </dgm:styleLbl>
-  <dgm:styleLbl name="node1">
-    <dgm:scene3d>
-      <a:camera prst="orthographicFront"/>
-      <a:lightRig rig="threePt" dir="t"/>
-    </dgm:scene3d>
-    <dgm:sp3d/>
-    <dgm:txPr/>
-    <dgm:style>
-      <a:lnRef idx="0">
-        <a:scrgbClr r="0" g="0" b="0"/>
-      </a:lnRef>
-      <a:fillRef idx="3">
-        <a:scrgbClr r="0" g="0" b="0"/>
-      </a:fillRef>
-      <a:effectRef idx="2">
-        <a:scrgbClr r="0" g="0" b="0"/>
-      </a:effectRef>
-      <a:fontRef idx="minor">
-        <a:schemeClr val="lt1"/>
-      </a:fontRef>
-    </dgm:style>
-  </dgm:styleLbl>
-  <dgm:styleLbl name="node2">
-    <dgm:scene3d>
-      <a:camera prst="orthographicFront"/>
-      <a:lightRig rig="threePt" dir="t"/>
-    </dgm:scene3d>
-    <dgm:sp3d/>
-    <dgm:txPr/>
-    <dgm:style>
-      <a:lnRef idx="0">
-        <a:scrgbClr r="0" g="0" b="0"/>
-      </a:lnRef>
-      <a:fillRef idx="3">
-        <a:scrgbClr r="0" g="0" b="0"/>
-      </a:fillRef>
-      <a:effectRef idx="2">
-        <a:scrgbClr r="0" g="0" b="0"/>
-      </a:effectRef>
-      <a:fontRef idx="minor">
-        <a:schemeClr val="lt1"/>
-      </a:fontRef>
-    </dgm:style>
-  </dgm:styleLbl>
-  <dgm:styleLbl name="node3">
-    <dgm:scene3d>
-      <a:camera prst="orthographicFront"/>
-      <a:lightRig rig="threePt" dir="t"/>
-    </dgm:scene3d>
-    <dgm:sp3d/>
-    <dgm:txPr/>
-    <dgm:style>
-      <a:lnRef idx="0">
-        <a:scrgbClr r="0" g="0" b="0"/>
-      </a:lnRef>
-      <a:fillRef idx="3">
-        <a:scrgbClr r="0" g="0" b="0"/>
-      </a:fillRef>
-      <a:effectRef idx="2">
-        <a:scrgbClr r="0" g="0" b="0"/>
-      </a:effectRef>
-      <a:fontRef idx="minor">
-        <a:schemeClr val="lt1"/>
-      </a:fontRef>
-    </dgm:style>
-  </dgm:styleLbl>
-  <dgm:styleLbl name="node4">
-    <dgm:scene3d>
-      <a:camera prst="orthographicFront"/>
-      <a:lightRig rig="threePt" dir="t"/>
-    </dgm:scene3d>
-    <dgm:sp3d/>
-    <dgm:txPr/>
-    <dgm:style>
-      <a:lnRef idx="0">
-        <a:scrgbClr r="0" g="0" b="0"/>
-      </a:lnRef>
-      <a:fillRef idx="3">
-        <a:scrgbClr r="0" g="0" b="0"/>
-      </a:fillRef>
-      <a:effectRef idx="2">
-        <a:scrgbClr r="0" g="0" b="0"/>
-      </a:effectRef>
-      <a:fontRef idx="minor">
-        <a:schemeClr val="lt1"/>
-      </a:fontRef>
-    </dgm:style>
-  </dgm:styleLbl>
-  <dgm:styleLbl name="fgImgPlace1">
-    <dgm:scene3d>
-      <a:camera prst="orthographicFront"/>
-      <a:lightRig rig="threePt" dir="t"/>
-    </dgm:scene3d>
-    <dgm:sp3d/>
-    <dgm:txPr/>
-    <dgm:style>
-      <a:lnRef idx="0">
-        <a:scrgbClr r="0" g="0" b="0"/>
-      </a:lnRef>
-      <a:fillRef idx="1">
-        <a:scrgbClr r="0" g="0" b="0"/>
-      </a:fillRef>
-      <a:effectRef idx="2">
-        <a:scrgbClr r="0" g="0" b="0"/>
-      </a:effectRef>
-      <a:fontRef idx="minor"/>
-    </dgm:style>
-  </dgm:styleLbl>
-  <dgm:styleLbl name="alignImgPlace1">
-    <dgm:scene3d>
-      <a:camera prst="orthographicFront"/>
-      <a:lightRig rig="threePt" dir="t"/>
-    </dgm:scene3d>
-    <dgm:sp3d/>
-    <dgm:txPr/>
-    <dgm:style>
-      <a:lnRef idx="0">
-        <a:scrgbClr r="0" g="0" b="0"/>
-      </a:lnRef>
-      <a:fillRef idx="1">
-        <a:scrgbClr r="0" g="0" b="0"/>
-      </a:fillRef>
-      <a:effectRef idx="2">
-        <a:scrgbClr r="0" g="0" b="0"/>
-      </a:effectRef>
-      <a:fontRef idx="minor"/>
-    </dgm:style>
-  </dgm:styleLbl>
-  <dgm:styleLbl name="bgImgPlace1">
-    <dgm:scene3d>
-      <a:camera prst="orthographicFront"/>
-      <a:lightRig rig="threePt" dir="t"/>
-    </dgm:scene3d>
-    <dgm:sp3d/>
-    <dgm:txPr/>
-    <dgm:style>
-      <a:lnRef idx="0">
-        <a:scrgbClr r="0" g="0" b="0"/>
-      </a:lnRef>
-      <a:fillRef idx="1">
-        <a:scrgbClr r="0" g="0" b="0"/>
-      </a:fillRef>
-      <a:effectRef idx="2">
-        <a:scrgbClr r="0" g="0" b="0"/>
-      </a:effectRef>
-      <a:fontRef idx="minor"/>
-    </dgm:style>
-  </dgm:styleLbl>
-  <dgm:styleLbl name="sibTrans2D1">
-    <dgm:scene3d>
-      <a:camera prst="orthographicFront"/>
-      <a:lightRig rig="threePt" dir="t"/>
-    </dgm:scene3d>
-    <dgm:sp3d/>
-    <dgm:txPr/>
-    <dgm:style>
-      <a:lnRef idx="0">
-        <a:scrgbClr r="0" g="0" b="0"/>
-      </a:lnRef>
-      <a:fillRef idx="3">
-        <a:scrgbClr r="0" g="0" b="0"/>
-      </a:fillRef>
-      <a:effectRef idx="2">
-        <a:scrgbClr r="0" g="0" b="0"/>
-      </a:effectRef>
-      <a:fontRef idx="minor">
-        <a:schemeClr val="lt1"/>
-      </a:fontRef>
-    </dgm:style>
-  </dgm:styleLbl>
-  <dgm:styleLbl name="fgSibTrans2D1">
-    <dgm:scene3d>
-      <a:camera prst="orthographicFront"/>
-      <a:lightRig rig="threePt" dir="t"/>
-    </dgm:scene3d>
-    <dgm:sp3d/>
-    <dgm:txPr/>
-    <dgm:style>
-      <a:lnRef idx="0">
-        <a:scrgbClr r="0" g="0" b="0"/>
-      </a:lnRef>
-      <a:fillRef idx="3">
-        <a:scrgbClr r="0" g="0" b="0"/>
-      </a:fillRef>
-      <a:effectRef idx="2">
-        <a:scrgbClr r="0" g="0" b="0"/>
-      </a:effectRef>
-      <a:fontRef idx="minor">
-        <a:schemeClr val="lt1"/>
-      </a:fontRef>
-    </dgm:style>
-  </dgm:styleLbl>
-  <dgm:styleLbl name="bgSibTrans2D1">
-    <dgm:scene3d>
-      <a:camera prst="orthographicFront"/>
-      <a:lightRig rig="threePt" dir="t"/>
-    </dgm:scene3d>
-    <dgm:sp3d/>
-    <dgm:txPr/>
-    <dgm:style>
-      <a:lnRef idx="0">
-        <a:scrgbClr r="0" g="0" b="0"/>
-      </a:lnRef>
-      <a:fillRef idx="3">
-        <a:scrgbClr r="0" g="0" b="0"/>
-      </a:fillRef>
-      <a:effectRef idx="2">
-        <a:scrgbClr r="0" g="0" b="0"/>
-      </a:effectRef>
-      <a:fontRef idx="minor">
-        <a:schemeClr val="lt1"/>
-      </a:fontRef>
-    </dgm:style>
-  </dgm:styleLbl>
-  <dgm:styleLbl name="sibTrans1D1">
-    <dgm:scene3d>
-      <a:camera prst="orthographicFront"/>
-      <a:lightRig rig="threePt" dir="t"/>
-    </dgm:scene3d>
-    <dgm:sp3d/>
-    <dgm:txPr/>
-    <dgm:style>
-      <a:lnRef idx="1">
-        <a:scrgbClr r="0" g="0" b="0"/>
-      </a:lnRef>
-      <a:fillRef idx="0">
-        <a:scrgbClr r="0" g="0" b="0"/>
-      </a:fillRef>
-      <a:effectRef idx="0">
-        <a:scrgbClr r="0" g="0" b="0"/>
-      </a:effectRef>
-      <a:fontRef idx="minor"/>
-    </dgm:style>
-  </dgm:styleLbl>
-  <dgm:styleLbl name="callout">
-    <dgm:scene3d>
-      <a:camera prst="orthographicFront"/>
-      <a:lightRig rig="threePt" dir="t"/>
-    </dgm:scene3d>
-    <dgm:sp3d/>
-    <dgm:txPr/>
-    <dgm:style>
-      <a:lnRef idx="2">
-        <a:scrgbClr r="0" g="0" b="0"/>
-      </a:lnRef>
-      <a:fillRef idx="1">
-        <a:scrgbClr r="0" g="0" b="0"/>
-      </a:fillRef>
-      <a:effectRef idx="1">
-        <a:scrgbClr r="0" g="0" b="0"/>
-      </a:effectRef>
-      <a:fontRef idx="minor"/>
-    </dgm:style>
-  </dgm:styleLbl>
-  <dgm:styleLbl name="asst0">
-    <dgm:scene3d>
-      <a:camera prst="orthographicFront"/>
-      <a:lightRig rig="threePt" dir="t"/>
-    </dgm:scene3d>
-    <dgm:sp3d/>
-    <dgm:txPr/>
-    <dgm:style>
-      <a:lnRef idx="0">
-        <a:scrgbClr r="0" g="0" b="0"/>
-      </a:lnRef>
-      <a:fillRef idx="3">
-        <a:scrgbClr r="0" g="0" b="0"/>
-      </a:fillRef>
-      <a:effectRef idx="2">
-        <a:scrgbClr r="0" g="0" b="0"/>
-      </a:effectRef>
-      <a:fontRef idx="minor">
-        <a:schemeClr val="lt1"/>
-      </a:fontRef>
-    </dgm:style>
-  </dgm:styleLbl>
-  <dgm:styleLbl name="asst1">
-    <dgm:scene3d>
-      <a:camera prst="orthographicFront"/>
-      <a:lightRig rig="threePt" dir="t"/>
-    </dgm:scene3d>
-    <dgm:sp3d/>
-    <dgm:txPr/>
-    <dgm:style>
-      <a:lnRef idx="0">
-        <a:scrgbClr r="0" g="0" b="0"/>
-      </a:lnRef>
-      <a:fillRef idx="3">
-        <a:scrgbClr r="0" g="0" b="0"/>
-      </a:fillRef>
-      <a:effectRef idx="2">
-        <a:scrgbClr r="0" g="0" b="0"/>
-      </a:effectRef>
-      <a:fontRef idx="minor">
-        <a:schemeClr val="lt1"/>
-      </a:fontRef>
-    </dgm:style>
-  </dgm:styleLbl>
-  <dgm:styleLbl name="asst2">
-    <dgm:scene3d>
-      <a:camera prst="orthographicFront"/>
-      <a:lightRig rig="threePt" dir="t"/>
-    </dgm:scene3d>
-    <dgm:sp3d/>
-    <dgm:txPr/>
-    <dgm:style>
-      <a:lnRef idx="0">
-        <a:scrgbClr r="0" g="0" b="0"/>
-      </a:lnRef>
-      <a:fillRef idx="3">
-        <a:scrgbClr r="0" g="0" b="0"/>
-      </a:fillRef>
-      <a:effectRef idx="2">
-        <a:scrgbClr r="0" g="0" b="0"/>
-      </a:effectRef>
-      <a:fontRef idx="minor">
-        <a:schemeClr val="lt1"/>
-      </a:fontRef>
-    </dgm:style>
-  </dgm:styleLbl>
-  <dgm:styleLbl name="asst3">
-    <dgm:scene3d>
-      <a:camera prst="orthographicFront"/>
-      <a:lightRig rig="threePt" dir="t"/>
-    </dgm:scene3d>
-    <dgm:sp3d/>
-    <dgm:txPr/>
-    <dgm:style>
-      <a:lnRef idx="0">
-        <a:scrgbClr r="0" g="0" b="0"/>
-      </a:lnRef>
-      <a:fillRef idx="3">
-        <a:scrgbClr r="0" g="0" b="0"/>
-      </a:fillRef>
-      <a:effectRef idx="2">
-        <a:scrgbClr r="0" g="0" b="0"/>
-      </a:effectRef>
-      <a:fontRef idx="minor">
-        <a:schemeClr val="lt1"/>
-      </a:fontRef>
-    </dgm:style>
-  </dgm:styleLbl>
-  <dgm:styleLbl name="asst4">
-    <dgm:scene3d>
-      <a:camera prst="orthographicFront"/>
-      <a:lightRig rig="threePt" dir="t"/>
-    </dgm:scene3d>
-    <dgm:sp3d/>
-    <dgm:txPr/>
-    <dgm:style>
-      <a:lnRef idx="0">
-        <a:scrgbClr r="0" g="0" b="0"/>
-      </a:lnRef>
-      <a:fillRef idx="3">
-        <a:scrgbClr r="0" g="0" b="0"/>
-      </a:fillRef>
-      <a:effectRef idx="2">
-        <a:scrgbClr r="0" g="0" b="0"/>
-      </a:effectRef>
-      <a:fontRef idx="minor">
-        <a:schemeClr val="lt1"/>
-      </a:fontRef>
-    </dgm:style>
-  </dgm:styleLbl>
-  <dgm:styleLbl name="parChTrans2D1">
-    <dgm:scene3d>
-      <a:camera prst="orthographicFront"/>
-      <a:lightRig rig="threePt" dir="t"/>
-    </dgm:scene3d>
-    <dgm:sp3d/>
-    <dgm:txPr/>
-    <dgm:style>
-      <a:lnRef idx="0">
-        <a:scrgbClr r="0" g="0" b="0"/>
-      </a:lnRef>
-      <a:fillRef idx="3">
-        <a:scrgbClr r="0" g="0" b="0"/>
-      </a:fillRef>
-      <a:effectRef idx="2">
-        <a:scrgbClr r="0" g="0" b="0"/>
-      </a:effectRef>
-      <a:fontRef idx="minor">
-        <a:schemeClr val="lt1"/>
-      </a:fontRef>
-    </dgm:style>
-  </dgm:styleLbl>
-  <dgm:styleLbl name="parChTrans2D2">
-    <dgm:scene3d>
-      <a:camera prst="orthographicFront"/>
-      <a:lightRig rig="threePt" dir="t"/>
-    </dgm:scene3d>
-    <dgm:sp3d/>
-    <dgm:txPr/>
-    <dgm:style>
-      <a:lnRef idx="0">
-        <a:scrgbClr r="0" g="0" b="0"/>
-      </a:lnRef>
-      <a:fillRef idx="3">
-        <a:scrgbClr r="0" g="0" b="0"/>
-      </a:fillRef>
-      <a:effectRef idx="2">
-        <a:scrgbClr r="0" g="0" b="0"/>
-      </a:effectRef>
-      <a:fontRef idx="minor">
-        <a:schemeClr val="lt1"/>
-      </a:fontRef>
-    </dgm:style>
-  </dgm:styleLbl>
-  <dgm:styleLbl name="parChTrans2D3">
-    <dgm:scene3d>
-      <a:camera prst="orthographicFront"/>
-      <a:lightRig rig="threePt" dir="t"/>
-    </dgm:scene3d>
-    <dgm:sp3d/>
-    <dgm:txPr/>
-    <dgm:style>
-      <a:lnRef idx="1">
-        <a:scrgbClr r="0" g="0" b="0"/>
-      </a:lnRef>
-      <a:fillRef idx="3">
-        <a:scrgbClr r="0" g="0" b="0"/>
-      </a:fillRef>
-      <a:effectRef idx="2">
-        <a:scrgbClr r="0" g="0" b="0"/>
-      </a:effectRef>
-      <a:fontRef idx="minor">
-        <a:schemeClr val="lt1"/>
-      </a:fontRef>
-    </dgm:style>
-  </dgm:styleLbl>
-  <dgm:styleLbl name="parChTrans2D4">
-    <dgm:scene3d>
-      <a:camera prst="orthographicFront"/>
-      <a:lightRig rig="threePt" dir="t"/>
-    </dgm:scene3d>
-    <dgm:sp3d/>
-    <dgm:txPr/>
-    <dgm:style>
-      <a:lnRef idx="1">
-        <a:scrgbClr r="0" g="0" b="0"/>
-      </a:lnRef>
-      <a:fillRef idx="3">
-        <a:scrgbClr r="0" g="0" b="0"/>
-      </a:fillRef>
-      <a:effectRef idx="2">
-        <a:scrgbClr r="0" g="0" b="0"/>
-      </a:effectRef>
-      <a:fontRef idx="minor">
-        <a:schemeClr val="lt1"/>
-      </a:fontRef>
-    </dgm:style>
-  </dgm:styleLbl>
-  <dgm:styleLbl name="parChTrans1D1">
-    <dgm:scene3d>
-      <a:camera prst="orthographicFront"/>
-      <a:lightRig rig="threePt" dir="t"/>
-    </dgm:scene3d>
-    <dgm:sp3d/>
-    <dgm:txPr/>
-    <dgm:style>
-      <a:lnRef idx="1">
-        <a:scrgbClr r="0" g="0" b="0"/>
-      </a:lnRef>
-      <a:fillRef idx="0">
-        <a:scrgbClr r="0" g="0" b="0"/>
-      </a:fillRef>
-      <a:effectRef idx="0">
-        <a:scrgbClr r="0" g="0" b="0"/>
-      </a:effectRef>
-      <a:fontRef idx="minor"/>
-    </dgm:style>
-  </dgm:styleLbl>
-  <dgm:styleLbl name="parChTrans1D2">
-    <dgm:scene3d>
-      <a:camera prst="orthographicFront"/>
-      <a:lightRig rig="threePt" dir="t"/>
-    </dgm:scene3d>
-    <dgm:sp3d/>
-    <dgm:txPr/>
-    <dgm:style>
-      <a:lnRef idx="1">
-        <a:scrgbClr r="0" g="0" b="0"/>
-      </a:lnRef>
-      <a:fillRef idx="0">
-        <a:scrgbClr r="0" g="0" b="0"/>
-      </a:fillRef>
-      <a:effectRef idx="0">
-        <a:scrgbClr r="0" g="0" b="0"/>
-      </a:effectRef>
-      <a:fontRef idx="minor"/>
-    </dgm:style>
-  </dgm:styleLbl>
-  <dgm:styleLbl name="parChTrans1D3">
-    <dgm:scene3d>
-      <a:camera prst="orthographicFront"/>
-      <a:lightRig rig="threePt" dir="t"/>
-    </dgm:scene3d>
-    <dgm:sp3d/>
-    <dgm:txPr/>
-    <dgm:style>
-      <a:lnRef idx="1">
-        <a:scrgbClr r="0" g="0" b="0"/>
-      </a:lnRef>
-      <a:fillRef idx="0">
-        <a:scrgbClr r="0" g="0" b="0"/>
-      </a:fillRef>
-      <a:effectRef idx="0">
-        <a:scrgbClr r="0" g="0" b="0"/>
-      </a:effectRef>
-      <a:fontRef idx="minor"/>
-    </dgm:style>
-  </dgm:styleLbl>
-  <dgm:styleLbl name="parChTrans1D4">
-    <dgm:scene3d>
-      <a:camera prst="orthographicFront"/>
-      <a:lightRig rig="threePt" dir="t"/>
-    </dgm:scene3d>
-    <dgm:sp3d/>
-    <dgm:txPr/>
-    <dgm:style>
-      <a:lnRef idx="1">
-        <a:scrgbClr r="0" g="0" b="0"/>
-      </a:lnRef>
-      <a:fillRef idx="0">
-        <a:scrgbClr r="0" g="0" b="0"/>
-      </a:fillRef>
-      <a:effectRef idx="0">
-        <a:scrgbClr r="0" g="0" b="0"/>
-      </a:effectRef>
-      <a:fontRef idx="minor"/>
-    </dgm:style>
-  </dgm:styleLbl>
-  <dgm:styleLbl name="fgAcc1">
-    <dgm:scene3d>
-      <a:camera prst="orthographicFront"/>
-      <a:lightRig rig="threePt" dir="t"/>
-    </dgm:scene3d>
-    <dgm:sp3d/>
-    <dgm:txPr/>
-    <dgm:style>
-      <a:lnRef idx="1">
-        <a:scrgbClr r="0" g="0" b="0"/>
-      </a:lnRef>
-      <a:fillRef idx="1">
-        <a:scrgbClr r="0" g="0" b="0"/>
-      </a:fillRef>
-      <a:effectRef idx="0">
-        <a:scrgbClr r="0" g="0" b="0"/>
-      </a:effectRef>
-      <a:fontRef idx="minor"/>
-    </dgm:style>
-  </dgm:styleLbl>
-  <dgm:styleLbl name="conFgAcc1">
-    <dgm:scene3d>
-      <a:camera prst="orthographicFront"/>
-      <a:lightRig rig="threePt" dir="t"/>
-    </dgm:scene3d>
-    <dgm:sp3d/>
-    <dgm:txPr/>
-    <dgm:style>
-      <a:lnRef idx="1">
-        <a:scrgbClr r="0" g="0" b="0"/>
-      </a:lnRef>
-      <a:fillRef idx="1">
-        <a:scrgbClr r="0" g="0" b="0"/>
-      </a:fillRef>
-      <a:effectRef idx="0">
-        <a:scrgbClr r="0" g="0" b="0"/>
-      </a:effectRef>
-      <a:fontRef idx="minor"/>
-    </dgm:style>
-  </dgm:styleLbl>
-  <dgm:styleLbl name="alignAcc1">
-    <dgm:scene3d>
-      <a:camera prst="orthographicFront"/>
-      <a:lightRig rig="threePt" dir="t"/>
-    </dgm:scene3d>
-    <dgm:sp3d/>
-    <dgm:txPr/>
-    <dgm:style>
-      <a:lnRef idx="1">
-        <a:scrgbClr r="0" g="0" b="0"/>
-      </a:lnRef>
-      <a:fillRef idx="1">
-        <a:scrgbClr r="0" g="0" b="0"/>
-      </a:fillRef>
-      <a:effectRef idx="0">
-        <a:scrgbClr r="0" g="0" b="0"/>
-      </a:effectRef>
-      <a:fontRef idx="minor"/>
-    </dgm:style>
-  </dgm:styleLbl>
-  <dgm:styleLbl name="trAlignAcc1">
-    <dgm:scene3d>
-      <a:camera prst="orthographicFront"/>
-      <a:lightRig rig="threePt" dir="t"/>
-    </dgm:scene3d>
-    <dgm:sp3d/>
-    <dgm:txPr/>
-    <dgm:style>
-      <a:lnRef idx="1">
-        <a:scrgbClr r="0" g="0" b="0"/>
-      </a:lnRef>
-      <a:fillRef idx="1">
-        <a:scrgbClr r="0" g="0" b="0"/>
-      </a:fillRef>
-      <a:effectRef idx="0">
-        <a:scrgbClr r="0" g="0" b="0"/>
-      </a:effectRef>
-      <a:fontRef idx="minor"/>
-    </dgm:style>
-  </dgm:styleLbl>
-  <dgm:styleLbl name="bgAcc1">
-    <dgm:scene3d>
-      <a:camera prst="orthographicFront"/>
-      <a:lightRig rig="threePt" dir="t"/>
-    </dgm:scene3d>
-    <dgm:sp3d/>
-    <dgm:txPr/>
-    <dgm:style>
-      <a:lnRef idx="1">
-        <a:scrgbClr r="0" g="0" b="0"/>
-      </a:lnRef>
-      <a:fillRef idx="1">
-        <a:scrgbClr r="0" g="0" b="0"/>
-      </a:fillRef>
-      <a:effectRef idx="0">
-        <a:scrgbClr r="0" g="0" b="0"/>
-      </a:effectRef>
-      <a:fontRef idx="minor"/>
-    </dgm:style>
-  </dgm:styleLbl>
-  <dgm:styleLbl name="solidFgAcc1">
-    <dgm:scene3d>
-      <a:camera prst="orthographicFront"/>
-      <a:lightRig rig="threePt" dir="t"/>
-    </dgm:scene3d>
-    <dgm:sp3d/>
-    <dgm:txPr/>
-    <dgm:style>
-      <a:lnRef idx="1">
-        <a:scrgbClr r="0" g="0" b="0"/>
-      </a:lnRef>
-      <a:fillRef idx="1">
-        <a:scrgbClr r="0" g="0" b="0"/>
-      </a:fillRef>
-      <a:effectRef idx="0">
-        <a:scrgbClr r="0" g="0" b="0"/>
-      </a:effectRef>
-      <a:fontRef idx="minor"/>
-    </dgm:style>
-  </dgm:styleLbl>
-  <dgm:styleLbl name="solidAlignAcc1">
-    <dgm:scene3d>
-      <a:camera prst="orthographicFront"/>
-      <a:lightRig rig="threePt" dir="t"/>
-    </dgm:scene3d>
-    <dgm:sp3d/>
-    <dgm:txPr/>
-    <dgm:style>
-      <a:lnRef idx="1">
-        <a:scrgbClr r="0" g="0" b="0"/>
-      </a:lnRef>
-      <a:fillRef idx="1">
-        <a:scrgbClr r="0" g="0" b="0"/>
-      </a:fillRef>
-      <a:effectRef idx="0">
-        <a:scrgbClr r="0" g="0" b="0"/>
-      </a:effectRef>
-      <a:fontRef idx="minor"/>
-    </dgm:style>
-  </dgm:styleLbl>
-  <dgm:styleLbl name="solidBgAcc1">
-    <dgm:scene3d>
-      <a:camera prst="orthographicFront"/>
-      <a:lightRig rig="threePt" dir="t"/>
-    </dgm:scene3d>
-    <dgm:sp3d/>
-    <dgm:txPr/>
-    <dgm:style>
-      <a:lnRef idx="1">
-        <a:scrgbClr r="0" g="0" b="0"/>
-      </a:lnRef>
-      <a:fillRef idx="1">
-        <a:scrgbClr r="0" g="0" b="0"/>
-      </a:fillRef>
-      <a:effectRef idx="0">
-        <a:scrgbClr r="0" g="0" b="0"/>
-      </a:effectRef>
-      <a:fontRef idx="minor"/>
-    </dgm:style>
-  </dgm:styleLbl>
-  <dgm:styleLbl name="fgAccFollowNode1">
-    <dgm:scene3d>
-      <a:camera prst="orthographicFront"/>
-      <a:lightRig rig="threePt" dir="t"/>
-    </dgm:scene3d>
-    <dgm:sp3d/>
-    <dgm:txPr/>
-    <dgm:style>
-      <a:lnRef idx="1">
-        <a:scrgbClr r="0" g="0" b="0"/>
-      </a:lnRef>
-      <a:fillRef idx="1">
-        <a:scrgbClr r="0" g="0" b="0"/>
-      </a:fillRef>
-      <a:effectRef idx="0">
-        <a:scrgbClr r="0" g="0" b="0"/>
-      </a:effectRef>
-      <a:fontRef idx="minor"/>
-    </dgm:style>
-  </dgm:styleLbl>
-  <dgm:styleLbl name="alignAccFollowNode1">
-    <dgm:scene3d>
-      <a:camera prst="orthographicFront"/>
-      <a:lightRig rig="threePt" dir="t"/>
-    </dgm:scene3d>
-    <dgm:sp3d/>
-    <dgm:txPr/>
-    <dgm:style>
-      <a:lnRef idx="1">
-        <a:scrgbClr r="0" g="0" b="0"/>
-      </a:lnRef>
-      <a:fillRef idx="1">
-        <a:scrgbClr r="0" g="0" b="0"/>
-      </a:fillRef>
-      <a:effectRef idx="0">
-        <a:scrgbClr r="0" g="0" b="0"/>
-      </a:effectRef>
-      <a:fontRef idx="minor"/>
-    </dgm:style>
-  </dgm:styleLbl>
-  <dgm:styleLbl name="bgAccFollowNode1">
-    <dgm:scene3d>
-      <a:camera prst="orthographicFront"/>
-      <a:lightRig rig="threePt" dir="t"/>
-    </dgm:scene3d>
-    <dgm:sp3d/>
-    <dgm:txPr/>
-    <dgm:style>
-      <a:lnRef idx="1">
-        <a:scrgbClr r="0" g="0" b="0"/>
-      </a:lnRef>
-      <a:fillRef idx="1">
-        <a:scrgbClr r="0" g="0" b="0"/>
-      </a:fillRef>
-      <a:effectRef idx="0">
-        <a:scrgbClr r="0" g="0" b="0"/>
-      </a:effectRef>
-      <a:fontRef idx="minor"/>
-    </dgm:style>
-  </dgm:styleLbl>
-  <dgm:styleLbl name="fgAcc0">
-    <dgm:scene3d>
-      <a:camera prst="orthographicFront"/>
-      <a:lightRig rig="threePt" dir="t"/>
-    </dgm:scene3d>
-    <dgm:sp3d/>
-    <dgm:txPr/>
-    <dgm:style>
-      <a:lnRef idx="1">
-        <a:scrgbClr r="0" g="0" b="0"/>
-      </a:lnRef>
-      <a:fillRef idx="1">
-        <a:scrgbClr r="0" g="0" b="0"/>
-      </a:fillRef>
-      <a:effectRef idx="0">
-        <a:scrgbClr r="0" g="0" b="0"/>
-      </a:effectRef>
-      <a:fontRef idx="minor"/>
-    </dgm:style>
-  </dgm:styleLbl>
-  <dgm:styleLbl name="fgAcc2">
-    <dgm:scene3d>
-      <a:camera prst="orthographicFront"/>
-      <a:lightRig rig="threePt" dir="t"/>
-    </dgm:scene3d>
-    <dgm:sp3d/>
-    <dgm:txPr/>
-    <dgm:style>
-      <a:lnRef idx="1">
-        <a:scrgbClr r="0" g="0" b="0"/>
-      </a:lnRef>
-      <a:fillRef idx="1">
-        <a:scrgbClr r="0" g="0" b="0"/>
-      </a:fillRef>
-      <a:effectRef idx="0">
-        <a:scrgbClr r="0" g="0" b="0"/>
-      </a:effectRef>
-      <a:fontRef idx="minor"/>
-    </dgm:style>
-  </dgm:styleLbl>
-  <dgm:styleLbl name="fgAcc3">
-    <dgm:scene3d>
-      <a:camera prst="orthographicFront"/>
-      <a:lightRig rig="threePt" dir="t"/>
-    </dgm:scene3d>
-    <dgm:sp3d/>
-    <dgm:txPr/>
-    <dgm:style>
-      <a:lnRef idx="1">
-        <a:scrgbClr r="0" g="0" b="0"/>
-      </a:lnRef>
-      <a:fillRef idx="1">
-        <a:scrgbClr r="0" g="0" b="0"/>
-      </a:fillRef>
-      <a:effectRef idx="0">
-        <a:scrgbClr r="0" g="0" b="0"/>
-      </a:effectRef>
-      <a:fontRef idx="minor"/>
-    </dgm:style>
-  </dgm:styleLbl>
-  <dgm:styleLbl name="fgAcc4">
-    <dgm:scene3d>
-      <a:camera prst="orthographicFront"/>
-      <a:lightRig rig="threePt" dir="t"/>
-    </dgm:scene3d>
-    <dgm:sp3d/>
-    <dgm:txPr/>
-    <dgm:style>
-      <a:lnRef idx="1">
-        <a:scrgbClr r="0" g="0" b="0"/>
-      </a:lnRef>
-      <a:fillRef idx="1">
-        <a:scrgbClr r="0" g="0" b="0"/>
-      </a:fillRef>
-      <a:effectRef idx="0">
-        <a:scrgbClr r="0" g="0" b="0"/>
-      </a:effectRef>
-      <a:fontRef idx="minor"/>
-    </dgm:style>
-  </dgm:styleLbl>
-  <dgm:styleLbl name="bgShp">
-    <dgm:scene3d>
-      <a:camera prst="orthographicFront"/>
-      <a:lightRig rig="threePt" dir="t"/>
-    </dgm:scene3d>
-    <dgm:sp3d/>
-    <dgm:txPr/>
-    <dgm:style>
-      <a:lnRef idx="0">
-        <a:scrgbClr r="0" g="0" b="0"/>
-      </a:lnRef>
-      <a:fillRef idx="1">
-        <a:scrgbClr r="0" g="0" b="0"/>
-      </a:fillRef>
-      <a:effectRef idx="2">
-        <a:scrgbClr r="0" g="0" b="0"/>
-      </a:effectRef>
-      <a:fontRef idx="minor"/>
-    </dgm:style>
-  </dgm:styleLbl>
-  <dgm:styleLbl name="dkBgShp">
-    <dgm:scene3d>
-      <a:camera prst="orthographicFront"/>
-      <a:lightRig rig="threePt" dir="t"/>
-    </dgm:scene3d>
-    <dgm:sp3d/>
-    <dgm:txPr/>
-    <dgm:style>
-      <a:lnRef idx="0">
-        <a:scrgbClr r="0" g="0" b="0"/>
-      </a:lnRef>
-      <a:fillRef idx="1">
-        <a:scrgbClr r="0" g="0" b="0"/>
-      </a:fillRef>
-      <a:effectRef idx="2">
-        <a:scrgbClr r="0" g="0" b="0"/>
-      </a:effectRef>
-      <a:fontRef idx="minor"/>
-    </dgm:style>
-  </dgm:styleLbl>
-  <dgm:styleLbl name="trBgShp">
-    <dgm:scene3d>
-      <a:camera prst="orthographicFront"/>
-      <a:lightRig rig="threePt" dir="t"/>
-    </dgm:scene3d>
-    <dgm:sp3d/>
-    <dgm:txPr/>
-    <dgm:style>
-      <a:lnRef idx="0">
-        <a:scrgbClr r="0" g="0" b="0"/>
-      </a:lnRef>
-      <a:fillRef idx="1">
-        <a:scrgbClr r="0" g="0" b="0"/>
-      </a:fillRef>
-      <a:effectRef idx="0">
-        <a:scrgbClr r="0" g="0" b="0"/>
-      </a:effectRef>
-      <a:fontRef idx="minor"/>
-    </dgm:style>
-  </dgm:styleLbl>
-  <dgm:styleLbl name="fgShp">
-    <dgm:scene3d>
-      <a:camera prst="orthographicFront"/>
-      <a:lightRig rig="threePt" dir="t"/>
-    </dgm:scene3d>
-    <dgm:sp3d/>
-    <dgm:txPr/>
-    <dgm:style>
-      <a:lnRef idx="0">
-        <a:scrgbClr r="0" g="0" b="0"/>
-      </a:lnRef>
-      <a:fillRef idx="3">
-        <a:scrgbClr r="0" g="0" b="0"/>
-      </a:fillRef>
-      <a:effectRef idx="2">
-        <a:scrgbClr r="0" g="0" b="0"/>
-      </a:effectRef>
-      <a:fontRef idx="minor"/>
-    </dgm:style>
-  </dgm:styleLbl>
-  <dgm:styleLbl name="revTx">
-    <dgm:scene3d>
-      <a:camera prst="orthographicFront"/>
-      <a:lightRig rig="threePt" dir="t"/>
-    </dgm:scene3d>
-    <dgm:sp3d/>
-    <dgm:txPr/>
-    <dgm:style>
-      <a:lnRef idx="0">
-        <a:scrgbClr r="0" g="0" b="0"/>
-      </a:lnRef>
-      <a:fillRef idx="0">
-        <a:scrgbClr r="0" g="0" b="0"/>
-      </a:fillRef>
-      <a:effectRef idx="0">
-        <a:scrgbClr r="0" g="0" b="0"/>
-      </a:effectRef>
-      <a:fontRef idx="minor"/>
-    </dgm:style>
-  </dgm:styleLbl>
-</dgm:styleDef>
 </file>
 
 <file path=ppt/handoutMasters/handoutMaster1.xml><?xml version="1.0" encoding="utf-8"?>
@@ -5732,6 +1316,14 @@
           <a:bodyPr/>
           <a:lstStyle/>
           <a:p>
+            <a:r>
+              <a:rPr lang="en-US" dirty="0" smtClean="0"/>
+              <a:t>Here are the stories and features</a:t>
+            </a:r>
+            <a:r>
+              <a:rPr lang="en-US" baseline="0" dirty="0" smtClean="0"/>
+              <a:t> that we have identified. If needed, this can be shown in excel in a more readable way</a:t>
+            </a:r>
             <a:endParaRPr lang="en-US" dirty="0"/>
           </a:p>
         </p:txBody>
@@ -5753,7 +1345,7 @@
           <a:p>
             <a:fld id="{3EBA5BD7-F043-4D1B-AA17-CD412FC534DE}" type="slidenum">
               <a:rPr lang="en-US" smtClean="0"/>
-              <a:t>6</a:t>
+              <a:t>3</a:t>
             </a:fld>
             <a:endParaRPr lang="en-US"/>
           </a:p>
@@ -5762,7 +1354,99 @@
     </p:spTree>
     <p:extLst>
       <p:ext uri="{BB962C8B-B14F-4D97-AF65-F5344CB8AC3E}">
-        <p14:creationId xmlns:p14="http://schemas.microsoft.com/office/powerpoint/2010/main" val="4117229062"/>
+        <p14:creationId xmlns:p14="http://schemas.microsoft.com/office/powerpoint/2010/main" val="2636699923"/>
+      </p:ext>
+    </p:extLst>
+  </p:cSld>
+  <p:clrMapOvr>
+    <a:masterClrMapping/>
+  </p:clrMapOvr>
+</p:notes>
+</file>
+
+<file path=ppt/notesSlides/notesSlide3.xml><?xml version="1.0" encoding="utf-8"?>
+<p:notes xmlns:a="http://schemas.openxmlformats.org/drawingml/2006/main" xmlns:r="http://schemas.openxmlformats.org/officeDocument/2006/relationships" xmlns:p="http://schemas.openxmlformats.org/presentationml/2006/main">
+  <p:cSld>
+    <p:spTree>
+      <p:nvGrpSpPr>
+        <p:cNvPr id="1" name=""/>
+        <p:cNvGrpSpPr/>
+        <p:nvPr/>
+      </p:nvGrpSpPr>
+      <p:grpSpPr>
+        <a:xfrm>
+          <a:off x="0" y="0"/>
+          <a:ext cx="0" cy="0"/>
+          <a:chOff x="0" y="0"/>
+          <a:chExt cx="0" cy="0"/>
+        </a:xfrm>
+      </p:grpSpPr>
+      <p:sp>
+        <p:nvSpPr>
+          <p:cNvPr id="2" name="Slide Image Placeholder 1"/>
+          <p:cNvSpPr>
+            <a:spLocks noGrp="1" noRot="1" noChangeAspect="1"/>
+          </p:cNvSpPr>
+          <p:nvPr>
+            <p:ph type="sldImg"/>
+          </p:nvPr>
+        </p:nvSpPr>
+        <p:spPr/>
+      </p:sp>
+      <p:sp>
+        <p:nvSpPr>
+          <p:cNvPr id="3" name="Notes Placeholder 2"/>
+          <p:cNvSpPr>
+            <a:spLocks noGrp="1"/>
+          </p:cNvSpPr>
+          <p:nvPr>
+            <p:ph type="body" idx="1"/>
+          </p:nvPr>
+        </p:nvSpPr>
+        <p:spPr/>
+        <p:txBody>
+          <a:bodyPr/>
+          <a:lstStyle/>
+          <a:p>
+            <a:r>
+              <a:rPr lang="en-US" dirty="0" smtClean="0"/>
+              <a:t>This</a:t>
+            </a:r>
+            <a:r>
+              <a:rPr lang="en-US" baseline="0" dirty="0" smtClean="0"/>
+              <a:t> is the backlog of our first sprint.</a:t>
+            </a:r>
+            <a:endParaRPr lang="en-US" dirty="0"/>
+          </a:p>
+        </p:txBody>
+      </p:sp>
+      <p:sp>
+        <p:nvSpPr>
+          <p:cNvPr id="4" name="Slide Number Placeholder 3"/>
+          <p:cNvSpPr>
+            <a:spLocks noGrp="1"/>
+          </p:cNvSpPr>
+          <p:nvPr>
+            <p:ph type="sldNum" sz="quarter" idx="10"/>
+          </p:nvPr>
+        </p:nvSpPr>
+        <p:spPr/>
+        <p:txBody>
+          <a:bodyPr/>
+          <a:lstStyle/>
+          <a:p>
+            <a:fld id="{3EBA5BD7-F043-4D1B-AA17-CD412FC534DE}" type="slidenum">
+              <a:rPr lang="en-US" smtClean="0"/>
+              <a:t>4</a:t>
+            </a:fld>
+            <a:endParaRPr lang="en-US"/>
+          </a:p>
+        </p:txBody>
+      </p:sp>
+    </p:spTree>
+    <p:extLst>
+      <p:ext uri="{BB962C8B-B14F-4D97-AF65-F5344CB8AC3E}">
+        <p14:creationId xmlns:p14="http://schemas.microsoft.com/office/powerpoint/2010/main" val="2040148335"/>
       </p:ext>
     </p:extLst>
   </p:cSld>
@@ -10312,245 +5996,6 @@
 </p:sld>
 </file>
 
-<file path=ppt/slides/slide10.xml><?xml version="1.0" encoding="utf-8"?>
-<p:sld xmlns:a="http://schemas.openxmlformats.org/drawingml/2006/main" xmlns:r="http://schemas.openxmlformats.org/officeDocument/2006/relationships" xmlns:p="http://schemas.openxmlformats.org/presentationml/2006/main">
-  <p:cSld>
-    <p:spTree>
-      <p:nvGrpSpPr>
-        <p:cNvPr id="1" name=""/>
-        <p:cNvGrpSpPr/>
-        <p:nvPr/>
-      </p:nvGrpSpPr>
-      <p:grpSpPr>
-        <a:xfrm>
-          <a:off x="0" y="0"/>
-          <a:ext cx="0" cy="0"/>
-          <a:chOff x="0" y="0"/>
-          <a:chExt cx="0" cy="0"/>
-        </a:xfrm>
-      </p:grpSpPr>
-    </p:spTree>
-    <p:extLst>
-      <p:ext uri="{BB962C8B-B14F-4D97-AF65-F5344CB8AC3E}">
-        <p14:creationId xmlns:p14="http://schemas.microsoft.com/office/powerpoint/2010/main" val="1405850135"/>
-      </p:ext>
-    </p:extLst>
-  </p:cSld>
-  <p:clrMapOvr>
-    <a:masterClrMapping/>
-  </p:clrMapOvr>
-  <mc:AlternateContent xmlns:mc="http://schemas.openxmlformats.org/markup-compatibility/2006" xmlns:p14="http://schemas.microsoft.com/office/powerpoint/2010/main">
-    <mc:Choice Requires="p14">
-      <p:transition spd="med" p14:dur="700">
-        <p:fade/>
-      </p:transition>
-    </mc:Choice>
-    <mc:Fallback xmlns="">
-      <p:transition spd="med">
-        <p:fade/>
-      </p:transition>
-    </mc:Fallback>
-  </mc:AlternateContent>
-</p:sld>
-</file>
-
-<file path=ppt/slides/slide11.xml><?xml version="1.0" encoding="utf-8"?>
-<p:sld xmlns:a="http://schemas.openxmlformats.org/drawingml/2006/main" xmlns:r="http://schemas.openxmlformats.org/officeDocument/2006/relationships" xmlns:p="http://schemas.openxmlformats.org/presentationml/2006/main">
-  <p:cSld>
-    <p:spTree>
-      <p:nvGrpSpPr>
-        <p:cNvPr id="1" name=""/>
-        <p:cNvGrpSpPr/>
-        <p:nvPr/>
-      </p:nvGrpSpPr>
-      <p:grpSpPr>
-        <a:xfrm>
-          <a:off x="0" y="0"/>
-          <a:ext cx="0" cy="0"/>
-          <a:chOff x="0" y="0"/>
-          <a:chExt cx="0" cy="0"/>
-        </a:xfrm>
-      </p:grpSpPr>
-      <p:sp>
-        <p:nvSpPr>
-          <p:cNvPr id="2" name="Title 1"/>
-          <p:cNvSpPr>
-            <a:spLocks noGrp="1"/>
-          </p:cNvSpPr>
-          <p:nvPr>
-            <p:ph type="title"/>
-          </p:nvPr>
-        </p:nvSpPr>
-        <p:spPr/>
-        <p:txBody>
-          <a:bodyPr/>
-          <a:lstStyle/>
-          <a:p>
-            <a:r>
-              <a:rPr lang="en-US" dirty="0"/>
-              <a:t>Add a Slide Title - 4</a:t>
-            </a:r>
-          </a:p>
-        </p:txBody>
-      </p:sp>
-      <p:sp>
-        <p:nvSpPr>
-          <p:cNvPr id="4" name="Text Placeholder 3"/>
-          <p:cNvSpPr>
-            <a:spLocks noGrp="1"/>
-          </p:cNvSpPr>
-          <p:nvPr>
-            <p:ph type="body" sz="half" idx="2"/>
-          </p:nvPr>
-        </p:nvSpPr>
-        <p:spPr/>
-        <p:txBody>
-          <a:bodyPr/>
-          <a:lstStyle/>
-          <a:p>
-            <a:endParaRPr lang="en-US" dirty="0"/>
-          </a:p>
-        </p:txBody>
-      </p:sp>
-      <p:sp>
-        <p:nvSpPr>
-          <p:cNvPr id="3" name="Content Placeholder 2"/>
-          <p:cNvSpPr>
-            <a:spLocks noGrp="1"/>
-          </p:cNvSpPr>
-          <p:nvPr>
-            <p:ph idx="1"/>
-          </p:nvPr>
-        </p:nvSpPr>
-        <p:spPr/>
-        <p:txBody>
-          <a:bodyPr/>
-          <a:lstStyle/>
-          <a:p>
-            <a:endParaRPr lang="en-US" dirty="0"/>
-          </a:p>
-        </p:txBody>
-      </p:sp>
-    </p:spTree>
-    <p:extLst>
-      <p:ext uri="{BB962C8B-B14F-4D97-AF65-F5344CB8AC3E}">
-        <p14:creationId xmlns:p14="http://schemas.microsoft.com/office/powerpoint/2010/main" val="2319046984"/>
-      </p:ext>
-    </p:extLst>
-  </p:cSld>
-  <p:clrMapOvr>
-    <a:masterClrMapping/>
-  </p:clrMapOvr>
-  <mc:AlternateContent xmlns:mc="http://schemas.openxmlformats.org/markup-compatibility/2006" xmlns:p14="http://schemas.microsoft.com/office/powerpoint/2010/main">
-    <mc:Choice Requires="p14">
-      <p:transition spd="med" p14:dur="700">
-        <p:fade/>
-      </p:transition>
-    </mc:Choice>
-    <mc:Fallback xmlns="">
-      <p:transition spd="med">
-        <p:fade/>
-      </p:transition>
-    </mc:Fallback>
-  </mc:AlternateContent>
-</p:sld>
-</file>
-
-<file path=ppt/slides/slide12.xml><?xml version="1.0" encoding="utf-8"?>
-<p:sld xmlns:a="http://schemas.openxmlformats.org/drawingml/2006/main" xmlns:r="http://schemas.openxmlformats.org/officeDocument/2006/relationships" xmlns:p="http://schemas.openxmlformats.org/presentationml/2006/main">
-  <p:cSld>
-    <p:spTree>
-      <p:nvGrpSpPr>
-        <p:cNvPr id="1" name=""/>
-        <p:cNvGrpSpPr/>
-        <p:nvPr/>
-      </p:nvGrpSpPr>
-      <p:grpSpPr>
-        <a:xfrm>
-          <a:off x="0" y="0"/>
-          <a:ext cx="0" cy="0"/>
-          <a:chOff x="0" y="0"/>
-          <a:chExt cx="0" cy="0"/>
-        </a:xfrm>
-      </p:grpSpPr>
-      <p:sp>
-        <p:nvSpPr>
-          <p:cNvPr id="3" name="Title 2"/>
-          <p:cNvSpPr>
-            <a:spLocks noGrp="1"/>
-          </p:cNvSpPr>
-          <p:nvPr>
-            <p:ph type="title"/>
-          </p:nvPr>
-        </p:nvSpPr>
-        <p:spPr/>
-        <p:txBody>
-          <a:bodyPr/>
-          <a:lstStyle/>
-          <a:p>
-            <a:r>
-              <a:rPr lang="en-US" dirty="0"/>
-              <a:t>Add a Slide Title - 5</a:t>
-            </a:r>
-          </a:p>
-        </p:txBody>
-      </p:sp>
-      <p:sp>
-        <p:nvSpPr>
-          <p:cNvPr id="5" name="Text Placeholder 4"/>
-          <p:cNvSpPr>
-            <a:spLocks noGrp="1"/>
-          </p:cNvSpPr>
-          <p:nvPr>
-            <p:ph type="body" sz="half" idx="2"/>
-          </p:nvPr>
-        </p:nvSpPr>
-        <p:spPr/>
-        <p:txBody>
-          <a:bodyPr/>
-          <a:lstStyle/>
-          <a:p>
-            <a:endParaRPr lang="en-US" dirty="0"/>
-          </a:p>
-        </p:txBody>
-      </p:sp>
-      <p:sp>
-        <p:nvSpPr>
-          <p:cNvPr id="6" name="Picture Placeholder 5" descr="An empty placeholder to add an image. Click on the placeholder and select the image that you wish to add."/>
-          <p:cNvSpPr>
-            <a:spLocks noGrp="1"/>
-          </p:cNvSpPr>
-          <p:nvPr>
-            <p:ph type="pic" idx="1"/>
-          </p:nvPr>
-        </p:nvSpPr>
-        <p:spPr/>
-      </p:sp>
-    </p:spTree>
-    <p:extLst>
-      <p:ext uri="{BB962C8B-B14F-4D97-AF65-F5344CB8AC3E}">
-        <p14:creationId xmlns:p14="http://schemas.microsoft.com/office/powerpoint/2010/main" val="3480339974"/>
-      </p:ext>
-    </p:extLst>
-  </p:cSld>
-  <p:clrMapOvr>
-    <a:masterClrMapping/>
-  </p:clrMapOvr>
-  <mc:AlternateContent xmlns:mc="http://schemas.openxmlformats.org/markup-compatibility/2006" xmlns:p14="http://schemas.microsoft.com/office/powerpoint/2010/main">
-    <mc:Choice Requires="p14">
-      <p:transition spd="med" p14:dur="700">
-        <p:fade/>
-      </p:transition>
-    </mc:Choice>
-    <mc:Fallback xmlns="">
-      <p:transition spd="med">
-        <p:fade/>
-      </p:transition>
-    </mc:Fallback>
-  </mc:AlternateContent>
-</p:sld>
-</file>
-
 <file path=ppt/slides/slide2.xml><?xml version="1.0" encoding="utf-8"?>
 <p:sld xmlns:a="http://schemas.openxmlformats.org/drawingml/2006/main" xmlns:r="http://schemas.openxmlformats.org/officeDocument/2006/relationships" xmlns:p="http://schemas.openxmlformats.org/presentationml/2006/main">
   <p:cSld>
@@ -10580,19 +6025,21 @@
         </p:nvSpPr>
         <p:spPr/>
         <p:txBody>
-          <a:bodyPr anchor="ctr"/>
+          <a:bodyPr anchor="ctr">
+            <a:normAutofit/>
+          </a:bodyPr>
           <a:lstStyle/>
           <a:p>
             <a:pPr algn="ctr"/>
             <a:r>
-              <a:rPr lang="en-US" u="sng" dirty="0"/>
+              <a:rPr lang="en-US" sz="4800" u="sng" dirty="0"/>
               <a:t>What is the project about</a:t>
             </a:r>
             <a:r>
-              <a:rPr lang="en-US" u="sng" dirty="0" smtClean="0"/>
+              <a:rPr lang="en-US" sz="4800" u="sng" dirty="0" smtClean="0"/>
               <a:t>?</a:t>
             </a:r>
-            <a:endParaRPr lang="en-US" dirty="0"/>
+            <a:endParaRPr lang="en-US" sz="4800" dirty="0"/>
           </a:p>
         </p:txBody>
       </p:sp>
@@ -10608,17 +6055,19 @@
         </p:nvSpPr>
         <p:spPr/>
         <p:txBody>
-          <a:bodyPr/>
+          <a:bodyPr anchor="ctr">
+            <a:normAutofit/>
+          </a:bodyPr>
           <a:lstStyle/>
           <a:p>
             <a:pPr marL="0" indent="0" algn="just">
               <a:buNone/>
             </a:pPr>
             <a:r>
-              <a:rPr lang="en-US" dirty="0" smtClean="0"/>
+              <a:rPr lang="en-US" sz="3200" dirty="0" smtClean="0"/>
               <a:t>In this project, we are developing an online portal that will display women’s apparel from local websites with the unique option search for VISUALLY similar items.</a:t>
             </a:r>
-            <a:endParaRPr lang="en-US" dirty="0"/>
+            <a:endParaRPr lang="en-US" sz="3200" dirty="0"/>
           </a:p>
         </p:txBody>
       </p:sp>
@@ -10644,10 +6093,806 @@
       </p:transition>
     </mc:Fallback>
   </mc:AlternateContent>
+  <p:timing>
+    <p:tnLst>
+      <p:par>
+        <p:cTn id="1" dur="indefinite" restart="never" nodeType="tmRoot"/>
+      </p:par>
+    </p:tnLst>
+  </p:timing>
 </p:sld>
 </file>
 
 <file path=ppt/slides/slide3.xml><?xml version="1.0" encoding="utf-8"?>
+<p:sld xmlns:a="http://schemas.openxmlformats.org/drawingml/2006/main" xmlns:r="http://schemas.openxmlformats.org/officeDocument/2006/relationships" xmlns:p="http://schemas.openxmlformats.org/presentationml/2006/main">
+  <p:cSld>
+    <p:spTree>
+      <p:nvGrpSpPr>
+        <p:cNvPr id="1" name=""/>
+        <p:cNvGrpSpPr/>
+        <p:nvPr/>
+      </p:nvGrpSpPr>
+      <p:grpSpPr>
+        <a:xfrm>
+          <a:off x="0" y="0"/>
+          <a:ext cx="0" cy="0"/>
+          <a:chOff x="0" y="0"/>
+          <a:chExt cx="0" cy="0"/>
+        </a:xfrm>
+      </p:grpSpPr>
+      <p:graphicFrame>
+        <p:nvGraphicFramePr>
+          <p:cNvPr id="2" name="Object 1"/>
+          <p:cNvGraphicFramePr>
+            <a:graphicFrameLocks noChangeAspect="1"/>
+          </p:cNvGraphicFramePr>
+          <p:nvPr>
+            <p:extLst>
+              <p:ext uri="{D42A27DB-BD31-4B8C-83A1-F6EECF244321}">
+                <p14:modId xmlns:p14="http://schemas.microsoft.com/office/powerpoint/2010/main" val="1723922245"/>
+              </p:ext>
+            </p:extLst>
+          </p:nvPr>
+        </p:nvGraphicFramePr>
+        <p:xfrm>
+          <a:off x="2434267" y="0"/>
+          <a:ext cx="7320291" cy="6858000"/>
+        </p:xfrm>
+        <a:graphic>
+          <a:graphicData uri="http://schemas.openxmlformats.org/presentationml/2006/ole">
+            <mc:AlternateContent xmlns:mc="http://schemas.openxmlformats.org/markup-compatibility/2006">
+              <mc:Choice xmlns:v="urn:schemas-microsoft-com:vml" Requires="v">
+                <p:oleObj spid="_x0000_s1038" name="Worksheet" r:id="rId4" imgW="12392041" imgH="11610875" progId="Excel.Sheet.12">
+                  <p:link updateAutomatic="1"/>
+                </p:oleObj>
+              </mc:Choice>
+              <mc:Fallback>
+                <p:oleObj name="Worksheet" r:id="rId4" imgW="12392041" imgH="11610875" progId="Excel.Sheet.12">
+                  <p:link updateAutomatic="1"/>
+                  <p:pic>
+                    <p:nvPicPr>
+                      <p:cNvPr id="0" name=""/>
+                      <p:cNvPicPr/>
+                      <p:nvPr/>
+                    </p:nvPicPr>
+                    <p:blipFill>
+                      <a:blip r:embed="rId5"/>
+                      <a:stretch>
+                        <a:fillRect/>
+                      </a:stretch>
+                    </p:blipFill>
+                    <p:spPr>
+                      <a:xfrm>
+                        <a:off x="2434267" y="0"/>
+                        <a:ext cx="7320291" cy="6858000"/>
+                      </a:xfrm>
+                      <a:prstGeom prst="rect">
+                        <a:avLst/>
+                      </a:prstGeom>
+                      <a:solidFill>
+                        <a:schemeClr val="tx1"/>
+                      </a:solidFill>
+                    </p:spPr>
+                  </p:pic>
+                </p:oleObj>
+              </mc:Fallback>
+            </mc:AlternateContent>
+          </a:graphicData>
+        </a:graphic>
+      </p:graphicFrame>
+      <p:sp>
+        <p:nvSpPr>
+          <p:cNvPr id="5" name="Content Placeholder 4"/>
+          <p:cNvSpPr txBox="1">
+            <a:spLocks/>
+          </p:cNvSpPr>
+          <p:nvPr/>
+        </p:nvSpPr>
+        <p:spPr>
+          <a:xfrm>
+            <a:off x="9754559" y="0"/>
+            <a:ext cx="2434266" cy="6858000"/>
+          </a:xfrm>
+          <a:prstGeom prst="rect">
+            <a:avLst/>
+          </a:prstGeom>
+        </p:spPr>
+        <p:txBody>
+          <a:bodyPr anchor="ctr">
+            <a:normAutofit/>
+          </a:bodyPr>
+          <a:lstStyle>
+            <a:lvl1pPr marL="304747" indent="-304747" algn="l" defTabSz="1218987" rtl="0" eaLnBrk="1" latinLnBrk="0" hangingPunct="1">
+              <a:lnSpc>
+                <a:spcPct val="90000"/>
+              </a:lnSpc>
+              <a:spcBef>
+                <a:spcPts val="1600"/>
+              </a:spcBef>
+              <a:buClr>
+                <a:schemeClr val="accent1"/>
+              </a:buClr>
+              <a:buSzPct val="100000"/>
+              <a:buFont typeface="Arial" pitchFamily="34" charset="0"/>
+              <a:buChar char="•"/>
+              <a:defRPr sz="2800" kern="1200">
+                <a:solidFill>
+                  <a:schemeClr val="tx1"/>
+                </a:solidFill>
+                <a:latin typeface="+mn-lt"/>
+                <a:ea typeface="+mn-ea"/>
+                <a:cs typeface="+mn-cs"/>
+              </a:defRPr>
+            </a:lvl1pPr>
+            <a:lvl2pPr marL="609493" indent="-231607" algn="l" defTabSz="1218987" rtl="0" eaLnBrk="1" latinLnBrk="0" hangingPunct="1">
+              <a:lnSpc>
+                <a:spcPct val="90000"/>
+              </a:lnSpc>
+              <a:spcBef>
+                <a:spcPts val="800"/>
+              </a:spcBef>
+              <a:buClr>
+                <a:schemeClr val="accent1"/>
+              </a:buClr>
+              <a:buSzPct val="80000"/>
+              <a:buFont typeface="Arial" pitchFamily="34" charset="0"/>
+              <a:buChar char="•"/>
+              <a:defRPr sz="2400" kern="1200">
+                <a:solidFill>
+                  <a:schemeClr val="tx1"/>
+                </a:solidFill>
+                <a:latin typeface="+mn-lt"/>
+                <a:ea typeface="+mn-ea"/>
+                <a:cs typeface="+mn-cs"/>
+              </a:defRPr>
+            </a:lvl2pPr>
+            <a:lvl3pPr marL="914240" indent="-231607" algn="l" defTabSz="1218987" rtl="0" eaLnBrk="1" latinLnBrk="0" hangingPunct="1">
+              <a:lnSpc>
+                <a:spcPct val="90000"/>
+              </a:lnSpc>
+              <a:spcBef>
+                <a:spcPts val="800"/>
+              </a:spcBef>
+              <a:buClr>
+                <a:schemeClr val="accent1"/>
+              </a:buClr>
+              <a:buSzPct val="80000"/>
+              <a:buFont typeface="Arial" pitchFamily="34" charset="0"/>
+              <a:buChar char="•"/>
+              <a:defRPr sz="2000" kern="1200">
+                <a:solidFill>
+                  <a:schemeClr val="tx1"/>
+                </a:solidFill>
+                <a:latin typeface="+mn-lt"/>
+                <a:ea typeface="+mn-ea"/>
+                <a:cs typeface="+mn-cs"/>
+              </a:defRPr>
+            </a:lvl3pPr>
+            <a:lvl4pPr marL="1218987" indent="-231607" algn="l" defTabSz="1218987" rtl="0" eaLnBrk="1" latinLnBrk="0" hangingPunct="1">
+              <a:lnSpc>
+                <a:spcPct val="90000"/>
+              </a:lnSpc>
+              <a:spcBef>
+                <a:spcPts val="800"/>
+              </a:spcBef>
+              <a:buClr>
+                <a:schemeClr val="accent1"/>
+              </a:buClr>
+              <a:buSzPct val="80000"/>
+              <a:buFont typeface="Arial" pitchFamily="34" charset="0"/>
+              <a:buChar char="•"/>
+              <a:defRPr sz="2000" kern="1200">
+                <a:solidFill>
+                  <a:schemeClr val="tx1"/>
+                </a:solidFill>
+                <a:latin typeface="+mn-lt"/>
+                <a:ea typeface="+mn-ea"/>
+                <a:cs typeface="+mn-cs"/>
+              </a:defRPr>
+            </a:lvl4pPr>
+            <a:lvl5pPr marL="1523733" indent="-231607" algn="l" defTabSz="1218987" rtl="0" eaLnBrk="1" latinLnBrk="0" hangingPunct="1">
+              <a:lnSpc>
+                <a:spcPct val="90000"/>
+              </a:lnSpc>
+              <a:spcBef>
+                <a:spcPts val="800"/>
+              </a:spcBef>
+              <a:buClr>
+                <a:schemeClr val="accent1"/>
+              </a:buClr>
+              <a:buSzPct val="80000"/>
+              <a:buFont typeface="Arial" pitchFamily="34" charset="0"/>
+              <a:buChar char="•"/>
+              <a:defRPr sz="2000" kern="1200">
+                <a:solidFill>
+                  <a:schemeClr val="tx1"/>
+                </a:solidFill>
+                <a:latin typeface="+mn-lt"/>
+                <a:ea typeface="+mn-ea"/>
+                <a:cs typeface="+mn-cs"/>
+              </a:defRPr>
+            </a:lvl5pPr>
+            <a:lvl6pPr marL="1828480" indent="-231607" algn="l" defTabSz="1218987" rtl="0" eaLnBrk="1" latinLnBrk="0" hangingPunct="1">
+              <a:lnSpc>
+                <a:spcPct val="90000"/>
+              </a:lnSpc>
+              <a:spcBef>
+                <a:spcPts val="800"/>
+              </a:spcBef>
+              <a:buClr>
+                <a:schemeClr val="accent1"/>
+              </a:buClr>
+              <a:buSzPct val="80000"/>
+              <a:buFont typeface="Arial" pitchFamily="34" charset="0"/>
+              <a:buChar char="•"/>
+              <a:defRPr sz="2000" kern="1200">
+                <a:solidFill>
+                  <a:schemeClr val="tx1"/>
+                </a:solidFill>
+                <a:latin typeface="+mn-lt"/>
+                <a:ea typeface="+mn-ea"/>
+                <a:cs typeface="+mn-cs"/>
+              </a:defRPr>
+            </a:lvl6pPr>
+            <a:lvl7pPr marL="2133227" indent="-231607" algn="l" defTabSz="1218987" rtl="0" eaLnBrk="1" latinLnBrk="0" hangingPunct="1">
+              <a:lnSpc>
+                <a:spcPct val="90000"/>
+              </a:lnSpc>
+              <a:spcBef>
+                <a:spcPts val="800"/>
+              </a:spcBef>
+              <a:buClr>
+                <a:schemeClr val="accent1"/>
+              </a:buClr>
+              <a:buSzPct val="80000"/>
+              <a:buFont typeface="Arial" pitchFamily="34" charset="0"/>
+              <a:buChar char="•"/>
+              <a:defRPr sz="2000" kern="1200">
+                <a:solidFill>
+                  <a:schemeClr val="tx1"/>
+                </a:solidFill>
+                <a:latin typeface="+mn-lt"/>
+                <a:ea typeface="+mn-ea"/>
+                <a:cs typeface="+mn-cs"/>
+              </a:defRPr>
+            </a:lvl7pPr>
+            <a:lvl8pPr marL="2437973" indent="-231607" algn="l" defTabSz="1218987" rtl="0" eaLnBrk="1" latinLnBrk="0" hangingPunct="1">
+              <a:lnSpc>
+                <a:spcPct val="90000"/>
+              </a:lnSpc>
+              <a:spcBef>
+                <a:spcPts val="800"/>
+              </a:spcBef>
+              <a:buClr>
+                <a:schemeClr val="accent1"/>
+              </a:buClr>
+              <a:buSzPct val="80000"/>
+              <a:buFont typeface="Arial" pitchFamily="34" charset="0"/>
+              <a:buChar char="•"/>
+              <a:defRPr sz="2000" kern="1200" baseline="0">
+                <a:solidFill>
+                  <a:schemeClr val="tx1"/>
+                </a:solidFill>
+                <a:latin typeface="+mn-lt"/>
+                <a:ea typeface="+mn-ea"/>
+                <a:cs typeface="+mn-cs"/>
+              </a:defRPr>
+            </a:lvl8pPr>
+            <a:lvl9pPr marL="2742720" indent="-231607" algn="l" defTabSz="1218987" rtl="0" eaLnBrk="1" latinLnBrk="0" hangingPunct="1">
+              <a:lnSpc>
+                <a:spcPct val="90000"/>
+              </a:lnSpc>
+              <a:spcBef>
+                <a:spcPts val="800"/>
+              </a:spcBef>
+              <a:buClr>
+                <a:schemeClr val="accent1"/>
+              </a:buClr>
+              <a:buSzPct val="80000"/>
+              <a:buFont typeface="Arial" pitchFamily="34" charset="0"/>
+              <a:buChar char="•"/>
+              <a:defRPr sz="2000" kern="1200" baseline="0">
+                <a:solidFill>
+                  <a:schemeClr val="tx1"/>
+                </a:solidFill>
+                <a:latin typeface="+mn-lt"/>
+                <a:ea typeface="+mn-ea"/>
+                <a:cs typeface="+mn-cs"/>
+              </a:defRPr>
+            </a:lvl9pPr>
+          </a:lstStyle>
+          <a:p>
+            <a:pPr marL="0" indent="0" algn="ctr">
+              <a:buFont typeface="Arial" pitchFamily="34" charset="0"/>
+              <a:buNone/>
+            </a:pPr>
+            <a:r>
+              <a:rPr lang="en-US" sz="4800" dirty="0" smtClean="0"/>
+              <a:t>Project Backlog</a:t>
+            </a:r>
+            <a:endParaRPr lang="en-US" sz="4800" dirty="0"/>
+          </a:p>
+        </p:txBody>
+      </p:sp>
+    </p:spTree>
+    <p:extLst>
+      <p:ext uri="{BB962C8B-B14F-4D97-AF65-F5344CB8AC3E}">
+        <p14:creationId xmlns:p14="http://schemas.microsoft.com/office/powerpoint/2010/main" val="2194629510"/>
+      </p:ext>
+    </p:extLst>
+  </p:cSld>
+  <p:clrMapOvr>
+    <a:masterClrMapping/>
+  </p:clrMapOvr>
+  <mc:AlternateContent xmlns:mc="http://schemas.openxmlformats.org/markup-compatibility/2006" xmlns:p14="http://schemas.microsoft.com/office/powerpoint/2010/main">
+    <mc:Choice Requires="p14">
+      <p:transition spd="med" p14:dur="700">
+        <p:fade/>
+      </p:transition>
+    </mc:Choice>
+    <mc:Fallback xmlns="">
+      <p:transition spd="med">
+        <p:fade/>
+      </p:transition>
+    </mc:Fallback>
+  </mc:AlternateContent>
+  <p:timing>
+    <p:tnLst>
+      <p:par>
+        <p:cTn id="1" dur="indefinite" restart="never" nodeType="tmRoot"/>
+      </p:par>
+    </p:tnLst>
+  </p:timing>
+</p:sld>
+</file>
+
+<file path=ppt/slides/slide4.xml><?xml version="1.0" encoding="utf-8"?>
+<p:sld xmlns:a="http://schemas.openxmlformats.org/drawingml/2006/main" xmlns:r="http://schemas.openxmlformats.org/officeDocument/2006/relationships" xmlns:p="http://schemas.openxmlformats.org/presentationml/2006/main">
+  <p:cSld>
+    <p:spTree>
+      <p:nvGrpSpPr>
+        <p:cNvPr id="1" name=""/>
+        <p:cNvGrpSpPr/>
+        <p:nvPr/>
+      </p:nvGrpSpPr>
+      <p:grpSpPr>
+        <a:xfrm>
+          <a:off x="0" y="0"/>
+          <a:ext cx="0" cy="0"/>
+          <a:chOff x="0" y="0"/>
+          <a:chExt cx="0" cy="0"/>
+        </a:xfrm>
+      </p:grpSpPr>
+      <p:sp>
+        <p:nvSpPr>
+          <p:cNvPr id="5" name="Content Placeholder 4"/>
+          <p:cNvSpPr txBox="1">
+            <a:spLocks/>
+          </p:cNvSpPr>
+          <p:nvPr/>
+        </p:nvSpPr>
+        <p:spPr>
+          <a:xfrm>
+            <a:off x="9754559" y="0"/>
+            <a:ext cx="2434266" cy="6858000"/>
+          </a:xfrm>
+          <a:prstGeom prst="rect">
+            <a:avLst/>
+          </a:prstGeom>
+        </p:spPr>
+        <p:txBody>
+          <a:bodyPr anchor="ctr">
+            <a:normAutofit/>
+          </a:bodyPr>
+          <a:lstStyle>
+            <a:lvl1pPr marL="304747" indent="-304747" algn="l" defTabSz="1218987" rtl="0" eaLnBrk="1" latinLnBrk="0" hangingPunct="1">
+              <a:lnSpc>
+                <a:spcPct val="90000"/>
+              </a:lnSpc>
+              <a:spcBef>
+                <a:spcPts val="1600"/>
+              </a:spcBef>
+              <a:buClr>
+                <a:schemeClr val="accent1"/>
+              </a:buClr>
+              <a:buSzPct val="100000"/>
+              <a:buFont typeface="Arial" pitchFamily="34" charset="0"/>
+              <a:buChar char="•"/>
+              <a:defRPr sz="2800" kern="1200">
+                <a:solidFill>
+                  <a:schemeClr val="tx1"/>
+                </a:solidFill>
+                <a:latin typeface="+mn-lt"/>
+                <a:ea typeface="+mn-ea"/>
+                <a:cs typeface="+mn-cs"/>
+              </a:defRPr>
+            </a:lvl1pPr>
+            <a:lvl2pPr marL="609493" indent="-231607" algn="l" defTabSz="1218987" rtl="0" eaLnBrk="1" latinLnBrk="0" hangingPunct="1">
+              <a:lnSpc>
+                <a:spcPct val="90000"/>
+              </a:lnSpc>
+              <a:spcBef>
+                <a:spcPts val="800"/>
+              </a:spcBef>
+              <a:buClr>
+                <a:schemeClr val="accent1"/>
+              </a:buClr>
+              <a:buSzPct val="80000"/>
+              <a:buFont typeface="Arial" pitchFamily="34" charset="0"/>
+              <a:buChar char="•"/>
+              <a:defRPr sz="2400" kern="1200">
+                <a:solidFill>
+                  <a:schemeClr val="tx1"/>
+                </a:solidFill>
+                <a:latin typeface="+mn-lt"/>
+                <a:ea typeface="+mn-ea"/>
+                <a:cs typeface="+mn-cs"/>
+              </a:defRPr>
+            </a:lvl2pPr>
+            <a:lvl3pPr marL="914240" indent="-231607" algn="l" defTabSz="1218987" rtl="0" eaLnBrk="1" latinLnBrk="0" hangingPunct="1">
+              <a:lnSpc>
+                <a:spcPct val="90000"/>
+              </a:lnSpc>
+              <a:spcBef>
+                <a:spcPts val="800"/>
+              </a:spcBef>
+              <a:buClr>
+                <a:schemeClr val="accent1"/>
+              </a:buClr>
+              <a:buSzPct val="80000"/>
+              <a:buFont typeface="Arial" pitchFamily="34" charset="0"/>
+              <a:buChar char="•"/>
+              <a:defRPr sz="2000" kern="1200">
+                <a:solidFill>
+                  <a:schemeClr val="tx1"/>
+                </a:solidFill>
+                <a:latin typeface="+mn-lt"/>
+                <a:ea typeface="+mn-ea"/>
+                <a:cs typeface="+mn-cs"/>
+              </a:defRPr>
+            </a:lvl3pPr>
+            <a:lvl4pPr marL="1218987" indent="-231607" algn="l" defTabSz="1218987" rtl="0" eaLnBrk="1" latinLnBrk="0" hangingPunct="1">
+              <a:lnSpc>
+                <a:spcPct val="90000"/>
+              </a:lnSpc>
+              <a:spcBef>
+                <a:spcPts val="800"/>
+              </a:spcBef>
+              <a:buClr>
+                <a:schemeClr val="accent1"/>
+              </a:buClr>
+              <a:buSzPct val="80000"/>
+              <a:buFont typeface="Arial" pitchFamily="34" charset="0"/>
+              <a:buChar char="•"/>
+              <a:defRPr sz="2000" kern="1200">
+                <a:solidFill>
+                  <a:schemeClr val="tx1"/>
+                </a:solidFill>
+                <a:latin typeface="+mn-lt"/>
+                <a:ea typeface="+mn-ea"/>
+                <a:cs typeface="+mn-cs"/>
+              </a:defRPr>
+            </a:lvl4pPr>
+            <a:lvl5pPr marL="1523733" indent="-231607" algn="l" defTabSz="1218987" rtl="0" eaLnBrk="1" latinLnBrk="0" hangingPunct="1">
+              <a:lnSpc>
+                <a:spcPct val="90000"/>
+              </a:lnSpc>
+              <a:spcBef>
+                <a:spcPts val="800"/>
+              </a:spcBef>
+              <a:buClr>
+                <a:schemeClr val="accent1"/>
+              </a:buClr>
+              <a:buSzPct val="80000"/>
+              <a:buFont typeface="Arial" pitchFamily="34" charset="0"/>
+              <a:buChar char="•"/>
+              <a:defRPr sz="2000" kern="1200">
+                <a:solidFill>
+                  <a:schemeClr val="tx1"/>
+                </a:solidFill>
+                <a:latin typeface="+mn-lt"/>
+                <a:ea typeface="+mn-ea"/>
+                <a:cs typeface="+mn-cs"/>
+              </a:defRPr>
+            </a:lvl5pPr>
+            <a:lvl6pPr marL="1828480" indent="-231607" algn="l" defTabSz="1218987" rtl="0" eaLnBrk="1" latinLnBrk="0" hangingPunct="1">
+              <a:lnSpc>
+                <a:spcPct val="90000"/>
+              </a:lnSpc>
+              <a:spcBef>
+                <a:spcPts val="800"/>
+              </a:spcBef>
+              <a:buClr>
+                <a:schemeClr val="accent1"/>
+              </a:buClr>
+              <a:buSzPct val="80000"/>
+              <a:buFont typeface="Arial" pitchFamily="34" charset="0"/>
+              <a:buChar char="•"/>
+              <a:defRPr sz="2000" kern="1200">
+                <a:solidFill>
+                  <a:schemeClr val="tx1"/>
+                </a:solidFill>
+                <a:latin typeface="+mn-lt"/>
+                <a:ea typeface="+mn-ea"/>
+                <a:cs typeface="+mn-cs"/>
+              </a:defRPr>
+            </a:lvl6pPr>
+            <a:lvl7pPr marL="2133227" indent="-231607" algn="l" defTabSz="1218987" rtl="0" eaLnBrk="1" latinLnBrk="0" hangingPunct="1">
+              <a:lnSpc>
+                <a:spcPct val="90000"/>
+              </a:lnSpc>
+              <a:spcBef>
+                <a:spcPts val="800"/>
+              </a:spcBef>
+              <a:buClr>
+                <a:schemeClr val="accent1"/>
+              </a:buClr>
+              <a:buSzPct val="80000"/>
+              <a:buFont typeface="Arial" pitchFamily="34" charset="0"/>
+              <a:buChar char="•"/>
+              <a:defRPr sz="2000" kern="1200">
+                <a:solidFill>
+                  <a:schemeClr val="tx1"/>
+                </a:solidFill>
+                <a:latin typeface="+mn-lt"/>
+                <a:ea typeface="+mn-ea"/>
+                <a:cs typeface="+mn-cs"/>
+              </a:defRPr>
+            </a:lvl7pPr>
+            <a:lvl8pPr marL="2437973" indent="-231607" algn="l" defTabSz="1218987" rtl="0" eaLnBrk="1" latinLnBrk="0" hangingPunct="1">
+              <a:lnSpc>
+                <a:spcPct val="90000"/>
+              </a:lnSpc>
+              <a:spcBef>
+                <a:spcPts val="800"/>
+              </a:spcBef>
+              <a:buClr>
+                <a:schemeClr val="accent1"/>
+              </a:buClr>
+              <a:buSzPct val="80000"/>
+              <a:buFont typeface="Arial" pitchFamily="34" charset="0"/>
+              <a:buChar char="•"/>
+              <a:defRPr sz="2000" kern="1200" baseline="0">
+                <a:solidFill>
+                  <a:schemeClr val="tx1"/>
+                </a:solidFill>
+                <a:latin typeface="+mn-lt"/>
+                <a:ea typeface="+mn-ea"/>
+                <a:cs typeface="+mn-cs"/>
+              </a:defRPr>
+            </a:lvl8pPr>
+            <a:lvl9pPr marL="2742720" indent="-231607" algn="l" defTabSz="1218987" rtl="0" eaLnBrk="1" latinLnBrk="0" hangingPunct="1">
+              <a:lnSpc>
+                <a:spcPct val="90000"/>
+              </a:lnSpc>
+              <a:spcBef>
+                <a:spcPts val="800"/>
+              </a:spcBef>
+              <a:buClr>
+                <a:schemeClr val="accent1"/>
+              </a:buClr>
+              <a:buSzPct val="80000"/>
+              <a:buFont typeface="Arial" pitchFamily="34" charset="0"/>
+              <a:buChar char="•"/>
+              <a:defRPr sz="2000" kern="1200" baseline="0">
+                <a:solidFill>
+                  <a:schemeClr val="tx1"/>
+                </a:solidFill>
+                <a:latin typeface="+mn-lt"/>
+                <a:ea typeface="+mn-ea"/>
+                <a:cs typeface="+mn-cs"/>
+              </a:defRPr>
+            </a:lvl9pPr>
+          </a:lstStyle>
+          <a:p>
+            <a:pPr marL="0" indent="0" algn="ctr">
+              <a:buFont typeface="Arial" pitchFamily="34" charset="0"/>
+              <a:buNone/>
+            </a:pPr>
+            <a:r>
+              <a:rPr lang="en-US" sz="4800" dirty="0" smtClean="0"/>
+              <a:t>Sprint Backlog</a:t>
+            </a:r>
+            <a:endParaRPr lang="en-US" sz="4800" dirty="0"/>
+          </a:p>
+        </p:txBody>
+      </p:sp>
+      <p:graphicFrame>
+        <p:nvGraphicFramePr>
+          <p:cNvPr id="7" name="Object 6"/>
+          <p:cNvGraphicFramePr>
+            <a:graphicFrameLocks noChangeAspect="1"/>
+          </p:cNvGraphicFramePr>
+          <p:nvPr>
+            <p:extLst>
+              <p:ext uri="{D42A27DB-BD31-4B8C-83A1-F6EECF244321}">
+                <p14:modId xmlns:p14="http://schemas.microsoft.com/office/powerpoint/2010/main" val="1061107961"/>
+              </p:ext>
+            </p:extLst>
+          </p:nvPr>
+        </p:nvGraphicFramePr>
+        <p:xfrm>
+          <a:off x="912811" y="1447800"/>
+          <a:ext cx="9033329" cy="3962400"/>
+        </p:xfrm>
+        <a:graphic>
+          <a:graphicData uri="http://schemas.openxmlformats.org/presentationml/2006/ole">
+            <mc:AlternateContent xmlns:mc="http://schemas.openxmlformats.org/markup-compatibility/2006">
+              <mc:Choice xmlns:v="urn:schemas-microsoft-com:vml" Requires="v">
+                <p:oleObj spid="_x0000_s2058" name="Worksheet" r:id="rId4" imgW="7295990" imgH="3200485" progId="Excel.Sheet.12">
+                  <p:link updateAutomatic="1"/>
+                </p:oleObj>
+              </mc:Choice>
+              <mc:Fallback>
+                <p:oleObj name="Worksheet" r:id="rId4" imgW="7295990" imgH="3200485" progId="Excel.Sheet.12">
+                  <p:link updateAutomatic="1"/>
+                  <p:pic>
+                    <p:nvPicPr>
+                      <p:cNvPr id="0" name=""/>
+                      <p:cNvPicPr/>
+                      <p:nvPr/>
+                    </p:nvPicPr>
+                    <p:blipFill>
+                      <a:blip r:embed="rId5"/>
+                      <a:stretch>
+                        <a:fillRect/>
+                      </a:stretch>
+                    </p:blipFill>
+                    <p:spPr>
+                      <a:xfrm>
+                        <a:off x="912811" y="1447800"/>
+                        <a:ext cx="9033329" cy="3962400"/>
+                      </a:xfrm>
+                      <a:prstGeom prst="rect">
+                        <a:avLst/>
+                      </a:prstGeom>
+                      <a:solidFill>
+                        <a:schemeClr val="tx1"/>
+                      </a:solidFill>
+                    </p:spPr>
+                  </p:pic>
+                </p:oleObj>
+              </mc:Fallback>
+            </mc:AlternateContent>
+          </a:graphicData>
+        </a:graphic>
+      </p:graphicFrame>
+    </p:spTree>
+    <p:extLst>
+      <p:ext uri="{BB962C8B-B14F-4D97-AF65-F5344CB8AC3E}">
+        <p14:creationId xmlns:p14="http://schemas.microsoft.com/office/powerpoint/2010/main" val="3655491377"/>
+      </p:ext>
+    </p:extLst>
+  </p:cSld>
+  <p:clrMapOvr>
+    <a:masterClrMapping/>
+  </p:clrMapOvr>
+  <mc:AlternateContent xmlns:mc="http://schemas.openxmlformats.org/markup-compatibility/2006" xmlns:p14="http://schemas.microsoft.com/office/powerpoint/2010/main">
+    <mc:Choice Requires="p14">
+      <p:transition spd="med" p14:dur="700">
+        <p:fade/>
+      </p:transition>
+    </mc:Choice>
+    <mc:Fallback xmlns="">
+      <p:transition spd="med">
+        <p:fade/>
+      </p:transition>
+    </mc:Fallback>
+  </mc:AlternateContent>
+  <p:timing>
+    <p:tnLst>
+      <p:par>
+        <p:cTn id="1" dur="indefinite" restart="never" nodeType="tmRoot"/>
+      </p:par>
+    </p:tnLst>
+  </p:timing>
+</p:sld>
+</file>
+
+<file path=ppt/slides/slide5.xml><?xml version="1.0" encoding="utf-8"?>
+<p:sld xmlns:a="http://schemas.openxmlformats.org/drawingml/2006/main" xmlns:r="http://schemas.openxmlformats.org/officeDocument/2006/relationships" xmlns:p="http://schemas.openxmlformats.org/presentationml/2006/main">
+  <p:cSld>
+    <p:spTree>
+      <p:nvGrpSpPr>
+        <p:cNvPr id="1" name=""/>
+        <p:cNvGrpSpPr/>
+        <p:nvPr/>
+      </p:nvGrpSpPr>
+      <p:grpSpPr>
+        <a:xfrm>
+          <a:off x="0" y="0"/>
+          <a:ext cx="0" cy="0"/>
+          <a:chOff x="0" y="0"/>
+          <a:chExt cx="0" cy="0"/>
+        </a:xfrm>
+      </p:grpSpPr>
+      <p:sp>
+        <p:nvSpPr>
+          <p:cNvPr id="2" name="Title 1"/>
+          <p:cNvSpPr>
+            <a:spLocks noGrp="1"/>
+          </p:cNvSpPr>
+          <p:nvPr>
+            <p:ph type="title"/>
+          </p:nvPr>
+        </p:nvSpPr>
+        <p:spPr>
+          <a:xfrm>
+            <a:off x="685799" y="274637"/>
+            <a:ext cx="11580813" cy="1223963"/>
+          </a:xfrm>
+        </p:spPr>
+        <p:txBody>
+          <a:bodyPr>
+            <a:noAutofit/>
+          </a:bodyPr>
+          <a:lstStyle/>
+          <a:p>
+            <a:r>
+              <a:rPr lang="en-US" sz="4400" dirty="0" smtClean="0"/>
+              <a:t>Extent to which completed our first sprint backlog</a:t>
+            </a:r>
+            <a:endParaRPr lang="en-US" sz="4400" dirty="0"/>
+          </a:p>
+        </p:txBody>
+      </p:sp>
+      <p:graphicFrame>
+        <p:nvGraphicFramePr>
+          <p:cNvPr id="5" name="Chart 4"/>
+          <p:cNvGraphicFramePr>
+            <a:graphicFrameLocks/>
+          </p:cNvGraphicFramePr>
+          <p:nvPr>
+            <p:extLst>
+              <p:ext uri="{D42A27DB-BD31-4B8C-83A1-F6EECF244321}">
+                <p14:modId xmlns:p14="http://schemas.microsoft.com/office/powerpoint/2010/main" val="3218043732"/>
+              </p:ext>
+            </p:extLst>
+          </p:nvPr>
+        </p:nvGraphicFramePr>
+        <p:xfrm>
+          <a:off x="3127" y="2133600"/>
+          <a:ext cx="12271370" cy="2945170"/>
+        </p:xfrm>
+        <a:graphic>
+          <a:graphicData uri="http://schemas.openxmlformats.org/drawingml/2006/chart">
+            <c:chart xmlns:c="http://schemas.openxmlformats.org/drawingml/2006/chart" xmlns:r="http://schemas.openxmlformats.org/officeDocument/2006/relationships" r:id="rId2"/>
+          </a:graphicData>
+        </a:graphic>
+      </p:graphicFrame>
+    </p:spTree>
+    <p:extLst>
+      <p:ext uri="{BB962C8B-B14F-4D97-AF65-F5344CB8AC3E}">
+        <p14:creationId xmlns:p14="http://schemas.microsoft.com/office/powerpoint/2010/main" val="2460195256"/>
+      </p:ext>
+    </p:extLst>
+  </p:cSld>
+  <p:clrMapOvr>
+    <a:masterClrMapping/>
+  </p:clrMapOvr>
+  <mc:AlternateContent xmlns:mc="http://schemas.openxmlformats.org/markup-compatibility/2006" xmlns:p14="http://schemas.microsoft.com/office/powerpoint/2010/main">
+    <mc:Choice Requires="p14">
+      <p:transition spd="med" p14:dur="700">
+        <p:fade/>
+      </p:transition>
+    </mc:Choice>
+    <mc:Fallback xmlns="">
+      <p:transition spd="med">
+        <p:fade/>
+      </p:transition>
+    </mc:Fallback>
+  </mc:AlternateContent>
+  <p:timing>
+    <p:tnLst>
+      <p:par>
+        <p:cTn id="1" dur="indefinite" restart="never" nodeType="tmRoot"/>
+      </p:par>
+    </p:tnLst>
+  </p:timing>
+</p:sld>
+</file>
+
+<file path=ppt/slides/slide6.xml><?xml version="1.0" encoding="utf-8"?>
 <p:sld xmlns:a="http://schemas.openxmlformats.org/drawingml/2006/main" xmlns:r="http://schemas.openxmlformats.org/officeDocument/2006/relationships" xmlns:p="http://schemas.openxmlformats.org/presentationml/2006/main">
   <p:cSld>
     <p:spTree>
@@ -10680,8 +6925,8 @@
           <a:lstStyle/>
           <a:p>
             <a:r>
-              <a:rPr lang="en-US"/>
-              <a:t>Title and Content Layout with List</a:t>
+              <a:rPr lang="en-US" dirty="0" smtClean="0"/>
+              <a:t>Add Demo of prototype (screenshots)</a:t>
             </a:r>
             <a:endParaRPr lang="en-US" dirty="0"/>
           </a:p>
@@ -10702,22 +6947,6 @@
           <a:bodyPr/>
           <a:lstStyle/>
           <a:p>
-            <a:r>
-              <a:rPr lang="en-US"/>
-              <a:t>Add your first bullet point here</a:t>
-            </a:r>
-          </a:p>
-          <a:p>
-            <a:r>
-              <a:rPr lang="en-US"/>
-              <a:t>Add your second bullet point here</a:t>
-            </a:r>
-          </a:p>
-          <a:p>
-            <a:r>
-              <a:rPr lang="en-US"/>
-              <a:t>Add your third bullet point here</a:t>
-            </a:r>
             <a:endParaRPr lang="en-US" dirty="0"/>
           </a:p>
         </p:txBody>
@@ -10744,859 +6973,13 @@
       </p:transition>
     </mc:Fallback>
   </mc:AlternateContent>
-</p:sld>
-</file>
-
-<file path=ppt/slides/slide4.xml><?xml version="1.0" encoding="utf-8"?>
-<p:sld xmlns:a="http://schemas.openxmlformats.org/drawingml/2006/main" xmlns:r="http://schemas.openxmlformats.org/officeDocument/2006/relationships" xmlns:p="http://schemas.openxmlformats.org/presentationml/2006/main">
-  <p:cSld>
-    <p:spTree>
-      <p:nvGrpSpPr>
-        <p:cNvPr id="1" name=""/>
-        <p:cNvGrpSpPr/>
-        <p:nvPr/>
-      </p:nvGrpSpPr>
-      <p:grpSpPr>
-        <a:xfrm>
-          <a:off x="0" y="0"/>
-          <a:ext cx="0" cy="0"/>
-          <a:chOff x="0" y="0"/>
-          <a:chExt cx="0" cy="0"/>
-        </a:xfrm>
-      </p:grpSpPr>
-      <p:sp>
-        <p:nvSpPr>
-          <p:cNvPr id="7" name="Title 6"/>
-          <p:cNvSpPr>
-            <a:spLocks noGrp="1"/>
-          </p:cNvSpPr>
-          <p:nvPr>
-            <p:ph type="title"/>
-          </p:nvPr>
-        </p:nvSpPr>
-        <p:spPr/>
-        <p:txBody>
-          <a:bodyPr/>
-          <a:lstStyle/>
-          <a:p>
-            <a:r>
-              <a:rPr lang="en-US" dirty="0"/>
-              <a:t>Title and Content Layout with Chart</a:t>
-            </a:r>
-          </a:p>
-        </p:txBody>
-      </p:sp>
-      <p:graphicFrame>
-        <p:nvGraphicFramePr>
-          <p:cNvPr id="9" name="Content Placeholder 8" descr="Clustered column chart showing the values of 3 series for 4 categories"/>
-          <p:cNvGraphicFramePr>
-            <a:graphicFrameLocks noGrp="1"/>
-          </p:cNvGraphicFramePr>
-          <p:nvPr>
-            <p:ph idx="1"/>
-            <p:extLst>
-              <p:ext uri="{D42A27DB-BD31-4B8C-83A1-F6EECF244321}">
-                <p14:modId xmlns:p14="http://schemas.microsoft.com/office/powerpoint/2010/main" val="2424724130"/>
-              </p:ext>
-            </p:extLst>
-          </p:nvPr>
-        </p:nvGraphicFramePr>
-        <p:xfrm>
-          <a:off x="1219200" y="1701800"/>
-          <a:ext cx="10360025" cy="4462463"/>
-        </p:xfrm>
-        <a:graphic>
-          <a:graphicData uri="http://schemas.openxmlformats.org/drawingml/2006/chart">
-            <c:chart xmlns:c="http://schemas.openxmlformats.org/drawingml/2006/chart" xmlns:r="http://schemas.openxmlformats.org/officeDocument/2006/relationships" r:id="rId2"/>
-          </a:graphicData>
-        </a:graphic>
-      </p:graphicFrame>
-    </p:spTree>
-    <p:extLst>
-      <p:ext uri="{BB962C8B-B14F-4D97-AF65-F5344CB8AC3E}">
-        <p14:creationId xmlns:p14="http://schemas.microsoft.com/office/powerpoint/2010/main" val="1484811712"/>
-      </p:ext>
-    </p:extLst>
-  </p:cSld>
-  <p:clrMapOvr>
-    <a:masterClrMapping/>
-  </p:clrMapOvr>
-  <mc:AlternateContent xmlns:mc="http://schemas.openxmlformats.org/markup-compatibility/2006" xmlns:p14="http://schemas.microsoft.com/office/powerpoint/2010/main">
-    <mc:Choice Requires="p14">
-      <p:transition spd="med" p14:dur="700">
-        <p:fade/>
-      </p:transition>
-    </mc:Choice>
-    <mc:Fallback xmlns="">
-      <p:transition spd="med">
-        <p:fade/>
-      </p:transition>
-    </mc:Fallback>
-  </mc:AlternateContent>
-</p:sld>
-</file>
-
-<file path=ppt/slides/slide5.xml><?xml version="1.0" encoding="utf-8"?>
-<p:sld xmlns:a="http://schemas.openxmlformats.org/drawingml/2006/main" xmlns:r="http://schemas.openxmlformats.org/officeDocument/2006/relationships" xmlns:p="http://schemas.openxmlformats.org/presentationml/2006/main">
-  <p:cSld>
-    <p:spTree>
-      <p:nvGrpSpPr>
-        <p:cNvPr id="1" name=""/>
-        <p:cNvGrpSpPr/>
-        <p:nvPr/>
-      </p:nvGrpSpPr>
-      <p:grpSpPr>
-        <a:xfrm>
-          <a:off x="0" y="0"/>
-          <a:ext cx="0" cy="0"/>
-          <a:chOff x="0" y="0"/>
-          <a:chExt cx="0" cy="0"/>
-        </a:xfrm>
-      </p:grpSpPr>
-      <p:sp>
-        <p:nvSpPr>
-          <p:cNvPr id="2" name="Title 1"/>
-          <p:cNvSpPr>
-            <a:spLocks noGrp="1"/>
-          </p:cNvSpPr>
-          <p:nvPr>
-            <p:ph type="title"/>
-          </p:nvPr>
-        </p:nvSpPr>
-        <p:spPr/>
-        <p:txBody>
-          <a:bodyPr/>
-          <a:lstStyle/>
-          <a:p>
-            <a:r>
-              <a:rPr lang="en-US" dirty="0"/>
-              <a:t>Two Content Layout with Table</a:t>
-            </a:r>
-          </a:p>
-        </p:txBody>
-      </p:sp>
-      <p:sp>
-        <p:nvSpPr>
-          <p:cNvPr id="3" name="Content Placeholder 2"/>
-          <p:cNvSpPr>
-            <a:spLocks noGrp="1"/>
-          </p:cNvSpPr>
-          <p:nvPr>
-            <p:ph sz="half" idx="1"/>
-          </p:nvPr>
-        </p:nvSpPr>
-        <p:spPr/>
-        <p:txBody>
-          <a:bodyPr/>
-          <a:lstStyle/>
-          <a:p>
-            <a:r>
-              <a:rPr lang="en-US" dirty="0"/>
-              <a:t>First bullet point here</a:t>
-            </a:r>
-          </a:p>
-          <a:p>
-            <a:r>
-              <a:rPr lang="en-US" dirty="0"/>
-              <a:t>Second bullet point here</a:t>
-            </a:r>
-          </a:p>
-          <a:p>
-            <a:r>
-              <a:rPr lang="en-US" dirty="0"/>
-              <a:t>Third bullet point here</a:t>
-            </a:r>
-          </a:p>
-        </p:txBody>
-      </p:sp>
-      <p:graphicFrame>
-        <p:nvGraphicFramePr>
-          <p:cNvPr id="5" name="Content Placeholder 4"/>
-          <p:cNvGraphicFramePr>
-            <a:graphicFrameLocks noGrp="1"/>
-          </p:cNvGraphicFramePr>
-          <p:nvPr>
-            <p:ph sz="half" idx="2"/>
-            <p:extLst>
-              <p:ext uri="{D42A27DB-BD31-4B8C-83A1-F6EECF244321}">
-                <p14:modId xmlns:p14="http://schemas.microsoft.com/office/powerpoint/2010/main" val="1580206012"/>
-              </p:ext>
-            </p:extLst>
-          </p:nvPr>
-        </p:nvGraphicFramePr>
-        <p:xfrm>
-          <a:off x="6500813" y="1706563"/>
-          <a:ext cx="5078412" cy="2255836"/>
-        </p:xfrm>
-        <a:graphic>
-          <a:graphicData uri="http://schemas.openxmlformats.org/drawingml/2006/table">
-            <a:tbl>
-              <a:tblPr firstRow="1" bandRow="1">
-                <a:tableStyleId>{5C22544A-7EE6-4342-B048-85BDC9FD1C3A}</a:tableStyleId>
-              </a:tblPr>
-              <a:tblGrid>
-                <a:gridCol w="1692804">
-                  <a:extLst>
-                    <a:ext uri="{9D8B030D-6E8A-4147-A177-3AD203B41FA5}">
-                      <a16:colId xmlns:a16="http://schemas.microsoft.com/office/drawing/2014/main" val="20000"/>
-                    </a:ext>
-                  </a:extLst>
-                </a:gridCol>
-                <a:gridCol w="1692804">
-                  <a:extLst>
-                    <a:ext uri="{9D8B030D-6E8A-4147-A177-3AD203B41FA5}">
-                      <a16:colId xmlns:a16="http://schemas.microsoft.com/office/drawing/2014/main" val="20001"/>
-                    </a:ext>
-                  </a:extLst>
-                </a:gridCol>
-                <a:gridCol w="1692804">
-                  <a:extLst>
-                    <a:ext uri="{9D8B030D-6E8A-4147-A177-3AD203B41FA5}">
-                      <a16:colId xmlns:a16="http://schemas.microsoft.com/office/drawing/2014/main" val="20002"/>
-                    </a:ext>
-                  </a:extLst>
-                </a:gridCol>
-              </a:tblGrid>
-              <a:tr h="563959">
-                <a:tc>
-                  <a:txBody>
-                    <a:bodyPr/>
-                    <a:lstStyle/>
-                    <a:p>
-                      <a:r>
-                        <a:rPr lang="en-US" dirty="0"/>
-                        <a:t>Class</a:t>
-                      </a:r>
-                    </a:p>
-                  </a:txBody>
-                  <a:tcPr anchor="ctr">
-                    <a:solidFill>
-                      <a:srgbClr val="008282"/>
-                    </a:solidFill>
-                  </a:tcPr>
-                </a:tc>
-                <a:tc>
-                  <a:txBody>
-                    <a:bodyPr/>
-                    <a:lstStyle/>
-                    <a:p>
-                      <a:pPr algn="ctr"/>
-                      <a:r>
-                        <a:rPr lang="en-US" dirty="0"/>
-                        <a:t>Group 1</a:t>
-                      </a:r>
-                    </a:p>
-                  </a:txBody>
-                  <a:tcPr anchor="ctr">
-                    <a:solidFill>
-                      <a:srgbClr val="008282"/>
-                    </a:solidFill>
-                  </a:tcPr>
-                </a:tc>
-                <a:tc>
-                  <a:txBody>
-                    <a:bodyPr/>
-                    <a:lstStyle/>
-                    <a:p>
-                      <a:pPr algn="ctr"/>
-                      <a:r>
-                        <a:rPr lang="en-US" dirty="0"/>
-                        <a:t>Group 2</a:t>
-                      </a:r>
-                    </a:p>
-                  </a:txBody>
-                  <a:tcPr anchor="ctr">
-                    <a:solidFill>
-                      <a:srgbClr val="008282"/>
-                    </a:solidFill>
-                  </a:tcPr>
-                </a:tc>
-                <a:extLst>
-                  <a:ext uri="{0D108BD9-81ED-4DB2-BD59-A6C34878D82A}">
-                    <a16:rowId xmlns:a16="http://schemas.microsoft.com/office/drawing/2014/main" val="10000"/>
-                  </a:ext>
-                </a:extLst>
-              </a:tr>
-              <a:tr h="563959">
-                <a:tc>
-                  <a:txBody>
-                    <a:bodyPr/>
-                    <a:lstStyle/>
-                    <a:p>
-                      <a:r>
-                        <a:rPr lang="en-US" dirty="0"/>
-                        <a:t>Class 1</a:t>
-                      </a:r>
-                    </a:p>
-                  </a:txBody>
-                  <a:tcPr anchor="ctr"/>
-                </a:tc>
-                <a:tc>
-                  <a:txBody>
-                    <a:bodyPr/>
-                    <a:lstStyle/>
-                    <a:p>
-                      <a:pPr algn="ctr"/>
-                      <a:r>
-                        <a:rPr lang="en-US" dirty="0"/>
-                        <a:t>82</a:t>
-                      </a:r>
-                    </a:p>
-                  </a:txBody>
-                  <a:tcPr anchor="ctr"/>
-                </a:tc>
-                <a:tc>
-                  <a:txBody>
-                    <a:bodyPr/>
-                    <a:lstStyle/>
-                    <a:p>
-                      <a:pPr algn="ctr"/>
-                      <a:r>
-                        <a:rPr lang="en-US" dirty="0"/>
-                        <a:t>95</a:t>
-                      </a:r>
-                    </a:p>
-                  </a:txBody>
-                  <a:tcPr anchor="ctr"/>
-                </a:tc>
-                <a:extLst>
-                  <a:ext uri="{0D108BD9-81ED-4DB2-BD59-A6C34878D82A}">
-                    <a16:rowId xmlns:a16="http://schemas.microsoft.com/office/drawing/2014/main" val="10001"/>
-                  </a:ext>
-                </a:extLst>
-              </a:tr>
-              <a:tr h="563959">
-                <a:tc>
-                  <a:txBody>
-                    <a:bodyPr/>
-                    <a:lstStyle/>
-                    <a:p>
-                      <a:r>
-                        <a:rPr lang="en-US" dirty="0"/>
-                        <a:t>Class 2</a:t>
-                      </a:r>
-                    </a:p>
-                  </a:txBody>
-                  <a:tcPr anchor="ctr"/>
-                </a:tc>
-                <a:tc>
-                  <a:txBody>
-                    <a:bodyPr/>
-                    <a:lstStyle/>
-                    <a:p>
-                      <a:pPr algn="ctr"/>
-                      <a:r>
-                        <a:rPr lang="en-US" dirty="0"/>
-                        <a:t>76</a:t>
-                      </a:r>
-                    </a:p>
-                  </a:txBody>
-                  <a:tcPr anchor="ctr"/>
-                </a:tc>
-                <a:tc>
-                  <a:txBody>
-                    <a:bodyPr/>
-                    <a:lstStyle/>
-                    <a:p>
-                      <a:pPr algn="ctr"/>
-                      <a:r>
-                        <a:rPr lang="en-US" dirty="0"/>
-                        <a:t>88</a:t>
-                      </a:r>
-                    </a:p>
-                  </a:txBody>
-                  <a:tcPr anchor="ctr"/>
-                </a:tc>
-                <a:extLst>
-                  <a:ext uri="{0D108BD9-81ED-4DB2-BD59-A6C34878D82A}">
-                    <a16:rowId xmlns:a16="http://schemas.microsoft.com/office/drawing/2014/main" val="10002"/>
-                  </a:ext>
-                </a:extLst>
-              </a:tr>
-              <a:tr h="563959">
-                <a:tc>
-                  <a:txBody>
-                    <a:bodyPr/>
-                    <a:lstStyle/>
-                    <a:p>
-                      <a:r>
-                        <a:rPr lang="en-US" dirty="0"/>
-                        <a:t>Class 3</a:t>
-                      </a:r>
-                    </a:p>
-                  </a:txBody>
-                  <a:tcPr anchor="ctr"/>
-                </a:tc>
-                <a:tc>
-                  <a:txBody>
-                    <a:bodyPr/>
-                    <a:lstStyle/>
-                    <a:p>
-                      <a:pPr algn="ctr"/>
-                      <a:r>
-                        <a:rPr lang="en-US" dirty="0"/>
-                        <a:t>84</a:t>
-                      </a:r>
-                    </a:p>
-                  </a:txBody>
-                  <a:tcPr anchor="ctr"/>
-                </a:tc>
-                <a:tc>
-                  <a:txBody>
-                    <a:bodyPr/>
-                    <a:lstStyle/>
-                    <a:p>
-                      <a:pPr algn="ctr"/>
-                      <a:r>
-                        <a:rPr lang="en-US" dirty="0"/>
-                        <a:t>90</a:t>
-                      </a:r>
-                    </a:p>
-                  </a:txBody>
-                  <a:tcPr anchor="ctr"/>
-                </a:tc>
-                <a:extLst>
-                  <a:ext uri="{0D108BD9-81ED-4DB2-BD59-A6C34878D82A}">
-                    <a16:rowId xmlns:a16="http://schemas.microsoft.com/office/drawing/2014/main" val="10003"/>
-                  </a:ext>
-                </a:extLst>
-              </a:tr>
-            </a:tbl>
-          </a:graphicData>
-        </a:graphic>
-      </p:graphicFrame>
-    </p:spTree>
-    <p:extLst>
-      <p:ext uri="{BB962C8B-B14F-4D97-AF65-F5344CB8AC3E}">
-        <p14:creationId xmlns:p14="http://schemas.microsoft.com/office/powerpoint/2010/main" val="2341911148"/>
-      </p:ext>
-    </p:extLst>
-  </p:cSld>
-  <p:clrMapOvr>
-    <a:masterClrMapping/>
-  </p:clrMapOvr>
-  <mc:AlternateContent xmlns:mc="http://schemas.openxmlformats.org/markup-compatibility/2006" xmlns:p14="http://schemas.microsoft.com/office/powerpoint/2010/main">
-    <mc:Choice Requires="p14">
-      <p:transition spd="med" p14:dur="700">
-        <p:fade/>
-      </p:transition>
-    </mc:Choice>
-    <mc:Fallback xmlns="">
-      <p:transition spd="med">
-        <p:fade/>
-      </p:transition>
-    </mc:Fallback>
-  </mc:AlternateContent>
-</p:sld>
-</file>
-
-<file path=ppt/slides/slide6.xml><?xml version="1.0" encoding="utf-8"?>
-<p:sld xmlns:a="http://schemas.openxmlformats.org/drawingml/2006/main" xmlns:r="http://schemas.openxmlformats.org/officeDocument/2006/relationships" xmlns:p="http://schemas.openxmlformats.org/presentationml/2006/main">
-  <p:cSld>
-    <p:spTree>
-      <p:nvGrpSpPr>
-        <p:cNvPr id="1" name=""/>
-        <p:cNvGrpSpPr/>
-        <p:nvPr/>
-      </p:nvGrpSpPr>
-      <p:grpSpPr>
-        <a:xfrm>
-          <a:off x="0" y="0"/>
-          <a:ext cx="0" cy="0"/>
-          <a:chOff x="0" y="0"/>
-          <a:chExt cx="0" cy="0"/>
-        </a:xfrm>
-      </p:grpSpPr>
-      <p:sp>
-        <p:nvSpPr>
-          <p:cNvPr id="2" name="Title 1"/>
-          <p:cNvSpPr>
-            <a:spLocks noGrp="1"/>
-          </p:cNvSpPr>
-          <p:nvPr>
-            <p:ph type="title"/>
-          </p:nvPr>
-        </p:nvSpPr>
-        <p:spPr/>
-        <p:txBody>
-          <a:bodyPr/>
-          <a:lstStyle/>
-          <a:p>
-            <a:r>
-              <a:rPr lang="en-US" dirty="0"/>
-              <a:t>Two Content Layout with SmartArt</a:t>
-            </a:r>
-          </a:p>
-        </p:txBody>
-      </p:sp>
-      <p:sp>
-        <p:nvSpPr>
-          <p:cNvPr id="3" name="Content Placeholder 2"/>
-          <p:cNvSpPr>
-            <a:spLocks noGrp="1"/>
-          </p:cNvSpPr>
-          <p:nvPr>
-            <p:ph sz="half" idx="1"/>
-          </p:nvPr>
-        </p:nvSpPr>
-        <p:spPr/>
-        <p:txBody>
-          <a:bodyPr/>
-          <a:lstStyle/>
-          <a:p>
-            <a:r>
-              <a:rPr lang="en-US" dirty="0"/>
-              <a:t>First bullet point here</a:t>
-            </a:r>
-          </a:p>
-          <a:p>
-            <a:r>
-              <a:rPr lang="en-US" dirty="0"/>
-              <a:t>Second bullet point here</a:t>
-            </a:r>
-          </a:p>
-          <a:p>
-            <a:r>
-              <a:rPr lang="en-US" dirty="0"/>
-              <a:t>Third bullet point here</a:t>
-            </a:r>
-          </a:p>
-        </p:txBody>
-      </p:sp>
-      <p:graphicFrame>
-        <p:nvGraphicFramePr>
-          <p:cNvPr id="5" name="Content Placeholder 4" descr="Staggered process showing 3 tasks arranged one below the other and two downward pointing arrows are used to indicate progression from first task to second task and second task to third task."/>
-          <p:cNvGraphicFramePr>
-            <a:graphicFrameLocks noGrp="1"/>
-          </p:cNvGraphicFramePr>
-          <p:nvPr>
-            <p:ph sz="half" idx="2"/>
-            <p:extLst>
-              <p:ext uri="{D42A27DB-BD31-4B8C-83A1-F6EECF244321}">
-                <p14:modId xmlns:p14="http://schemas.microsoft.com/office/powerpoint/2010/main" val="2561100622"/>
-              </p:ext>
-            </p:extLst>
-          </p:nvPr>
-        </p:nvGraphicFramePr>
-        <p:xfrm>
-          <a:off x="6500813" y="1706563"/>
-          <a:ext cx="5078412" cy="4465637"/>
-        </p:xfrm>
-        <a:graphic>
-          <a:graphicData uri="http://schemas.openxmlformats.org/drawingml/2006/diagram">
-            <dgm:relIds xmlns:dgm="http://schemas.openxmlformats.org/drawingml/2006/diagram" xmlns:r="http://schemas.openxmlformats.org/officeDocument/2006/relationships" r:dm="rId3" r:lo="rId4" r:qs="rId5" r:cs="rId6"/>
-          </a:graphicData>
-        </a:graphic>
-      </p:graphicFrame>
-    </p:spTree>
-    <p:extLst>
-      <p:ext uri="{BB962C8B-B14F-4D97-AF65-F5344CB8AC3E}">
-        <p14:creationId xmlns:p14="http://schemas.microsoft.com/office/powerpoint/2010/main" val="4123189245"/>
-      </p:ext>
-    </p:extLst>
-  </p:cSld>
-  <p:clrMapOvr>
-    <a:masterClrMapping/>
-  </p:clrMapOvr>
-  <mc:AlternateContent xmlns:mc="http://schemas.openxmlformats.org/markup-compatibility/2006" xmlns:p14="http://schemas.microsoft.com/office/powerpoint/2010/main">
-    <mc:Choice Requires="p14">
-      <p:transition spd="med" p14:dur="700">
-        <p:fade/>
-      </p:transition>
-    </mc:Choice>
-    <mc:Fallback xmlns="">
-      <p:transition spd="med">
-        <p:fade/>
-      </p:transition>
-    </mc:Fallback>
-  </mc:AlternateContent>
-</p:sld>
-</file>
-
-<file path=ppt/slides/slide7.xml><?xml version="1.0" encoding="utf-8"?>
-<p:sld xmlns:a="http://schemas.openxmlformats.org/drawingml/2006/main" xmlns:r="http://schemas.openxmlformats.org/officeDocument/2006/relationships" xmlns:p="http://schemas.openxmlformats.org/presentationml/2006/main">
-  <p:cSld>
-    <p:spTree>
-      <p:nvGrpSpPr>
-        <p:cNvPr id="1" name=""/>
-        <p:cNvGrpSpPr/>
-        <p:nvPr/>
-      </p:nvGrpSpPr>
-      <p:grpSpPr>
-        <a:xfrm>
-          <a:off x="0" y="0"/>
-          <a:ext cx="0" cy="0"/>
-          <a:chOff x="0" y="0"/>
-          <a:chExt cx="0" cy="0"/>
-        </a:xfrm>
-      </p:grpSpPr>
-      <p:sp>
-        <p:nvSpPr>
-          <p:cNvPr id="4" name="Title 3"/>
-          <p:cNvSpPr>
-            <a:spLocks noGrp="1"/>
-          </p:cNvSpPr>
-          <p:nvPr>
-            <p:ph type="title"/>
-          </p:nvPr>
-        </p:nvSpPr>
-        <p:spPr/>
-        <p:txBody>
-          <a:bodyPr/>
-          <a:lstStyle/>
-          <a:p>
-            <a:r>
-              <a:rPr lang="en-US" dirty="0"/>
-              <a:t>Add a Slide Title - 1</a:t>
-            </a:r>
-          </a:p>
-        </p:txBody>
-      </p:sp>
-      <p:sp>
-        <p:nvSpPr>
-          <p:cNvPr id="5" name="Text Placeholder 4"/>
-          <p:cNvSpPr>
-            <a:spLocks noGrp="1"/>
-          </p:cNvSpPr>
-          <p:nvPr>
-            <p:ph type="body" idx="1"/>
-          </p:nvPr>
-        </p:nvSpPr>
-        <p:spPr/>
-        <p:txBody>
-          <a:bodyPr/>
-          <a:lstStyle/>
-          <a:p>
-            <a:endParaRPr lang="en-US" dirty="0"/>
-          </a:p>
-        </p:txBody>
-      </p:sp>
-    </p:spTree>
-    <p:extLst>
-      <p:ext uri="{BB962C8B-B14F-4D97-AF65-F5344CB8AC3E}">
-        <p14:creationId xmlns:p14="http://schemas.microsoft.com/office/powerpoint/2010/main" val="4264977537"/>
-      </p:ext>
-    </p:extLst>
-  </p:cSld>
-  <p:clrMapOvr>
-    <a:masterClrMapping/>
-  </p:clrMapOvr>
-  <mc:AlternateContent xmlns:mc="http://schemas.openxmlformats.org/markup-compatibility/2006" xmlns:p14="http://schemas.microsoft.com/office/powerpoint/2010/main">
-    <mc:Choice Requires="p14">
-      <p:transition spd="med" p14:dur="700">
-        <p:fade/>
-      </p:transition>
-    </mc:Choice>
-    <mc:Fallback xmlns="">
-      <p:transition spd="med">
-        <p:fade/>
-      </p:transition>
-    </mc:Fallback>
-  </mc:AlternateContent>
-</p:sld>
-</file>
-
-<file path=ppt/slides/slide8.xml><?xml version="1.0" encoding="utf-8"?>
-<p:sld xmlns:a="http://schemas.openxmlformats.org/drawingml/2006/main" xmlns:r="http://schemas.openxmlformats.org/officeDocument/2006/relationships" xmlns:p="http://schemas.openxmlformats.org/presentationml/2006/main">
-  <p:cSld>
-    <p:spTree>
-      <p:nvGrpSpPr>
-        <p:cNvPr id="1" name=""/>
-        <p:cNvGrpSpPr/>
-        <p:nvPr/>
-      </p:nvGrpSpPr>
-      <p:grpSpPr>
-        <a:xfrm>
-          <a:off x="0" y="0"/>
-          <a:ext cx="0" cy="0"/>
-          <a:chOff x="0" y="0"/>
-          <a:chExt cx="0" cy="0"/>
-        </a:xfrm>
-      </p:grpSpPr>
-      <p:sp>
-        <p:nvSpPr>
-          <p:cNvPr id="7" name="Title 6"/>
-          <p:cNvSpPr>
-            <a:spLocks noGrp="1"/>
-          </p:cNvSpPr>
-          <p:nvPr>
-            <p:ph type="title"/>
-          </p:nvPr>
-        </p:nvSpPr>
-        <p:spPr/>
-        <p:txBody>
-          <a:bodyPr/>
-          <a:lstStyle/>
-          <a:p>
-            <a:r>
-              <a:rPr lang="en-US" dirty="0"/>
-              <a:t>Add a Slide Title - 2</a:t>
-            </a:r>
-          </a:p>
-        </p:txBody>
-      </p:sp>
-      <p:sp>
-        <p:nvSpPr>
-          <p:cNvPr id="8" name="Text Placeholder 7"/>
-          <p:cNvSpPr>
-            <a:spLocks noGrp="1"/>
-          </p:cNvSpPr>
-          <p:nvPr>
-            <p:ph type="body" idx="1"/>
-          </p:nvPr>
-        </p:nvSpPr>
-        <p:spPr/>
-        <p:txBody>
-          <a:bodyPr/>
-          <a:lstStyle/>
-          <a:p>
-            <a:endParaRPr lang="en-US" dirty="0"/>
-          </a:p>
-        </p:txBody>
-      </p:sp>
-      <p:sp>
-        <p:nvSpPr>
-          <p:cNvPr id="10" name="Content Placeholder 9"/>
-          <p:cNvSpPr>
-            <a:spLocks noGrp="1"/>
-          </p:cNvSpPr>
-          <p:nvPr>
-            <p:ph sz="half" idx="2"/>
-          </p:nvPr>
-        </p:nvSpPr>
-        <p:spPr/>
-        <p:txBody>
-          <a:bodyPr/>
-          <a:lstStyle/>
-          <a:p>
-            <a:endParaRPr lang="en-US" dirty="0"/>
-          </a:p>
-        </p:txBody>
-      </p:sp>
-      <p:sp>
-        <p:nvSpPr>
-          <p:cNvPr id="9" name="Text Placeholder 8"/>
-          <p:cNvSpPr>
-            <a:spLocks noGrp="1"/>
-          </p:cNvSpPr>
-          <p:nvPr>
-            <p:ph type="body" sz="quarter" idx="3"/>
-          </p:nvPr>
-        </p:nvSpPr>
-        <p:spPr/>
-        <p:txBody>
-          <a:bodyPr/>
-          <a:lstStyle/>
-          <a:p>
-            <a:endParaRPr lang="en-US" dirty="0"/>
-          </a:p>
-        </p:txBody>
-      </p:sp>
-      <p:sp>
-        <p:nvSpPr>
-          <p:cNvPr id="11" name="Content Placeholder 10"/>
-          <p:cNvSpPr>
-            <a:spLocks noGrp="1"/>
-          </p:cNvSpPr>
-          <p:nvPr>
-            <p:ph sz="quarter" idx="4"/>
-          </p:nvPr>
-        </p:nvSpPr>
-        <p:spPr/>
-        <p:txBody>
-          <a:bodyPr/>
-          <a:lstStyle/>
-          <a:p>
-            <a:endParaRPr lang="en-US" dirty="0"/>
-          </a:p>
-        </p:txBody>
-      </p:sp>
-    </p:spTree>
-    <p:extLst>
-      <p:ext uri="{BB962C8B-B14F-4D97-AF65-F5344CB8AC3E}">
-        <p14:creationId xmlns:p14="http://schemas.microsoft.com/office/powerpoint/2010/main" val="2672039197"/>
-      </p:ext>
-    </p:extLst>
-  </p:cSld>
-  <p:clrMapOvr>
-    <a:masterClrMapping/>
-  </p:clrMapOvr>
-  <mc:AlternateContent xmlns:mc="http://schemas.openxmlformats.org/markup-compatibility/2006" xmlns:p14="http://schemas.microsoft.com/office/powerpoint/2010/main">
-    <mc:Choice Requires="p14">
-      <p:transition spd="med" p14:dur="700">
-        <p:fade/>
-      </p:transition>
-    </mc:Choice>
-    <mc:Fallback xmlns="">
-      <p:transition spd="med">
-        <p:fade/>
-      </p:transition>
-    </mc:Fallback>
-  </mc:AlternateContent>
-</p:sld>
-</file>
-
-<file path=ppt/slides/slide9.xml><?xml version="1.0" encoding="utf-8"?>
-<p:sld xmlns:a="http://schemas.openxmlformats.org/drawingml/2006/main" xmlns:r="http://schemas.openxmlformats.org/officeDocument/2006/relationships" xmlns:p="http://schemas.openxmlformats.org/presentationml/2006/main">
-  <p:cSld>
-    <p:spTree>
-      <p:nvGrpSpPr>
-        <p:cNvPr id="1" name=""/>
-        <p:cNvGrpSpPr/>
-        <p:nvPr/>
-      </p:nvGrpSpPr>
-      <p:grpSpPr>
-        <a:xfrm>
-          <a:off x="0" y="0"/>
-          <a:ext cx="0" cy="0"/>
-          <a:chOff x="0" y="0"/>
-          <a:chExt cx="0" cy="0"/>
-        </a:xfrm>
-      </p:grpSpPr>
-      <p:sp>
-        <p:nvSpPr>
-          <p:cNvPr id="3" name="Title 2"/>
-          <p:cNvSpPr>
-            <a:spLocks noGrp="1"/>
-          </p:cNvSpPr>
-          <p:nvPr>
-            <p:ph type="title"/>
-          </p:nvPr>
-        </p:nvSpPr>
-        <p:spPr/>
-        <p:txBody>
-          <a:bodyPr/>
-          <a:lstStyle/>
-          <a:p>
-            <a:r>
-              <a:rPr lang="en-US" dirty="0"/>
-              <a:t>Add a Slide Title - 3</a:t>
-            </a:r>
-          </a:p>
-        </p:txBody>
-      </p:sp>
-    </p:spTree>
-    <p:extLst>
-      <p:ext uri="{BB962C8B-B14F-4D97-AF65-F5344CB8AC3E}">
-        <p14:creationId xmlns:p14="http://schemas.microsoft.com/office/powerpoint/2010/main" val="397710800"/>
-      </p:ext>
-    </p:extLst>
-  </p:cSld>
-  <p:clrMapOvr>
-    <a:masterClrMapping/>
-  </p:clrMapOvr>
-  <mc:AlternateContent xmlns:mc="http://schemas.openxmlformats.org/markup-compatibility/2006" xmlns:p14="http://schemas.microsoft.com/office/powerpoint/2010/main">
-    <mc:Choice Requires="p14">
-      <p:transition spd="med" p14:dur="700">
-        <p:fade/>
-      </p:transition>
-    </mc:Choice>
-    <mc:Fallback xmlns="">
-      <p:transition spd="med">
-        <p:fade/>
-      </p:transition>
-    </mc:Fallback>
-  </mc:AlternateContent>
+  <p:timing>
+    <p:tnLst>
+      <p:par>
+        <p:cTn id="1" dur="indefinite" restart="never" nodeType="tmRoot"/>
+      </p:par>
+    </p:tnLst>
+  </p:timing>
 </p:sld>
 </file>
 
@@ -12550,6 +7933,287 @@
 </a:theme>
 </file>
 
+<file path=ppt/theme/themeOverride1.xml><?xml version="1.0" encoding="utf-8"?>
+<a:themeOverride xmlns:a="http://schemas.openxmlformats.org/drawingml/2006/main">
+  <a:clrScheme name="Office">
+    <a:dk1>
+      <a:sysClr val="windowText" lastClr="000000"/>
+    </a:dk1>
+    <a:lt1>
+      <a:sysClr val="window" lastClr="FFFFFF"/>
+    </a:lt1>
+    <a:dk2>
+      <a:srgbClr val="1F497D"/>
+    </a:dk2>
+    <a:lt2>
+      <a:srgbClr val="EEECE1"/>
+    </a:lt2>
+    <a:accent1>
+      <a:srgbClr val="4F81BD"/>
+    </a:accent1>
+    <a:accent2>
+      <a:srgbClr val="C0504D"/>
+    </a:accent2>
+    <a:accent3>
+      <a:srgbClr val="9BBB59"/>
+    </a:accent3>
+    <a:accent4>
+      <a:srgbClr val="8064A2"/>
+    </a:accent4>
+    <a:accent5>
+      <a:srgbClr val="4BACC6"/>
+    </a:accent5>
+    <a:accent6>
+      <a:srgbClr val="F79646"/>
+    </a:accent6>
+    <a:hlink>
+      <a:srgbClr val="0000FF"/>
+    </a:hlink>
+    <a:folHlink>
+      <a:srgbClr val="800080"/>
+    </a:folHlink>
+  </a:clrScheme>
+  <a:fontScheme name="Office">
+    <a:majorFont>
+      <a:latin typeface="Cambria" panose="020F0302020204030204"/>
+      <a:ea typeface=""/>
+      <a:cs typeface=""/>
+      <a:font script="Jpan" typeface="ＭＳ Ｐゴシック"/>
+      <a:font script="Hang" typeface="맑은 고딕"/>
+      <a:font script="Hans" typeface="宋体"/>
+      <a:font script="Hant" typeface="新細明體"/>
+      <a:font script="Arab" typeface="Times New Roman"/>
+      <a:font script="Hebr" typeface="Times New Roman"/>
+      <a:font script="Thai" typeface="Tahoma"/>
+      <a:font script="Ethi" typeface="Nyala"/>
+      <a:font script="Beng" typeface="Vrinda"/>
+      <a:font script="Gujr" typeface="Shruti"/>
+      <a:font script="Khmr" typeface="MoolBoran"/>
+      <a:font script="Knda" typeface="Tunga"/>
+      <a:font script="Guru" typeface="Raavi"/>
+      <a:font script="Cans" typeface="Euphemia"/>
+      <a:font script="Cher" typeface="Plantagenet Cherokee"/>
+      <a:font script="Yiii" typeface="Microsoft Yi Baiti"/>
+      <a:font script="Tibt" typeface="Microsoft Himalaya"/>
+      <a:font script="Thaa" typeface="MV Boli"/>
+      <a:font script="Deva" typeface="Mangal"/>
+      <a:font script="Telu" typeface="Gautami"/>
+      <a:font script="Taml" typeface="Latha"/>
+      <a:font script="Syrc" typeface="Estrangelo Edessa"/>
+      <a:font script="Orya" typeface="Kalinga"/>
+      <a:font script="Mlym" typeface="Kartika"/>
+      <a:font script="Laoo" typeface="DokChampa"/>
+      <a:font script="Sinh" typeface="Iskoola Pota"/>
+      <a:font script="Mong" typeface="Mongolian Baiti"/>
+      <a:font script="Viet" typeface="Times New Roman"/>
+      <a:font script="Uigh" typeface="Microsoft Uighur"/>
+      <a:font script="Geor" typeface="Sylfaen"/>
+    </a:majorFont>
+    <a:minorFont>
+      <a:latin typeface="Calibri" panose="020F0502020204030204"/>
+      <a:ea typeface=""/>
+      <a:cs typeface=""/>
+      <a:font script="Jpan" typeface="ＭＳ Ｐゴシック"/>
+      <a:font script="Hang" typeface="맑은 고딕"/>
+      <a:font script="Hans" typeface="宋体"/>
+      <a:font script="Hant" typeface="新細明體"/>
+      <a:font script="Arab" typeface="Arial"/>
+      <a:font script="Hebr" typeface="Arial"/>
+      <a:font script="Thai" typeface="Tahoma"/>
+      <a:font script="Ethi" typeface="Nyala"/>
+      <a:font script="Beng" typeface="Vrinda"/>
+      <a:font script="Gujr" typeface="Shruti"/>
+      <a:font script="Khmr" typeface="DaunPenh"/>
+      <a:font script="Knda" typeface="Tunga"/>
+      <a:font script="Guru" typeface="Raavi"/>
+      <a:font script="Cans" typeface="Euphemia"/>
+      <a:font script="Cher" typeface="Plantagenet Cherokee"/>
+      <a:font script="Yiii" typeface="Microsoft Yi Baiti"/>
+      <a:font script="Tibt" typeface="Microsoft Himalaya"/>
+      <a:font script="Thaa" typeface="MV Boli"/>
+      <a:font script="Deva" typeface="Mangal"/>
+      <a:font script="Telu" typeface="Gautami"/>
+      <a:font script="Taml" typeface="Latha"/>
+      <a:font script="Syrc" typeface="Estrangelo Edessa"/>
+      <a:font script="Orya" typeface="Kalinga"/>
+      <a:font script="Mlym" typeface="Kartika"/>
+      <a:font script="Laoo" typeface="DokChampa"/>
+      <a:font script="Sinh" typeface="Iskoola Pota"/>
+      <a:font script="Mong" typeface="Mongolian Baiti"/>
+      <a:font script="Viet" typeface="Arial"/>
+      <a:font script="Uigh" typeface="Microsoft Uighur"/>
+      <a:font script="Geor" typeface="Sylfaen"/>
+    </a:minorFont>
+  </a:fontScheme>
+  <a:fmtScheme name="Office">
+    <a:fillStyleLst>
+      <a:solidFill>
+        <a:schemeClr val="phClr"/>
+      </a:solidFill>
+      <a:gradFill rotWithShape="1">
+        <a:gsLst>
+          <a:gs pos="0">
+            <a:schemeClr val="phClr">
+              <a:tint val="50000"/>
+              <a:satMod val="300000"/>
+            </a:schemeClr>
+          </a:gs>
+          <a:gs pos="35000">
+            <a:schemeClr val="phClr">
+              <a:tint val="37000"/>
+              <a:satMod val="300000"/>
+            </a:schemeClr>
+          </a:gs>
+          <a:gs pos="100000">
+            <a:schemeClr val="phClr">
+              <a:tint val="15000"/>
+              <a:satMod val="350000"/>
+            </a:schemeClr>
+          </a:gs>
+        </a:gsLst>
+        <a:lin ang="16200000" scaled="1"/>
+      </a:gradFill>
+      <a:gradFill rotWithShape="1">
+        <a:gsLst>
+          <a:gs pos="0">
+            <a:schemeClr val="phClr">
+              <a:shade val="51000"/>
+              <a:satMod val="130000"/>
+            </a:schemeClr>
+          </a:gs>
+          <a:gs pos="80000">
+            <a:schemeClr val="phClr">
+              <a:shade val="93000"/>
+              <a:satMod val="130000"/>
+            </a:schemeClr>
+          </a:gs>
+          <a:gs pos="100000">
+            <a:schemeClr val="phClr">
+              <a:shade val="94000"/>
+              <a:satMod val="135000"/>
+            </a:schemeClr>
+          </a:gs>
+        </a:gsLst>
+        <a:lin ang="16200000" scaled="0"/>
+      </a:gradFill>
+    </a:fillStyleLst>
+    <a:lnStyleLst>
+      <a:ln w="9525" cap="flat" cmpd="sng" algn="ctr">
+        <a:solidFill>
+          <a:schemeClr val="phClr">
+            <a:shade val="95000"/>
+            <a:satMod val="105000"/>
+          </a:schemeClr>
+        </a:solidFill>
+        <a:prstDash val="solid"/>
+      </a:ln>
+      <a:ln w="25400" cap="flat" cmpd="sng" algn="ctr">
+        <a:solidFill>
+          <a:schemeClr val="phClr"/>
+        </a:solidFill>
+        <a:prstDash val="solid"/>
+      </a:ln>
+      <a:ln w="38100" cap="flat" cmpd="sng" algn="ctr">
+        <a:solidFill>
+          <a:schemeClr val="phClr"/>
+        </a:solidFill>
+        <a:prstDash val="solid"/>
+      </a:ln>
+    </a:lnStyleLst>
+    <a:effectStyleLst>
+      <a:effectStyle>
+        <a:effectLst>
+          <a:outerShdw blurRad="40000" dist="20000" dir="5400000" rotWithShape="0">
+            <a:srgbClr val="000000">
+              <a:alpha val="38000"/>
+            </a:srgbClr>
+          </a:outerShdw>
+        </a:effectLst>
+      </a:effectStyle>
+      <a:effectStyle>
+        <a:effectLst>
+          <a:outerShdw blurRad="40000" dist="23000" dir="5400000" rotWithShape="0">
+            <a:srgbClr val="000000">
+              <a:alpha val="35000"/>
+            </a:srgbClr>
+          </a:outerShdw>
+        </a:effectLst>
+      </a:effectStyle>
+      <a:effectStyle>
+        <a:effectLst>
+          <a:outerShdw blurRad="40000" dist="23000" dir="5400000" rotWithShape="0">
+            <a:srgbClr val="000000">
+              <a:alpha val="35000"/>
+            </a:srgbClr>
+          </a:outerShdw>
+        </a:effectLst>
+        <a:scene3d>
+          <a:camera prst="orthographicFront">
+            <a:rot lat="0" lon="0" rev="0"/>
+          </a:camera>
+          <a:lightRig rig="threePt" dir="t">
+            <a:rot lat="0" lon="0" rev="1200000"/>
+          </a:lightRig>
+        </a:scene3d>
+        <a:sp3d>
+          <a:bevelT w="63500" h="25400"/>
+        </a:sp3d>
+      </a:effectStyle>
+    </a:effectStyleLst>
+    <a:bgFillStyleLst>
+      <a:solidFill>
+        <a:schemeClr val="phClr"/>
+      </a:solidFill>
+      <a:gradFill rotWithShape="1">
+        <a:gsLst>
+          <a:gs pos="0">
+            <a:schemeClr val="phClr">
+              <a:tint val="40000"/>
+              <a:satMod val="350000"/>
+            </a:schemeClr>
+          </a:gs>
+          <a:gs pos="40000">
+            <a:schemeClr val="phClr">
+              <a:tint val="45000"/>
+              <a:shade val="99000"/>
+              <a:satMod val="350000"/>
+            </a:schemeClr>
+          </a:gs>
+          <a:gs pos="100000">
+            <a:schemeClr val="phClr">
+              <a:shade val="20000"/>
+              <a:satMod val="255000"/>
+            </a:schemeClr>
+          </a:gs>
+        </a:gsLst>
+        <a:path path="circle">
+          <a:fillToRect l="50000" t="-80000" r="50000" b="180000"/>
+        </a:path>
+      </a:gradFill>
+      <a:gradFill rotWithShape="1">
+        <a:gsLst>
+          <a:gs pos="0">
+            <a:schemeClr val="phClr">
+              <a:tint val="80000"/>
+              <a:satMod val="300000"/>
+            </a:schemeClr>
+          </a:gs>
+          <a:gs pos="100000">
+            <a:schemeClr val="phClr">
+              <a:shade val="30000"/>
+              <a:satMod val="200000"/>
+            </a:schemeClr>
+          </a:gs>
+        </a:gsLst>
+        <a:path path="circle">
+          <a:fillToRect l="50000" t="50000" r="50000" b="50000"/>
+        </a:path>
+      </a:gradFill>
+    </a:bgFillStyleLst>
+  </a:fmtScheme>
+</a:themeOverride>
+</file>
+
 <file path=customXml/item1.xml><?xml version="1.0" encoding="utf-8"?>
 <p:properties xmlns:p="http://schemas.microsoft.com/office/2006/metadata/properties" xmlns:xsi="http://www.w3.org/2001/XMLSchema-instance" xmlns:pc="http://schemas.microsoft.com/office/infopath/2007/PartnerControls">
   <documentManagement>
@@ -13738,13 +9402,13 @@
 <file path=customXml/itemProps1.xml><?xml version="1.0" encoding="utf-8"?>
 <ds:datastoreItem xmlns:ds="http://schemas.openxmlformats.org/officeDocument/2006/customXml" ds:itemID="{60C67BEE-D13F-4BD2-98A5-34D8A0977F68}">
   <ds:schemaRefs>
+    <ds:schemaRef ds:uri="http://purl.org/dc/elements/1.1/"/>
+    <ds:schemaRef ds:uri="http://schemas.microsoft.com/office/2006/metadata/properties"/>
     <ds:schemaRef ds:uri="4873beb7-5857-4685-be1f-d57550cc96cc"/>
     <ds:schemaRef ds:uri="http://schemas.openxmlformats.org/package/2006/metadata/core-properties"/>
     <ds:schemaRef ds:uri="http://purl.org/dc/terms/"/>
+    <ds:schemaRef ds:uri="http://schemas.microsoft.com/office/infopath/2007/PartnerControls"/>
     <ds:schemaRef ds:uri="http://schemas.microsoft.com/office/2006/documentManagement/types"/>
-    <ds:schemaRef ds:uri="http://purl.org/dc/elements/1.1/"/>
-    <ds:schemaRef ds:uri="http://schemas.microsoft.com/office/2006/metadata/properties"/>
-    <ds:schemaRef ds:uri="http://schemas.microsoft.com/office/infopath/2007/PartnerControls"/>
     <ds:schemaRef ds:uri="http://www.w3.org/XML/1998/namespace"/>
     <ds:schemaRef ds:uri="http://purl.org/dc/dcmitype/"/>
   </ds:schemaRefs>
